--- a/presentation.pptx
+++ b/presentation.pptx
@@ -4,6 +4,9 @@
   <p:sldMasterIdLst>
     <p:sldMasterId id="2147483673" r:id="rId1"/>
   </p:sldMasterIdLst>
+  <p:notesMasterIdLst>
+    <p:notesMasterId r:id="rId10"/>
+  </p:notesMasterIdLst>
   <p:sldIdLst>
     <p:sldId id="259" r:id="rId2"/>
     <p:sldId id="257" r:id="rId3"/>
@@ -12,6 +15,7 @@
     <p:sldId id="263" r:id="rId6"/>
     <p:sldId id="262" r:id="rId7"/>
     <p:sldId id="264" r:id="rId8"/>
+    <p:sldId id="265" r:id="rId9"/>
   </p:sldIdLst>
   <p:sldSz cx="12192000" cy="6858000"/>
   <p:notesSz cx="6858000" cy="9144000"/>
@@ -111,6 +115,440 @@
     </a:lvl9pPr>
   </p:defaultTextStyle>
 </p:presentation>
+</file>
+
+<file path=ppt/notesMasters/notesMaster1.xml><?xml version="1.0" encoding="utf-8"?>
+<p:notesMaster xmlns:a="http://schemas.openxmlformats.org/drawingml/2006/main" xmlns:r="http://schemas.openxmlformats.org/officeDocument/2006/relationships" xmlns:p="http://schemas.openxmlformats.org/presentationml/2006/main">
+  <p:cSld>
+    <p:bg>
+      <p:bgRef idx="1001">
+        <a:schemeClr val="bg1"/>
+      </p:bgRef>
+    </p:bg>
+    <p:spTree>
+      <p:nvGrpSpPr>
+        <p:cNvPr id="1" name=""/>
+        <p:cNvGrpSpPr/>
+        <p:nvPr/>
+      </p:nvGrpSpPr>
+      <p:grpSpPr>
+        <a:xfrm>
+          <a:off x="0" y="0"/>
+          <a:ext cx="0" cy="0"/>
+          <a:chOff x="0" y="0"/>
+          <a:chExt cx="0" cy="0"/>
+        </a:xfrm>
+      </p:grpSpPr>
+      <p:sp>
+        <p:nvSpPr>
+          <p:cNvPr id="2" name="Header Placeholder 1"/>
+          <p:cNvSpPr>
+            <a:spLocks noGrp="1"/>
+          </p:cNvSpPr>
+          <p:nvPr>
+            <p:ph type="hdr" sz="quarter"/>
+          </p:nvPr>
+        </p:nvSpPr>
+        <p:spPr>
+          <a:xfrm>
+            <a:off x="0" y="0"/>
+            <a:ext cx="2971800" cy="458788"/>
+          </a:xfrm>
+          <a:prstGeom prst="rect">
+            <a:avLst/>
+          </a:prstGeom>
+        </p:spPr>
+        <p:txBody>
+          <a:bodyPr vert="horz" lIns="91440" tIns="45720" rIns="91440" bIns="45720" rtlCol="0"/>
+          <a:lstStyle>
+            <a:lvl1pPr algn="l">
+              <a:defRPr sz="1200"/>
+            </a:lvl1pPr>
+          </a:lstStyle>
+          <a:p>
+            <a:endParaRPr lang="en-ES"/>
+          </a:p>
+        </p:txBody>
+      </p:sp>
+      <p:sp>
+        <p:nvSpPr>
+          <p:cNvPr id="3" name="Date Placeholder 2"/>
+          <p:cNvSpPr>
+            <a:spLocks noGrp="1"/>
+          </p:cNvSpPr>
+          <p:nvPr>
+            <p:ph type="dt" idx="1"/>
+          </p:nvPr>
+        </p:nvSpPr>
+        <p:spPr>
+          <a:xfrm>
+            <a:off x="3884613" y="0"/>
+            <a:ext cx="2971800" cy="458788"/>
+          </a:xfrm>
+          <a:prstGeom prst="rect">
+            <a:avLst/>
+          </a:prstGeom>
+        </p:spPr>
+        <p:txBody>
+          <a:bodyPr vert="horz" lIns="91440" tIns="45720" rIns="91440" bIns="45720" rtlCol="0"/>
+          <a:lstStyle>
+            <a:lvl1pPr algn="r">
+              <a:defRPr sz="1200"/>
+            </a:lvl1pPr>
+          </a:lstStyle>
+          <a:p>
+            <a:fld id="{0FF01689-8E56-B148-9817-E35A13E020A7}" type="datetimeFigureOut">
+              <a:rPr lang="en-ES" smtClean="0"/>
+              <a:t>30/7/21</a:t>
+            </a:fld>
+            <a:endParaRPr lang="en-ES"/>
+          </a:p>
+        </p:txBody>
+      </p:sp>
+      <p:sp>
+        <p:nvSpPr>
+          <p:cNvPr id="4" name="Slide Image Placeholder 3"/>
+          <p:cNvSpPr>
+            <a:spLocks noGrp="1" noRot="1" noChangeAspect="1"/>
+          </p:cNvSpPr>
+          <p:nvPr>
+            <p:ph type="sldImg" idx="2"/>
+          </p:nvPr>
+        </p:nvSpPr>
+        <p:spPr>
+          <a:xfrm>
+            <a:off x="685800" y="1143000"/>
+            <a:ext cx="5486400" cy="3086100"/>
+          </a:xfrm>
+          <a:prstGeom prst="rect">
+            <a:avLst/>
+          </a:prstGeom>
+          <a:noFill/>
+          <a:ln w="12700">
+            <a:solidFill>
+              <a:prstClr val="black"/>
+            </a:solidFill>
+          </a:ln>
+        </p:spPr>
+        <p:txBody>
+          <a:bodyPr vert="horz" lIns="91440" tIns="45720" rIns="91440" bIns="45720" rtlCol="0" anchor="ctr"/>
+          <a:lstStyle/>
+          <a:p>
+            <a:endParaRPr lang="en-ES"/>
+          </a:p>
+        </p:txBody>
+      </p:sp>
+      <p:sp>
+        <p:nvSpPr>
+          <p:cNvPr id="5" name="Notes Placeholder 4"/>
+          <p:cNvSpPr>
+            <a:spLocks noGrp="1"/>
+          </p:cNvSpPr>
+          <p:nvPr>
+            <p:ph type="body" sz="quarter" idx="3"/>
+          </p:nvPr>
+        </p:nvSpPr>
+        <p:spPr>
+          <a:xfrm>
+            <a:off x="685800" y="4400550"/>
+            <a:ext cx="5486400" cy="3600450"/>
+          </a:xfrm>
+          <a:prstGeom prst="rect">
+            <a:avLst/>
+          </a:prstGeom>
+        </p:spPr>
+        <p:txBody>
+          <a:bodyPr vert="horz" lIns="91440" tIns="45720" rIns="91440" bIns="45720" rtlCol="0"/>
+          <a:lstStyle/>
+          <a:p>
+            <a:pPr lvl="0"/>
+            <a:r>
+              <a:rPr lang="en-GB"/>
+              <a:t>Click to edit Master text styles</a:t>
+            </a:r>
+          </a:p>
+          <a:p>
+            <a:pPr lvl="1"/>
+            <a:r>
+              <a:rPr lang="en-GB"/>
+              <a:t>Second level</a:t>
+            </a:r>
+          </a:p>
+          <a:p>
+            <a:pPr lvl="2"/>
+            <a:r>
+              <a:rPr lang="en-GB"/>
+              <a:t>Third level</a:t>
+            </a:r>
+          </a:p>
+          <a:p>
+            <a:pPr lvl="3"/>
+            <a:r>
+              <a:rPr lang="en-GB"/>
+              <a:t>Fourth level</a:t>
+            </a:r>
+          </a:p>
+          <a:p>
+            <a:pPr lvl="4"/>
+            <a:r>
+              <a:rPr lang="en-GB"/>
+              <a:t>Fifth level</a:t>
+            </a:r>
+            <a:endParaRPr lang="en-ES"/>
+          </a:p>
+        </p:txBody>
+      </p:sp>
+      <p:sp>
+        <p:nvSpPr>
+          <p:cNvPr id="6" name="Footer Placeholder 5"/>
+          <p:cNvSpPr>
+            <a:spLocks noGrp="1"/>
+          </p:cNvSpPr>
+          <p:nvPr>
+            <p:ph type="ftr" sz="quarter" idx="4"/>
+          </p:nvPr>
+        </p:nvSpPr>
+        <p:spPr>
+          <a:xfrm>
+            <a:off x="0" y="8685213"/>
+            <a:ext cx="2971800" cy="458787"/>
+          </a:xfrm>
+          <a:prstGeom prst="rect">
+            <a:avLst/>
+          </a:prstGeom>
+        </p:spPr>
+        <p:txBody>
+          <a:bodyPr vert="horz" lIns="91440" tIns="45720" rIns="91440" bIns="45720" rtlCol="0" anchor="b"/>
+          <a:lstStyle>
+            <a:lvl1pPr algn="l">
+              <a:defRPr sz="1200"/>
+            </a:lvl1pPr>
+          </a:lstStyle>
+          <a:p>
+            <a:endParaRPr lang="en-ES"/>
+          </a:p>
+        </p:txBody>
+      </p:sp>
+      <p:sp>
+        <p:nvSpPr>
+          <p:cNvPr id="7" name="Slide Number Placeholder 6"/>
+          <p:cNvSpPr>
+            <a:spLocks noGrp="1"/>
+          </p:cNvSpPr>
+          <p:nvPr>
+            <p:ph type="sldNum" sz="quarter" idx="5"/>
+          </p:nvPr>
+        </p:nvSpPr>
+        <p:spPr>
+          <a:xfrm>
+            <a:off x="3884613" y="8685213"/>
+            <a:ext cx="2971800" cy="458787"/>
+          </a:xfrm>
+          <a:prstGeom prst="rect">
+            <a:avLst/>
+          </a:prstGeom>
+        </p:spPr>
+        <p:txBody>
+          <a:bodyPr vert="horz" lIns="91440" tIns="45720" rIns="91440" bIns="45720" rtlCol="0" anchor="b"/>
+          <a:lstStyle>
+            <a:lvl1pPr algn="r">
+              <a:defRPr sz="1200"/>
+            </a:lvl1pPr>
+          </a:lstStyle>
+          <a:p>
+            <a:fld id="{203F9FA2-9BB0-CD40-B0B4-99C864FB7430}" type="slidenum">
+              <a:rPr lang="en-ES" smtClean="0"/>
+              <a:t>‹#›</a:t>
+            </a:fld>
+            <a:endParaRPr lang="en-ES"/>
+          </a:p>
+        </p:txBody>
+      </p:sp>
+    </p:spTree>
+    <p:extLst>
+      <p:ext uri="{BB962C8B-B14F-4D97-AF65-F5344CB8AC3E}">
+        <p14:creationId xmlns:p14="http://schemas.microsoft.com/office/powerpoint/2010/main" val="1153483026"/>
+      </p:ext>
+    </p:extLst>
+  </p:cSld>
+  <p:clrMap bg1="lt1" tx1="dk1" bg2="lt2" tx2="dk2" accent1="accent1" accent2="accent2" accent3="accent3" accent4="accent4" accent5="accent5" accent6="accent6" hlink="hlink" folHlink="folHlink"/>
+  <p:notesStyle>
+    <a:lvl1pPr marL="0" algn="l" defTabSz="914400" rtl="0" eaLnBrk="1" latinLnBrk="0" hangingPunct="1">
+      <a:defRPr sz="1200" kern="1200">
+        <a:solidFill>
+          <a:schemeClr val="tx1"/>
+        </a:solidFill>
+        <a:latin typeface="+mn-lt"/>
+        <a:ea typeface="+mn-ea"/>
+        <a:cs typeface="+mn-cs"/>
+      </a:defRPr>
+    </a:lvl1pPr>
+    <a:lvl2pPr marL="457200" algn="l" defTabSz="914400" rtl="0" eaLnBrk="1" latinLnBrk="0" hangingPunct="1">
+      <a:defRPr sz="1200" kern="1200">
+        <a:solidFill>
+          <a:schemeClr val="tx1"/>
+        </a:solidFill>
+        <a:latin typeface="+mn-lt"/>
+        <a:ea typeface="+mn-ea"/>
+        <a:cs typeface="+mn-cs"/>
+      </a:defRPr>
+    </a:lvl2pPr>
+    <a:lvl3pPr marL="914400" algn="l" defTabSz="914400" rtl="0" eaLnBrk="1" latinLnBrk="0" hangingPunct="1">
+      <a:defRPr sz="1200" kern="1200">
+        <a:solidFill>
+          <a:schemeClr val="tx1"/>
+        </a:solidFill>
+        <a:latin typeface="+mn-lt"/>
+        <a:ea typeface="+mn-ea"/>
+        <a:cs typeface="+mn-cs"/>
+      </a:defRPr>
+    </a:lvl3pPr>
+    <a:lvl4pPr marL="1371600" algn="l" defTabSz="914400" rtl="0" eaLnBrk="1" latinLnBrk="0" hangingPunct="1">
+      <a:defRPr sz="1200" kern="1200">
+        <a:solidFill>
+          <a:schemeClr val="tx1"/>
+        </a:solidFill>
+        <a:latin typeface="+mn-lt"/>
+        <a:ea typeface="+mn-ea"/>
+        <a:cs typeface="+mn-cs"/>
+      </a:defRPr>
+    </a:lvl4pPr>
+    <a:lvl5pPr marL="1828800" algn="l" defTabSz="914400" rtl="0" eaLnBrk="1" latinLnBrk="0" hangingPunct="1">
+      <a:defRPr sz="1200" kern="1200">
+        <a:solidFill>
+          <a:schemeClr val="tx1"/>
+        </a:solidFill>
+        <a:latin typeface="+mn-lt"/>
+        <a:ea typeface="+mn-ea"/>
+        <a:cs typeface="+mn-cs"/>
+      </a:defRPr>
+    </a:lvl5pPr>
+    <a:lvl6pPr marL="2286000" algn="l" defTabSz="914400" rtl="0" eaLnBrk="1" latinLnBrk="0" hangingPunct="1">
+      <a:defRPr sz="1200" kern="1200">
+        <a:solidFill>
+          <a:schemeClr val="tx1"/>
+        </a:solidFill>
+        <a:latin typeface="+mn-lt"/>
+        <a:ea typeface="+mn-ea"/>
+        <a:cs typeface="+mn-cs"/>
+      </a:defRPr>
+    </a:lvl6pPr>
+    <a:lvl7pPr marL="2743200" algn="l" defTabSz="914400" rtl="0" eaLnBrk="1" latinLnBrk="0" hangingPunct="1">
+      <a:defRPr sz="1200" kern="1200">
+        <a:solidFill>
+          <a:schemeClr val="tx1"/>
+        </a:solidFill>
+        <a:latin typeface="+mn-lt"/>
+        <a:ea typeface="+mn-ea"/>
+        <a:cs typeface="+mn-cs"/>
+      </a:defRPr>
+    </a:lvl7pPr>
+    <a:lvl8pPr marL="3200400" algn="l" defTabSz="914400" rtl="0" eaLnBrk="1" latinLnBrk="0" hangingPunct="1">
+      <a:defRPr sz="1200" kern="1200">
+        <a:solidFill>
+          <a:schemeClr val="tx1"/>
+        </a:solidFill>
+        <a:latin typeface="+mn-lt"/>
+        <a:ea typeface="+mn-ea"/>
+        <a:cs typeface="+mn-cs"/>
+      </a:defRPr>
+    </a:lvl8pPr>
+    <a:lvl9pPr marL="3657600" algn="l" defTabSz="914400" rtl="0" eaLnBrk="1" latinLnBrk="0" hangingPunct="1">
+      <a:defRPr sz="1200" kern="1200">
+        <a:solidFill>
+          <a:schemeClr val="tx1"/>
+        </a:solidFill>
+        <a:latin typeface="+mn-lt"/>
+        <a:ea typeface="+mn-ea"/>
+        <a:cs typeface="+mn-cs"/>
+      </a:defRPr>
+    </a:lvl9pPr>
+  </p:notesStyle>
+</p:notesMaster>
+</file>
+
+<file path=ppt/notesSlides/notesSlide1.xml><?xml version="1.0" encoding="utf-8"?>
+<p:notes xmlns:a="http://schemas.openxmlformats.org/drawingml/2006/main" xmlns:r="http://schemas.openxmlformats.org/officeDocument/2006/relationships" xmlns:p="http://schemas.openxmlformats.org/presentationml/2006/main">
+  <p:cSld>
+    <p:spTree>
+      <p:nvGrpSpPr>
+        <p:cNvPr id="1" name=""/>
+        <p:cNvGrpSpPr/>
+        <p:nvPr/>
+      </p:nvGrpSpPr>
+      <p:grpSpPr>
+        <a:xfrm>
+          <a:off x="0" y="0"/>
+          <a:ext cx="0" cy="0"/>
+          <a:chOff x="0" y="0"/>
+          <a:chExt cx="0" cy="0"/>
+        </a:xfrm>
+      </p:grpSpPr>
+      <p:sp>
+        <p:nvSpPr>
+          <p:cNvPr id="2" name="Slide Image Placeholder 1"/>
+          <p:cNvSpPr>
+            <a:spLocks noGrp="1" noRot="1" noChangeAspect="1"/>
+          </p:cNvSpPr>
+          <p:nvPr>
+            <p:ph type="sldImg"/>
+          </p:nvPr>
+        </p:nvSpPr>
+        <p:spPr/>
+      </p:sp>
+      <p:sp>
+        <p:nvSpPr>
+          <p:cNvPr id="3" name="Notes Placeholder 2"/>
+          <p:cNvSpPr>
+            <a:spLocks noGrp="1"/>
+          </p:cNvSpPr>
+          <p:nvPr>
+            <p:ph type="body" idx="1"/>
+          </p:nvPr>
+        </p:nvSpPr>
+        <p:spPr/>
+        <p:txBody>
+          <a:bodyPr/>
+          <a:lstStyle/>
+          <a:p>
+            <a:endParaRPr lang="en-ES" dirty="0"/>
+          </a:p>
+        </p:txBody>
+      </p:sp>
+      <p:sp>
+        <p:nvSpPr>
+          <p:cNvPr id="4" name="Slide Number Placeholder 3"/>
+          <p:cNvSpPr>
+            <a:spLocks noGrp="1"/>
+          </p:cNvSpPr>
+          <p:nvPr>
+            <p:ph type="sldNum" sz="quarter" idx="5"/>
+          </p:nvPr>
+        </p:nvSpPr>
+        <p:spPr/>
+        <p:txBody>
+          <a:bodyPr/>
+          <a:lstStyle/>
+          <a:p>
+            <a:fld id="{203F9FA2-9BB0-CD40-B0B4-99C864FB7430}" type="slidenum">
+              <a:rPr lang="en-ES" smtClean="0"/>
+              <a:t>3</a:t>
+            </a:fld>
+            <a:endParaRPr lang="en-ES"/>
+          </a:p>
+        </p:txBody>
+      </p:sp>
+    </p:spTree>
+    <p:extLst>
+      <p:ext uri="{BB962C8B-B14F-4D97-AF65-F5344CB8AC3E}">
+        <p14:creationId xmlns:p14="http://schemas.microsoft.com/office/powerpoint/2010/main" val="54353407"/>
+      </p:ext>
+    </p:extLst>
+  </p:cSld>
+  <p:clrMapOvr>
+    <a:masterClrMapping/>
+  </p:clrMapOvr>
+</p:notes>
 </file>
 
 <file path=ppt/slideLayouts/slideLayout1.xml><?xml version="1.0" encoding="utf-8"?>
@@ -7489,6 +7927,14 @@
 <file path=ppt/slides/slide2.xml><?xml version="1.0" encoding="utf-8"?>
 <p:sld xmlns:a="http://schemas.openxmlformats.org/drawingml/2006/main" xmlns:r="http://schemas.openxmlformats.org/officeDocument/2006/relationships" xmlns:p="http://schemas.openxmlformats.org/presentationml/2006/main">
   <p:cSld>
+    <p:bg>
+      <p:bgPr>
+        <a:solidFill>
+          <a:schemeClr val="bg1"/>
+        </a:solidFill>
+        <a:effectLst/>
+      </p:bgPr>
+    </p:bg>
     <p:spTree>
       <p:nvGrpSpPr>
         <p:cNvPr id="1" name=""/>
@@ -7505,6 +7951,535 @@
       </p:grpSpPr>
       <p:sp>
         <p:nvSpPr>
+          <p:cNvPr id="17" name="Rectangle 6">
+            <a:extLst>
+              <a:ext uri="{FF2B5EF4-FFF2-40B4-BE49-F238E27FC236}">
+                <a16:creationId xmlns:a16="http://schemas.microsoft.com/office/drawing/2014/main" id="{DA381740-063A-41A4-836D-85D14980EEF0}"/>
+              </a:ext>
+              <a:ext uri="{C183D7F6-B498-43B3-948B-1728B52AA6E4}">
+                <adec:decorative xmlns:adec="http://schemas.microsoft.com/office/drawing/2017/decorative" val="1"/>
+              </a:ext>
+            </a:extLst>
+          </p:cNvPr>
+          <p:cNvSpPr>
+            <a:spLocks noGrp="1" noRot="1" noChangeAspect="1" noMove="1" noResize="1" noEditPoints="1" noAdjustHandles="1" noChangeArrowheads="1" noChangeShapeType="1" noTextEdit="1"/>
+          </p:cNvSpPr>
+          <p:nvPr>
+            <p:extLst>
+              <p:ext uri="{386F3935-93C4-4BCD-93E2-E3B085C9AB24}">
+                <p16:designElem xmlns:p16="http://schemas.microsoft.com/office/powerpoint/2015/main" val="1"/>
+              </p:ext>
+            </p:extLst>
+          </p:nvPr>
+        </p:nvSpPr>
+        <p:spPr>
+          <a:xfrm>
+            <a:off x="838200" y="4736883"/>
+            <a:ext cx="4243589" cy="27432"/>
+          </a:xfrm>
+          <a:custGeom>
+            <a:avLst/>
+            <a:gdLst>
+              <a:gd name="connsiteX0" fmla="*/ 0 w 4243589"/>
+              <a:gd name="connsiteY0" fmla="*/ 0 h 27432"/>
+              <a:gd name="connsiteX1" fmla="*/ 563791 w 4243589"/>
+              <a:gd name="connsiteY1" fmla="*/ 0 h 27432"/>
+              <a:gd name="connsiteX2" fmla="*/ 1042710 w 4243589"/>
+              <a:gd name="connsiteY2" fmla="*/ 0 h 27432"/>
+              <a:gd name="connsiteX3" fmla="*/ 1564066 w 4243589"/>
+              <a:gd name="connsiteY3" fmla="*/ 0 h 27432"/>
+              <a:gd name="connsiteX4" fmla="*/ 2212729 w 4243589"/>
+              <a:gd name="connsiteY4" fmla="*/ 0 h 27432"/>
+              <a:gd name="connsiteX5" fmla="*/ 2776520 w 4243589"/>
+              <a:gd name="connsiteY5" fmla="*/ 0 h 27432"/>
+              <a:gd name="connsiteX6" fmla="*/ 3297875 w 4243589"/>
+              <a:gd name="connsiteY6" fmla="*/ 0 h 27432"/>
+              <a:gd name="connsiteX7" fmla="*/ 4243589 w 4243589"/>
+              <a:gd name="connsiteY7" fmla="*/ 0 h 27432"/>
+              <a:gd name="connsiteX8" fmla="*/ 4243589 w 4243589"/>
+              <a:gd name="connsiteY8" fmla="*/ 27432 h 27432"/>
+              <a:gd name="connsiteX9" fmla="*/ 3637362 w 4243589"/>
+              <a:gd name="connsiteY9" fmla="*/ 27432 h 27432"/>
+              <a:gd name="connsiteX10" fmla="*/ 3116007 w 4243589"/>
+              <a:gd name="connsiteY10" fmla="*/ 27432 h 27432"/>
+              <a:gd name="connsiteX11" fmla="*/ 2424908 w 4243589"/>
+              <a:gd name="connsiteY11" fmla="*/ 27432 h 27432"/>
+              <a:gd name="connsiteX12" fmla="*/ 1861117 w 4243589"/>
+              <a:gd name="connsiteY12" fmla="*/ 27432 h 27432"/>
+              <a:gd name="connsiteX13" fmla="*/ 1382198 w 4243589"/>
+              <a:gd name="connsiteY13" fmla="*/ 27432 h 27432"/>
+              <a:gd name="connsiteX14" fmla="*/ 733535 w 4243589"/>
+              <a:gd name="connsiteY14" fmla="*/ 27432 h 27432"/>
+              <a:gd name="connsiteX15" fmla="*/ 0 w 4243589"/>
+              <a:gd name="connsiteY15" fmla="*/ 27432 h 27432"/>
+              <a:gd name="connsiteX16" fmla="*/ 0 w 4243589"/>
+              <a:gd name="connsiteY16" fmla="*/ 0 h 27432"/>
+            </a:gdLst>
+            <a:ahLst/>
+            <a:cxnLst>
+              <a:cxn ang="0">
+                <a:pos x="connsiteX0" y="connsiteY0"/>
+              </a:cxn>
+              <a:cxn ang="0">
+                <a:pos x="connsiteX1" y="connsiteY1"/>
+              </a:cxn>
+              <a:cxn ang="0">
+                <a:pos x="connsiteX2" y="connsiteY2"/>
+              </a:cxn>
+              <a:cxn ang="0">
+                <a:pos x="connsiteX3" y="connsiteY3"/>
+              </a:cxn>
+              <a:cxn ang="0">
+                <a:pos x="connsiteX4" y="connsiteY4"/>
+              </a:cxn>
+              <a:cxn ang="0">
+                <a:pos x="connsiteX5" y="connsiteY5"/>
+              </a:cxn>
+              <a:cxn ang="0">
+                <a:pos x="connsiteX6" y="connsiteY6"/>
+              </a:cxn>
+              <a:cxn ang="0">
+                <a:pos x="connsiteX7" y="connsiteY7"/>
+              </a:cxn>
+              <a:cxn ang="0">
+                <a:pos x="connsiteX8" y="connsiteY8"/>
+              </a:cxn>
+              <a:cxn ang="0">
+                <a:pos x="connsiteX9" y="connsiteY9"/>
+              </a:cxn>
+              <a:cxn ang="0">
+                <a:pos x="connsiteX10" y="connsiteY10"/>
+              </a:cxn>
+              <a:cxn ang="0">
+                <a:pos x="connsiteX11" y="connsiteY11"/>
+              </a:cxn>
+              <a:cxn ang="0">
+                <a:pos x="connsiteX12" y="connsiteY12"/>
+              </a:cxn>
+              <a:cxn ang="0">
+                <a:pos x="connsiteX13" y="connsiteY13"/>
+              </a:cxn>
+              <a:cxn ang="0">
+                <a:pos x="connsiteX14" y="connsiteY14"/>
+              </a:cxn>
+              <a:cxn ang="0">
+                <a:pos x="connsiteX15" y="connsiteY15"/>
+              </a:cxn>
+              <a:cxn ang="0">
+                <a:pos x="connsiteX16" y="connsiteY16"/>
+              </a:cxn>
+            </a:cxnLst>
+            <a:rect l="l" t="t" r="r" b="b"/>
+            <a:pathLst>
+              <a:path w="4243589" h="27432" fill="none" extrusionOk="0">
+                <a:moveTo>
+                  <a:pt x="0" y="0"/>
+                </a:moveTo>
+                <a:cubicBezTo>
+                  <a:pt x="157351" y="-15653"/>
+                  <a:pt x="378877" y="-5828"/>
+                  <a:pt x="563791" y="0"/>
+                </a:cubicBezTo>
+                <a:cubicBezTo>
+                  <a:pt x="748705" y="5828"/>
+                  <a:pt x="905659" y="-5525"/>
+                  <a:pt x="1042710" y="0"/>
+                </a:cubicBezTo>
+                <a:cubicBezTo>
+                  <a:pt x="1179761" y="5525"/>
+                  <a:pt x="1356845" y="-21288"/>
+                  <a:pt x="1564066" y="0"/>
+                </a:cubicBezTo>
+                <a:cubicBezTo>
+                  <a:pt x="1771287" y="21288"/>
+                  <a:pt x="1912099" y="25135"/>
+                  <a:pt x="2212729" y="0"/>
+                </a:cubicBezTo>
+                <a:cubicBezTo>
+                  <a:pt x="2513359" y="-25135"/>
+                  <a:pt x="2514918" y="-27119"/>
+                  <a:pt x="2776520" y="0"/>
+                </a:cubicBezTo>
+                <a:cubicBezTo>
+                  <a:pt x="3038122" y="27119"/>
+                  <a:pt x="3178771" y="18116"/>
+                  <a:pt x="3297875" y="0"/>
+                </a:cubicBezTo>
+                <a:cubicBezTo>
+                  <a:pt x="3416980" y="-18116"/>
+                  <a:pt x="4012240" y="-40869"/>
+                  <a:pt x="4243589" y="0"/>
+                </a:cubicBezTo>
+                <a:cubicBezTo>
+                  <a:pt x="4242616" y="8304"/>
+                  <a:pt x="4243111" y="21512"/>
+                  <a:pt x="4243589" y="27432"/>
+                </a:cubicBezTo>
+                <a:cubicBezTo>
+                  <a:pt x="4112949" y="6289"/>
+                  <a:pt x="3928037" y="10975"/>
+                  <a:pt x="3637362" y="27432"/>
+                </a:cubicBezTo>
+                <a:cubicBezTo>
+                  <a:pt x="3346687" y="43889"/>
+                  <a:pt x="3254446" y="35813"/>
+                  <a:pt x="3116007" y="27432"/>
+                </a:cubicBezTo>
+                <a:cubicBezTo>
+                  <a:pt x="2977569" y="19051"/>
+                  <a:pt x="2620228" y="38017"/>
+                  <a:pt x="2424908" y="27432"/>
+                </a:cubicBezTo>
+                <a:cubicBezTo>
+                  <a:pt x="2229588" y="16847"/>
+                  <a:pt x="2088287" y="5290"/>
+                  <a:pt x="1861117" y="27432"/>
+                </a:cubicBezTo>
+                <a:cubicBezTo>
+                  <a:pt x="1633947" y="49574"/>
+                  <a:pt x="1502447" y="8273"/>
+                  <a:pt x="1382198" y="27432"/>
+                </a:cubicBezTo>
+                <a:cubicBezTo>
+                  <a:pt x="1261949" y="46591"/>
+                  <a:pt x="1045440" y="37497"/>
+                  <a:pt x="733535" y="27432"/>
+                </a:cubicBezTo>
+                <a:cubicBezTo>
+                  <a:pt x="421630" y="17367"/>
+                  <a:pt x="341257" y="-9215"/>
+                  <a:pt x="0" y="27432"/>
+                </a:cubicBezTo>
+                <a:cubicBezTo>
+                  <a:pt x="-1048" y="14992"/>
+                  <a:pt x="-1120" y="7447"/>
+                  <a:pt x="0" y="0"/>
+                </a:cubicBezTo>
+                <a:close/>
+              </a:path>
+              <a:path w="4243589" h="27432" stroke="0" extrusionOk="0">
+                <a:moveTo>
+                  <a:pt x="0" y="0"/>
+                </a:moveTo>
+                <a:cubicBezTo>
+                  <a:pt x="128164" y="17204"/>
+                  <a:pt x="312653" y="1129"/>
+                  <a:pt x="563791" y="0"/>
+                </a:cubicBezTo>
+                <a:cubicBezTo>
+                  <a:pt x="814929" y="-1129"/>
+                  <a:pt x="837271" y="8503"/>
+                  <a:pt x="1042710" y="0"/>
+                </a:cubicBezTo>
+                <a:cubicBezTo>
+                  <a:pt x="1248149" y="-8503"/>
+                  <a:pt x="1588432" y="-28862"/>
+                  <a:pt x="1733809" y="0"/>
+                </a:cubicBezTo>
+                <a:cubicBezTo>
+                  <a:pt x="1879186" y="28862"/>
+                  <a:pt x="2052815" y="5974"/>
+                  <a:pt x="2297600" y="0"/>
+                </a:cubicBezTo>
+                <a:cubicBezTo>
+                  <a:pt x="2542385" y="-5974"/>
+                  <a:pt x="2699960" y="-23550"/>
+                  <a:pt x="2861391" y="0"/>
+                </a:cubicBezTo>
+                <a:cubicBezTo>
+                  <a:pt x="3022822" y="23550"/>
+                  <a:pt x="3390411" y="25272"/>
+                  <a:pt x="3552490" y="0"/>
+                </a:cubicBezTo>
+                <a:cubicBezTo>
+                  <a:pt x="3714569" y="-25272"/>
+                  <a:pt x="3950585" y="-31327"/>
+                  <a:pt x="4243589" y="0"/>
+                </a:cubicBezTo>
+                <a:cubicBezTo>
+                  <a:pt x="4244074" y="9333"/>
+                  <a:pt x="4244867" y="19699"/>
+                  <a:pt x="4243589" y="27432"/>
+                </a:cubicBezTo>
+                <a:cubicBezTo>
+                  <a:pt x="4130424" y="7904"/>
+                  <a:pt x="3932803" y="51393"/>
+                  <a:pt x="3722234" y="27432"/>
+                </a:cubicBezTo>
+                <a:cubicBezTo>
+                  <a:pt x="3511665" y="3471"/>
+                  <a:pt x="3269903" y="55138"/>
+                  <a:pt x="3116007" y="27432"/>
+                </a:cubicBezTo>
+                <a:cubicBezTo>
+                  <a:pt x="2962111" y="-274"/>
+                  <a:pt x="2744280" y="32368"/>
+                  <a:pt x="2509780" y="27432"/>
+                </a:cubicBezTo>
+                <a:cubicBezTo>
+                  <a:pt x="2275280" y="22496"/>
+                  <a:pt x="2066059" y="52808"/>
+                  <a:pt x="1945989" y="27432"/>
+                </a:cubicBezTo>
+                <a:cubicBezTo>
+                  <a:pt x="1825919" y="2056"/>
+                  <a:pt x="1407329" y="21760"/>
+                  <a:pt x="1254890" y="27432"/>
+                </a:cubicBezTo>
+                <a:cubicBezTo>
+                  <a:pt x="1102451" y="33104"/>
+                  <a:pt x="837950" y="40817"/>
+                  <a:pt x="563791" y="27432"/>
+                </a:cubicBezTo>
+                <a:cubicBezTo>
+                  <a:pt x="289632" y="14047"/>
+                  <a:pt x="132768" y="16249"/>
+                  <a:pt x="0" y="27432"/>
+                </a:cubicBezTo>
+                <a:cubicBezTo>
+                  <a:pt x="211" y="18145"/>
+                  <a:pt x="120" y="6480"/>
+                  <a:pt x="0" y="0"/>
+                </a:cubicBezTo>
+                <a:close/>
+              </a:path>
+            </a:pathLst>
+          </a:custGeom>
+          <a:solidFill>
+            <a:schemeClr val="tx1"/>
+          </a:solidFill>
+          <a:ln w="38100" cap="rnd">
+            <a:solidFill>
+              <a:schemeClr val="tx1"/>
+            </a:solidFill>
+            <a:round/>
+            <a:extLst>
+              <a:ext uri="{C807C97D-BFC1-408E-A445-0C87EB9F89A2}">
+                <ask:lineSketchStyleProps xmlns:ask="http://schemas.microsoft.com/office/drawing/2018/sketchyshapes" sd="1219033472">
+                  <a:prstGeom prst="rect">
+                    <a:avLst/>
+                  </a:prstGeom>
+                  <ask:type>
+                    <ask:lineSketchFreehand/>
+                  </ask:type>
+                </ask:lineSketchStyleProps>
+              </a:ext>
+            </a:extLst>
+          </a:ln>
+        </p:spPr>
+        <p:style>
+          <a:lnRef idx="2">
+            <a:schemeClr val="accent1">
+              <a:shade val="50000"/>
+            </a:schemeClr>
+          </a:lnRef>
+          <a:fillRef idx="1">
+            <a:schemeClr val="accent1"/>
+          </a:fillRef>
+          <a:effectRef idx="0">
+            <a:schemeClr val="accent1"/>
+          </a:effectRef>
+          <a:fontRef idx="minor">
+            <a:schemeClr val="lt1"/>
+          </a:fontRef>
+        </p:style>
+        <p:txBody>
+          <a:bodyPr rtlCol="0" anchor="ctr"/>
+          <a:lstStyle/>
+          <a:p>
+            <a:pPr algn="ctr"/>
+            <a:endParaRPr lang="en-US">
+              <a:solidFill>
+                <a:schemeClr val="tx1"/>
+              </a:solidFill>
+            </a:endParaRPr>
+          </a:p>
+        </p:txBody>
+      </p:sp>
+      <p:sp useBgFill="1">
+        <p:nvSpPr>
+          <p:cNvPr id="18" name="Rectangle 11">
+            <a:extLst>
+              <a:ext uri="{FF2B5EF4-FFF2-40B4-BE49-F238E27FC236}">
+                <a16:creationId xmlns:a16="http://schemas.microsoft.com/office/drawing/2014/main" id="{657F69E0-C4B0-4BEC-A689-4F8D877F05D4}"/>
+              </a:ext>
+              <a:ext uri="{C183D7F6-B498-43B3-948B-1728B52AA6E4}">
+                <adec:decorative xmlns:adec="http://schemas.microsoft.com/office/drawing/2017/decorative" val="1"/>
+              </a:ext>
+            </a:extLst>
+          </p:cNvPr>
+          <p:cNvSpPr>
+            <a:spLocks noGrp="1" noRot="1" noChangeAspect="1" noMove="1" noResize="1" noEditPoints="1" noAdjustHandles="1" noChangeArrowheads="1" noChangeShapeType="1" noTextEdit="1"/>
+          </p:cNvSpPr>
+          <p:nvPr>
+            <p:extLst>
+              <p:ext uri="{386F3935-93C4-4BCD-93E2-E3B085C9AB24}">
+                <p16:designElem xmlns:p16="http://schemas.microsoft.com/office/powerpoint/2015/main" val="1"/>
+              </p:ext>
+            </p:extLst>
+          </p:nvPr>
+        </p:nvSpPr>
+        <p:spPr>
+          <a:xfrm>
+            <a:off x="0" y="0"/>
+            <a:ext cx="12188952" cy="6858000"/>
+          </a:xfrm>
+          <a:prstGeom prst="rect">
+            <a:avLst/>
+          </a:prstGeom>
+          <a:ln>
+            <a:noFill/>
+          </a:ln>
+        </p:spPr>
+        <p:style>
+          <a:lnRef idx="2">
+            <a:schemeClr val="accent1">
+              <a:shade val="50000"/>
+            </a:schemeClr>
+          </a:lnRef>
+          <a:fillRef idx="1">
+            <a:schemeClr val="accent1"/>
+          </a:fillRef>
+          <a:effectRef idx="0">
+            <a:schemeClr val="accent1"/>
+          </a:effectRef>
+          <a:fontRef idx="minor">
+            <a:schemeClr val="lt1"/>
+          </a:fontRef>
+        </p:style>
+        <p:txBody>
+          <a:bodyPr rtlCol="0" anchor="ctr"/>
+          <a:lstStyle/>
+          <a:p>
+            <a:pPr algn="ctr"/>
+            <a:endParaRPr lang="en-US"/>
+          </a:p>
+        </p:txBody>
+      </p:sp>
+      <p:pic>
+        <p:nvPicPr>
+          <p:cNvPr id="5" name="Picture 4" descr="Background pattern&#10;&#10;Description automatically generated">
+            <a:extLst>
+              <a:ext uri="{FF2B5EF4-FFF2-40B4-BE49-F238E27FC236}">
+                <a16:creationId xmlns:a16="http://schemas.microsoft.com/office/drawing/2014/main" id="{BB3DA1BC-23BD-4147-9130-4004459C8188}"/>
+              </a:ext>
+            </a:extLst>
+          </p:cNvPr>
+          <p:cNvPicPr>
+            <a:picLocks noChangeAspect="1"/>
+          </p:cNvPicPr>
+          <p:nvPr/>
+        </p:nvPicPr>
+        <p:blipFill rotWithShape="1">
+          <a:blip r:embed="rId2">
+            <a:alphaModFix/>
+          </a:blip>
+          <a:srcRect t="20920" r="-1" b="22815"/>
+          <a:stretch/>
+        </p:blipFill>
+        <p:spPr>
+          <a:xfrm>
+            <a:off x="20" y="10"/>
+            <a:ext cx="12188930" cy="6857990"/>
+          </a:xfrm>
+          <a:prstGeom prst="rect">
+            <a:avLst/>
+          </a:prstGeom>
+        </p:spPr>
+      </p:pic>
+      <p:sp>
+        <p:nvSpPr>
+          <p:cNvPr id="19" name="Rectangle 13">
+            <a:extLst>
+              <a:ext uri="{FF2B5EF4-FFF2-40B4-BE49-F238E27FC236}">
+                <a16:creationId xmlns:a16="http://schemas.microsoft.com/office/drawing/2014/main" id="{8F51725E-A483-43B2-A6F2-C44F502FE033}"/>
+              </a:ext>
+              <a:ext uri="{C183D7F6-B498-43B3-948B-1728B52AA6E4}">
+                <adec:decorative xmlns:adec="http://schemas.microsoft.com/office/drawing/2017/decorative" val="1"/>
+              </a:ext>
+            </a:extLst>
+          </p:cNvPr>
+          <p:cNvSpPr>
+            <a:spLocks noGrp="1" noRot="1" noChangeAspect="1" noMove="1" noResize="1" noEditPoints="1" noAdjustHandles="1" noChangeArrowheads="1" noChangeShapeType="1" noTextEdit="1"/>
+          </p:cNvSpPr>
+          <p:nvPr>
+            <p:extLst>
+              <p:ext uri="{386F3935-93C4-4BCD-93E2-E3B085C9AB24}">
+                <p16:designElem xmlns:p16="http://schemas.microsoft.com/office/powerpoint/2015/main" val="1"/>
+              </p:ext>
+            </p:extLst>
+          </p:nvPr>
+        </p:nvSpPr>
+        <p:spPr>
+          <a:xfrm>
+            <a:off x="0" y="937549"/>
+            <a:ext cx="12191999" cy="5058137"/>
+          </a:xfrm>
+          <a:prstGeom prst="rect">
+            <a:avLst/>
+          </a:prstGeom>
+          <a:gradFill flip="none" rotWithShape="1">
+            <a:gsLst>
+              <a:gs pos="50000">
+                <a:schemeClr val="tx1">
+                  <a:alpha val="30000"/>
+                </a:schemeClr>
+              </a:gs>
+              <a:gs pos="80000">
+                <a:schemeClr val="tx1">
+                  <a:alpha val="15000"/>
+                </a:schemeClr>
+              </a:gs>
+              <a:gs pos="0">
+                <a:schemeClr val="tx1">
+                  <a:alpha val="0"/>
+                </a:schemeClr>
+              </a:gs>
+              <a:gs pos="20000">
+                <a:schemeClr val="tx1">
+                  <a:alpha val="15000"/>
+                </a:schemeClr>
+              </a:gs>
+              <a:gs pos="100000">
+                <a:schemeClr val="tx1">
+                  <a:alpha val="0"/>
+                </a:schemeClr>
+              </a:gs>
+            </a:gsLst>
+            <a:lin ang="16200000" scaled="1"/>
+            <a:tileRect/>
+          </a:gradFill>
+          <a:ln>
+            <a:noFill/>
+          </a:ln>
+        </p:spPr>
+        <p:style>
+          <a:lnRef idx="2">
+            <a:schemeClr val="accent1">
+              <a:shade val="50000"/>
+            </a:schemeClr>
+          </a:lnRef>
+          <a:fillRef idx="1">
+            <a:schemeClr val="accent1"/>
+          </a:fillRef>
+          <a:effectRef idx="0">
+            <a:schemeClr val="accent1"/>
+          </a:effectRef>
+          <a:fontRef idx="minor">
+            <a:schemeClr val="lt1"/>
+          </a:fontRef>
+        </p:style>
+        <p:txBody>
+          <a:bodyPr rtlCol="0" anchor="ctr"/>
+          <a:lstStyle/>
+          <a:p>
+            <a:pPr algn="ctr"/>
+            <a:endParaRPr lang="en-US"/>
+          </a:p>
+        </p:txBody>
+      </p:sp>
+      <p:sp>
+        <p:nvSpPr>
           <p:cNvPr id="2" name="Title 1">
             <a:extLst>
               <a:ext uri="{FF2B5EF4-FFF2-40B4-BE49-F238E27FC236}">
@@ -7519,15 +8494,29 @@
             <p:ph type="title"/>
           </p:nvPr>
         </p:nvSpPr>
-        <p:spPr/>
+        <p:spPr>
+          <a:xfrm>
+            <a:off x="1524000" y="1122363"/>
+            <a:ext cx="9144000" cy="3063240"/>
+          </a:xfrm>
+        </p:spPr>
         <p:txBody>
-          <a:bodyPr>
-            <a:normAutofit fontScale="90000"/>
+          <a:bodyPr vert="horz" lIns="91440" tIns="45720" rIns="91440" bIns="45720" rtlCol="0" anchor="b">
+            <a:normAutofit/>
           </a:bodyPr>
           <a:lstStyle/>
           <a:p>
+            <a:pPr algn="ctr">
+              <a:lnSpc>
+                <a:spcPct val="90000"/>
+              </a:lnSpc>
+            </a:pPr>
             <a:r>
-              <a:rPr lang="en-ES" dirty="0"/>
+              <a:rPr lang="en-US" sz="5900">
+                <a:solidFill>
+                  <a:schemeClr val="bg1"/>
+                </a:solidFill>
+              </a:rPr>
               <a:t>Have you ever opened your fridge and not known what to prepare?</a:t>
             </a:r>
           </a:p>
@@ -7535,26 +8524,344 @@
       </p:sp>
       <p:sp>
         <p:nvSpPr>
-          <p:cNvPr id="3" name="Content Placeholder 2">
+          <p:cNvPr id="16" name="Rectangle 6">
             <a:extLst>
               <a:ext uri="{FF2B5EF4-FFF2-40B4-BE49-F238E27FC236}">
-                <a16:creationId xmlns:a16="http://schemas.microsoft.com/office/drawing/2014/main" id="{035AFC16-51B8-034E-B4D1-D6AB9F62011C}"/>
+                <a16:creationId xmlns:a16="http://schemas.microsoft.com/office/drawing/2014/main" id="{9F6380B4-6A1C-481E-8408-B4E6C75B9B81}"/>
+              </a:ext>
+              <a:ext uri="{C183D7F6-B498-43B3-948B-1728B52AA6E4}">
+                <adec:decorative xmlns:adec="http://schemas.microsoft.com/office/drawing/2017/decorative" val="1"/>
               </a:ext>
             </a:extLst>
           </p:cNvPr>
           <p:cNvSpPr>
-            <a:spLocks noGrp="1"/>
+            <a:spLocks noGrp="1" noRot="1" noChangeAspect="1" noMove="1" noResize="1" noEditPoints="1" noAdjustHandles="1" noChangeArrowheads="1" noChangeShapeType="1" noTextEdit="1"/>
           </p:cNvSpPr>
           <p:nvPr>
-            <p:ph idx="1"/>
+            <p:extLst>
+              <p:ext uri="{386F3935-93C4-4BCD-93E2-E3B085C9AB24}">
+                <p16:designElem xmlns:p16="http://schemas.microsoft.com/office/powerpoint/2015/main" val="1"/>
+              </p:ext>
+            </p:extLst>
           </p:nvPr>
         </p:nvSpPr>
-        <p:spPr/>
+        <p:spPr>
+          <a:xfrm>
+            <a:off x="3974206" y="4368623"/>
+            <a:ext cx="4243589" cy="27432"/>
+          </a:xfrm>
+          <a:custGeom>
+            <a:avLst/>
+            <a:gdLst>
+              <a:gd name="connsiteX0" fmla="*/ 0 w 4243589"/>
+              <a:gd name="connsiteY0" fmla="*/ 0 h 27432"/>
+              <a:gd name="connsiteX1" fmla="*/ 563791 w 4243589"/>
+              <a:gd name="connsiteY1" fmla="*/ 0 h 27432"/>
+              <a:gd name="connsiteX2" fmla="*/ 1042710 w 4243589"/>
+              <a:gd name="connsiteY2" fmla="*/ 0 h 27432"/>
+              <a:gd name="connsiteX3" fmla="*/ 1564066 w 4243589"/>
+              <a:gd name="connsiteY3" fmla="*/ 0 h 27432"/>
+              <a:gd name="connsiteX4" fmla="*/ 2212729 w 4243589"/>
+              <a:gd name="connsiteY4" fmla="*/ 0 h 27432"/>
+              <a:gd name="connsiteX5" fmla="*/ 2776520 w 4243589"/>
+              <a:gd name="connsiteY5" fmla="*/ 0 h 27432"/>
+              <a:gd name="connsiteX6" fmla="*/ 3297875 w 4243589"/>
+              <a:gd name="connsiteY6" fmla="*/ 0 h 27432"/>
+              <a:gd name="connsiteX7" fmla="*/ 4243589 w 4243589"/>
+              <a:gd name="connsiteY7" fmla="*/ 0 h 27432"/>
+              <a:gd name="connsiteX8" fmla="*/ 4243589 w 4243589"/>
+              <a:gd name="connsiteY8" fmla="*/ 27432 h 27432"/>
+              <a:gd name="connsiteX9" fmla="*/ 3637362 w 4243589"/>
+              <a:gd name="connsiteY9" fmla="*/ 27432 h 27432"/>
+              <a:gd name="connsiteX10" fmla="*/ 3116007 w 4243589"/>
+              <a:gd name="connsiteY10" fmla="*/ 27432 h 27432"/>
+              <a:gd name="connsiteX11" fmla="*/ 2424908 w 4243589"/>
+              <a:gd name="connsiteY11" fmla="*/ 27432 h 27432"/>
+              <a:gd name="connsiteX12" fmla="*/ 1861117 w 4243589"/>
+              <a:gd name="connsiteY12" fmla="*/ 27432 h 27432"/>
+              <a:gd name="connsiteX13" fmla="*/ 1382198 w 4243589"/>
+              <a:gd name="connsiteY13" fmla="*/ 27432 h 27432"/>
+              <a:gd name="connsiteX14" fmla="*/ 733535 w 4243589"/>
+              <a:gd name="connsiteY14" fmla="*/ 27432 h 27432"/>
+              <a:gd name="connsiteX15" fmla="*/ 0 w 4243589"/>
+              <a:gd name="connsiteY15" fmla="*/ 27432 h 27432"/>
+              <a:gd name="connsiteX16" fmla="*/ 0 w 4243589"/>
+              <a:gd name="connsiteY16" fmla="*/ 0 h 27432"/>
+            </a:gdLst>
+            <a:ahLst/>
+            <a:cxnLst>
+              <a:cxn ang="0">
+                <a:pos x="connsiteX0" y="connsiteY0"/>
+              </a:cxn>
+              <a:cxn ang="0">
+                <a:pos x="connsiteX1" y="connsiteY1"/>
+              </a:cxn>
+              <a:cxn ang="0">
+                <a:pos x="connsiteX2" y="connsiteY2"/>
+              </a:cxn>
+              <a:cxn ang="0">
+                <a:pos x="connsiteX3" y="connsiteY3"/>
+              </a:cxn>
+              <a:cxn ang="0">
+                <a:pos x="connsiteX4" y="connsiteY4"/>
+              </a:cxn>
+              <a:cxn ang="0">
+                <a:pos x="connsiteX5" y="connsiteY5"/>
+              </a:cxn>
+              <a:cxn ang="0">
+                <a:pos x="connsiteX6" y="connsiteY6"/>
+              </a:cxn>
+              <a:cxn ang="0">
+                <a:pos x="connsiteX7" y="connsiteY7"/>
+              </a:cxn>
+              <a:cxn ang="0">
+                <a:pos x="connsiteX8" y="connsiteY8"/>
+              </a:cxn>
+              <a:cxn ang="0">
+                <a:pos x="connsiteX9" y="connsiteY9"/>
+              </a:cxn>
+              <a:cxn ang="0">
+                <a:pos x="connsiteX10" y="connsiteY10"/>
+              </a:cxn>
+              <a:cxn ang="0">
+                <a:pos x="connsiteX11" y="connsiteY11"/>
+              </a:cxn>
+              <a:cxn ang="0">
+                <a:pos x="connsiteX12" y="connsiteY12"/>
+              </a:cxn>
+              <a:cxn ang="0">
+                <a:pos x="connsiteX13" y="connsiteY13"/>
+              </a:cxn>
+              <a:cxn ang="0">
+                <a:pos x="connsiteX14" y="connsiteY14"/>
+              </a:cxn>
+              <a:cxn ang="0">
+                <a:pos x="connsiteX15" y="connsiteY15"/>
+              </a:cxn>
+              <a:cxn ang="0">
+                <a:pos x="connsiteX16" y="connsiteY16"/>
+              </a:cxn>
+            </a:cxnLst>
+            <a:rect l="l" t="t" r="r" b="b"/>
+            <a:pathLst>
+              <a:path w="4243589" h="27432" fill="none" extrusionOk="0">
+                <a:moveTo>
+                  <a:pt x="0" y="0"/>
+                </a:moveTo>
+                <a:cubicBezTo>
+                  <a:pt x="157351" y="-15653"/>
+                  <a:pt x="378877" y="-5828"/>
+                  <a:pt x="563791" y="0"/>
+                </a:cubicBezTo>
+                <a:cubicBezTo>
+                  <a:pt x="748705" y="5828"/>
+                  <a:pt x="905659" y="-5525"/>
+                  <a:pt x="1042710" y="0"/>
+                </a:cubicBezTo>
+                <a:cubicBezTo>
+                  <a:pt x="1179761" y="5525"/>
+                  <a:pt x="1356845" y="-21288"/>
+                  <a:pt x="1564066" y="0"/>
+                </a:cubicBezTo>
+                <a:cubicBezTo>
+                  <a:pt x="1771287" y="21288"/>
+                  <a:pt x="1912099" y="25135"/>
+                  <a:pt x="2212729" y="0"/>
+                </a:cubicBezTo>
+                <a:cubicBezTo>
+                  <a:pt x="2513359" y="-25135"/>
+                  <a:pt x="2514918" y="-27119"/>
+                  <a:pt x="2776520" y="0"/>
+                </a:cubicBezTo>
+                <a:cubicBezTo>
+                  <a:pt x="3038122" y="27119"/>
+                  <a:pt x="3178771" y="18116"/>
+                  <a:pt x="3297875" y="0"/>
+                </a:cubicBezTo>
+                <a:cubicBezTo>
+                  <a:pt x="3416980" y="-18116"/>
+                  <a:pt x="4012240" y="-40869"/>
+                  <a:pt x="4243589" y="0"/>
+                </a:cubicBezTo>
+                <a:cubicBezTo>
+                  <a:pt x="4242616" y="8304"/>
+                  <a:pt x="4243111" y="21512"/>
+                  <a:pt x="4243589" y="27432"/>
+                </a:cubicBezTo>
+                <a:cubicBezTo>
+                  <a:pt x="4112949" y="6289"/>
+                  <a:pt x="3928037" y="10975"/>
+                  <a:pt x="3637362" y="27432"/>
+                </a:cubicBezTo>
+                <a:cubicBezTo>
+                  <a:pt x="3346687" y="43889"/>
+                  <a:pt x="3254446" y="35813"/>
+                  <a:pt x="3116007" y="27432"/>
+                </a:cubicBezTo>
+                <a:cubicBezTo>
+                  <a:pt x="2977569" y="19051"/>
+                  <a:pt x="2620228" y="38017"/>
+                  <a:pt x="2424908" y="27432"/>
+                </a:cubicBezTo>
+                <a:cubicBezTo>
+                  <a:pt x="2229588" y="16847"/>
+                  <a:pt x="2088287" y="5290"/>
+                  <a:pt x="1861117" y="27432"/>
+                </a:cubicBezTo>
+                <a:cubicBezTo>
+                  <a:pt x="1633947" y="49574"/>
+                  <a:pt x="1502447" y="8273"/>
+                  <a:pt x="1382198" y="27432"/>
+                </a:cubicBezTo>
+                <a:cubicBezTo>
+                  <a:pt x="1261949" y="46591"/>
+                  <a:pt x="1045440" y="37497"/>
+                  <a:pt x="733535" y="27432"/>
+                </a:cubicBezTo>
+                <a:cubicBezTo>
+                  <a:pt x="421630" y="17367"/>
+                  <a:pt x="341257" y="-9215"/>
+                  <a:pt x="0" y="27432"/>
+                </a:cubicBezTo>
+                <a:cubicBezTo>
+                  <a:pt x="-1048" y="14992"/>
+                  <a:pt x="-1120" y="7447"/>
+                  <a:pt x="0" y="0"/>
+                </a:cubicBezTo>
+                <a:close/>
+              </a:path>
+              <a:path w="4243589" h="27432" stroke="0" extrusionOk="0">
+                <a:moveTo>
+                  <a:pt x="0" y="0"/>
+                </a:moveTo>
+                <a:cubicBezTo>
+                  <a:pt x="128164" y="17204"/>
+                  <a:pt x="312653" y="1129"/>
+                  <a:pt x="563791" y="0"/>
+                </a:cubicBezTo>
+                <a:cubicBezTo>
+                  <a:pt x="814929" y="-1129"/>
+                  <a:pt x="837271" y="8503"/>
+                  <a:pt x="1042710" y="0"/>
+                </a:cubicBezTo>
+                <a:cubicBezTo>
+                  <a:pt x="1248149" y="-8503"/>
+                  <a:pt x="1588432" y="-28862"/>
+                  <a:pt x="1733809" y="0"/>
+                </a:cubicBezTo>
+                <a:cubicBezTo>
+                  <a:pt x="1879186" y="28862"/>
+                  <a:pt x="2052815" y="5974"/>
+                  <a:pt x="2297600" y="0"/>
+                </a:cubicBezTo>
+                <a:cubicBezTo>
+                  <a:pt x="2542385" y="-5974"/>
+                  <a:pt x="2699960" y="-23550"/>
+                  <a:pt x="2861391" y="0"/>
+                </a:cubicBezTo>
+                <a:cubicBezTo>
+                  <a:pt x="3022822" y="23550"/>
+                  <a:pt x="3390411" y="25272"/>
+                  <a:pt x="3552490" y="0"/>
+                </a:cubicBezTo>
+                <a:cubicBezTo>
+                  <a:pt x="3714569" y="-25272"/>
+                  <a:pt x="3950585" y="-31327"/>
+                  <a:pt x="4243589" y="0"/>
+                </a:cubicBezTo>
+                <a:cubicBezTo>
+                  <a:pt x="4244074" y="9333"/>
+                  <a:pt x="4244867" y="19699"/>
+                  <a:pt x="4243589" y="27432"/>
+                </a:cubicBezTo>
+                <a:cubicBezTo>
+                  <a:pt x="4130424" y="7904"/>
+                  <a:pt x="3932803" y="51393"/>
+                  <a:pt x="3722234" y="27432"/>
+                </a:cubicBezTo>
+                <a:cubicBezTo>
+                  <a:pt x="3511665" y="3471"/>
+                  <a:pt x="3269903" y="55138"/>
+                  <a:pt x="3116007" y="27432"/>
+                </a:cubicBezTo>
+                <a:cubicBezTo>
+                  <a:pt x="2962111" y="-274"/>
+                  <a:pt x="2744280" y="32368"/>
+                  <a:pt x="2509780" y="27432"/>
+                </a:cubicBezTo>
+                <a:cubicBezTo>
+                  <a:pt x="2275280" y="22496"/>
+                  <a:pt x="2066059" y="52808"/>
+                  <a:pt x="1945989" y="27432"/>
+                </a:cubicBezTo>
+                <a:cubicBezTo>
+                  <a:pt x="1825919" y="2056"/>
+                  <a:pt x="1407329" y="21760"/>
+                  <a:pt x="1254890" y="27432"/>
+                </a:cubicBezTo>
+                <a:cubicBezTo>
+                  <a:pt x="1102451" y="33104"/>
+                  <a:pt x="837950" y="40817"/>
+                  <a:pt x="563791" y="27432"/>
+                </a:cubicBezTo>
+                <a:cubicBezTo>
+                  <a:pt x="289632" y="14047"/>
+                  <a:pt x="132768" y="16249"/>
+                  <a:pt x="0" y="27432"/>
+                </a:cubicBezTo>
+                <a:cubicBezTo>
+                  <a:pt x="211" y="18145"/>
+                  <a:pt x="120" y="6480"/>
+                  <a:pt x="0" y="0"/>
+                </a:cubicBezTo>
+                <a:close/>
+              </a:path>
+            </a:pathLst>
+          </a:custGeom>
+          <a:solidFill>
+            <a:schemeClr val="bg1"/>
+          </a:solidFill>
+          <a:ln w="38100" cap="rnd">
+            <a:solidFill>
+              <a:schemeClr val="bg1"/>
+            </a:solidFill>
+            <a:round/>
+            <a:extLst>
+              <a:ext uri="{C807C97D-BFC1-408E-A445-0C87EB9F89A2}">
+                <ask:lineSketchStyleProps xmlns:ask="http://schemas.microsoft.com/office/drawing/2018/sketchyshapes" sd="1219033472">
+                  <a:prstGeom prst="rect">
+                    <a:avLst/>
+                  </a:prstGeom>
+                  <ask:type>
+                    <ask:lineSketchFreehand/>
+                  </ask:type>
+                </ask:lineSketchStyleProps>
+              </a:ext>
+            </a:extLst>
+          </a:ln>
+        </p:spPr>
+        <p:style>
+          <a:lnRef idx="2">
+            <a:schemeClr val="accent1">
+              <a:shade val="50000"/>
+            </a:schemeClr>
+          </a:lnRef>
+          <a:fillRef idx="1">
+            <a:schemeClr val="accent1"/>
+          </a:fillRef>
+          <a:effectRef idx="0">
+            <a:schemeClr val="accent1"/>
+          </a:effectRef>
+          <a:fontRef idx="minor">
+            <a:schemeClr val="lt1"/>
+          </a:fontRef>
+        </p:style>
         <p:txBody>
-          <a:bodyPr/>
+          <a:bodyPr rtlCol="0" anchor="ctr"/>
           <a:lstStyle/>
           <a:p>
-            <a:endParaRPr lang="en-ES"/>
+            <a:pPr algn="ctr"/>
+            <a:endParaRPr lang="en-US"/>
           </a:p>
         </p:txBody>
       </p:sp>
@@ -7574,6 +8881,14 @@
 <file path=ppt/slides/slide3.xml><?xml version="1.0" encoding="utf-8"?>
 <p:sld xmlns:a="http://schemas.openxmlformats.org/drawingml/2006/main" xmlns:r="http://schemas.openxmlformats.org/officeDocument/2006/relationships" xmlns:p="http://schemas.openxmlformats.org/presentationml/2006/main">
   <p:cSld>
+    <p:bg>
+      <p:bgPr>
+        <a:solidFill>
+          <a:schemeClr val="bg1"/>
+        </a:solidFill>
+        <a:effectLst/>
+      </p:bgPr>
+    </p:bg>
     <p:spTree>
       <p:nvGrpSpPr>
         <p:cNvPr id="1" name=""/>
@@ -7590,6 +8905,413 @@
       </p:grpSpPr>
       <p:sp>
         <p:nvSpPr>
+          <p:cNvPr id="23" name="Rectangle 6">
+            <a:extLst>
+              <a:ext uri="{FF2B5EF4-FFF2-40B4-BE49-F238E27FC236}">
+                <a16:creationId xmlns:a16="http://schemas.microsoft.com/office/drawing/2014/main" id="{DA381740-063A-41A4-836D-85D14980EEF0}"/>
+              </a:ext>
+              <a:ext uri="{C183D7F6-B498-43B3-948B-1728B52AA6E4}">
+                <adec:decorative xmlns:adec="http://schemas.microsoft.com/office/drawing/2017/decorative" val="1"/>
+              </a:ext>
+            </a:extLst>
+          </p:cNvPr>
+          <p:cNvSpPr>
+            <a:spLocks noGrp="1" noRot="1" noChangeAspect="1" noMove="1" noResize="1" noEditPoints="1" noAdjustHandles="1" noChangeArrowheads="1" noChangeShapeType="1" noTextEdit="1"/>
+          </p:cNvSpPr>
+          <p:nvPr>
+            <p:extLst>
+              <p:ext uri="{386F3935-93C4-4BCD-93E2-E3B085C9AB24}">
+                <p16:designElem xmlns:p16="http://schemas.microsoft.com/office/powerpoint/2015/main" val="1"/>
+              </p:ext>
+            </p:extLst>
+          </p:nvPr>
+        </p:nvSpPr>
+        <p:spPr>
+          <a:xfrm>
+            <a:off x="838200" y="4736883"/>
+            <a:ext cx="4243589" cy="27432"/>
+          </a:xfrm>
+          <a:custGeom>
+            <a:avLst/>
+            <a:gdLst>
+              <a:gd name="connsiteX0" fmla="*/ 0 w 4243589"/>
+              <a:gd name="connsiteY0" fmla="*/ 0 h 27432"/>
+              <a:gd name="connsiteX1" fmla="*/ 563791 w 4243589"/>
+              <a:gd name="connsiteY1" fmla="*/ 0 h 27432"/>
+              <a:gd name="connsiteX2" fmla="*/ 1042710 w 4243589"/>
+              <a:gd name="connsiteY2" fmla="*/ 0 h 27432"/>
+              <a:gd name="connsiteX3" fmla="*/ 1564066 w 4243589"/>
+              <a:gd name="connsiteY3" fmla="*/ 0 h 27432"/>
+              <a:gd name="connsiteX4" fmla="*/ 2212729 w 4243589"/>
+              <a:gd name="connsiteY4" fmla="*/ 0 h 27432"/>
+              <a:gd name="connsiteX5" fmla="*/ 2776520 w 4243589"/>
+              <a:gd name="connsiteY5" fmla="*/ 0 h 27432"/>
+              <a:gd name="connsiteX6" fmla="*/ 3297875 w 4243589"/>
+              <a:gd name="connsiteY6" fmla="*/ 0 h 27432"/>
+              <a:gd name="connsiteX7" fmla="*/ 4243589 w 4243589"/>
+              <a:gd name="connsiteY7" fmla="*/ 0 h 27432"/>
+              <a:gd name="connsiteX8" fmla="*/ 4243589 w 4243589"/>
+              <a:gd name="connsiteY8" fmla="*/ 27432 h 27432"/>
+              <a:gd name="connsiteX9" fmla="*/ 3637362 w 4243589"/>
+              <a:gd name="connsiteY9" fmla="*/ 27432 h 27432"/>
+              <a:gd name="connsiteX10" fmla="*/ 3116007 w 4243589"/>
+              <a:gd name="connsiteY10" fmla="*/ 27432 h 27432"/>
+              <a:gd name="connsiteX11" fmla="*/ 2424908 w 4243589"/>
+              <a:gd name="connsiteY11" fmla="*/ 27432 h 27432"/>
+              <a:gd name="connsiteX12" fmla="*/ 1861117 w 4243589"/>
+              <a:gd name="connsiteY12" fmla="*/ 27432 h 27432"/>
+              <a:gd name="connsiteX13" fmla="*/ 1382198 w 4243589"/>
+              <a:gd name="connsiteY13" fmla="*/ 27432 h 27432"/>
+              <a:gd name="connsiteX14" fmla="*/ 733535 w 4243589"/>
+              <a:gd name="connsiteY14" fmla="*/ 27432 h 27432"/>
+              <a:gd name="connsiteX15" fmla="*/ 0 w 4243589"/>
+              <a:gd name="connsiteY15" fmla="*/ 27432 h 27432"/>
+              <a:gd name="connsiteX16" fmla="*/ 0 w 4243589"/>
+              <a:gd name="connsiteY16" fmla="*/ 0 h 27432"/>
+            </a:gdLst>
+            <a:ahLst/>
+            <a:cxnLst>
+              <a:cxn ang="0">
+                <a:pos x="connsiteX0" y="connsiteY0"/>
+              </a:cxn>
+              <a:cxn ang="0">
+                <a:pos x="connsiteX1" y="connsiteY1"/>
+              </a:cxn>
+              <a:cxn ang="0">
+                <a:pos x="connsiteX2" y="connsiteY2"/>
+              </a:cxn>
+              <a:cxn ang="0">
+                <a:pos x="connsiteX3" y="connsiteY3"/>
+              </a:cxn>
+              <a:cxn ang="0">
+                <a:pos x="connsiteX4" y="connsiteY4"/>
+              </a:cxn>
+              <a:cxn ang="0">
+                <a:pos x="connsiteX5" y="connsiteY5"/>
+              </a:cxn>
+              <a:cxn ang="0">
+                <a:pos x="connsiteX6" y="connsiteY6"/>
+              </a:cxn>
+              <a:cxn ang="0">
+                <a:pos x="connsiteX7" y="connsiteY7"/>
+              </a:cxn>
+              <a:cxn ang="0">
+                <a:pos x="connsiteX8" y="connsiteY8"/>
+              </a:cxn>
+              <a:cxn ang="0">
+                <a:pos x="connsiteX9" y="connsiteY9"/>
+              </a:cxn>
+              <a:cxn ang="0">
+                <a:pos x="connsiteX10" y="connsiteY10"/>
+              </a:cxn>
+              <a:cxn ang="0">
+                <a:pos x="connsiteX11" y="connsiteY11"/>
+              </a:cxn>
+              <a:cxn ang="0">
+                <a:pos x="connsiteX12" y="connsiteY12"/>
+              </a:cxn>
+              <a:cxn ang="0">
+                <a:pos x="connsiteX13" y="connsiteY13"/>
+              </a:cxn>
+              <a:cxn ang="0">
+                <a:pos x="connsiteX14" y="connsiteY14"/>
+              </a:cxn>
+              <a:cxn ang="0">
+                <a:pos x="connsiteX15" y="connsiteY15"/>
+              </a:cxn>
+              <a:cxn ang="0">
+                <a:pos x="connsiteX16" y="connsiteY16"/>
+              </a:cxn>
+            </a:cxnLst>
+            <a:rect l="l" t="t" r="r" b="b"/>
+            <a:pathLst>
+              <a:path w="4243589" h="27432" fill="none" extrusionOk="0">
+                <a:moveTo>
+                  <a:pt x="0" y="0"/>
+                </a:moveTo>
+                <a:cubicBezTo>
+                  <a:pt x="157351" y="-15653"/>
+                  <a:pt x="378877" y="-5828"/>
+                  <a:pt x="563791" y="0"/>
+                </a:cubicBezTo>
+                <a:cubicBezTo>
+                  <a:pt x="748705" y="5828"/>
+                  <a:pt x="905659" y="-5525"/>
+                  <a:pt x="1042710" y="0"/>
+                </a:cubicBezTo>
+                <a:cubicBezTo>
+                  <a:pt x="1179761" y="5525"/>
+                  <a:pt x="1356845" y="-21288"/>
+                  <a:pt x="1564066" y="0"/>
+                </a:cubicBezTo>
+                <a:cubicBezTo>
+                  <a:pt x="1771287" y="21288"/>
+                  <a:pt x="1912099" y="25135"/>
+                  <a:pt x="2212729" y="0"/>
+                </a:cubicBezTo>
+                <a:cubicBezTo>
+                  <a:pt x="2513359" y="-25135"/>
+                  <a:pt x="2514918" y="-27119"/>
+                  <a:pt x="2776520" y="0"/>
+                </a:cubicBezTo>
+                <a:cubicBezTo>
+                  <a:pt x="3038122" y="27119"/>
+                  <a:pt x="3178771" y="18116"/>
+                  <a:pt x="3297875" y="0"/>
+                </a:cubicBezTo>
+                <a:cubicBezTo>
+                  <a:pt x="3416980" y="-18116"/>
+                  <a:pt x="4012240" y="-40869"/>
+                  <a:pt x="4243589" y="0"/>
+                </a:cubicBezTo>
+                <a:cubicBezTo>
+                  <a:pt x="4242616" y="8304"/>
+                  <a:pt x="4243111" y="21512"/>
+                  <a:pt x="4243589" y="27432"/>
+                </a:cubicBezTo>
+                <a:cubicBezTo>
+                  <a:pt x="4112949" y="6289"/>
+                  <a:pt x="3928037" y="10975"/>
+                  <a:pt x="3637362" y="27432"/>
+                </a:cubicBezTo>
+                <a:cubicBezTo>
+                  <a:pt x="3346687" y="43889"/>
+                  <a:pt x="3254446" y="35813"/>
+                  <a:pt x="3116007" y="27432"/>
+                </a:cubicBezTo>
+                <a:cubicBezTo>
+                  <a:pt x="2977569" y="19051"/>
+                  <a:pt x="2620228" y="38017"/>
+                  <a:pt x="2424908" y="27432"/>
+                </a:cubicBezTo>
+                <a:cubicBezTo>
+                  <a:pt x="2229588" y="16847"/>
+                  <a:pt x="2088287" y="5290"/>
+                  <a:pt x="1861117" y="27432"/>
+                </a:cubicBezTo>
+                <a:cubicBezTo>
+                  <a:pt x="1633947" y="49574"/>
+                  <a:pt x="1502447" y="8273"/>
+                  <a:pt x="1382198" y="27432"/>
+                </a:cubicBezTo>
+                <a:cubicBezTo>
+                  <a:pt x="1261949" y="46591"/>
+                  <a:pt x="1045440" y="37497"/>
+                  <a:pt x="733535" y="27432"/>
+                </a:cubicBezTo>
+                <a:cubicBezTo>
+                  <a:pt x="421630" y="17367"/>
+                  <a:pt x="341257" y="-9215"/>
+                  <a:pt x="0" y="27432"/>
+                </a:cubicBezTo>
+                <a:cubicBezTo>
+                  <a:pt x="-1048" y="14992"/>
+                  <a:pt x="-1120" y="7447"/>
+                  <a:pt x="0" y="0"/>
+                </a:cubicBezTo>
+                <a:close/>
+              </a:path>
+              <a:path w="4243589" h="27432" stroke="0" extrusionOk="0">
+                <a:moveTo>
+                  <a:pt x="0" y="0"/>
+                </a:moveTo>
+                <a:cubicBezTo>
+                  <a:pt x="128164" y="17204"/>
+                  <a:pt x="312653" y="1129"/>
+                  <a:pt x="563791" y="0"/>
+                </a:cubicBezTo>
+                <a:cubicBezTo>
+                  <a:pt x="814929" y="-1129"/>
+                  <a:pt x="837271" y="8503"/>
+                  <a:pt x="1042710" y="0"/>
+                </a:cubicBezTo>
+                <a:cubicBezTo>
+                  <a:pt x="1248149" y="-8503"/>
+                  <a:pt x="1588432" y="-28862"/>
+                  <a:pt x="1733809" y="0"/>
+                </a:cubicBezTo>
+                <a:cubicBezTo>
+                  <a:pt x="1879186" y="28862"/>
+                  <a:pt x="2052815" y="5974"/>
+                  <a:pt x="2297600" y="0"/>
+                </a:cubicBezTo>
+                <a:cubicBezTo>
+                  <a:pt x="2542385" y="-5974"/>
+                  <a:pt x="2699960" y="-23550"/>
+                  <a:pt x="2861391" y="0"/>
+                </a:cubicBezTo>
+                <a:cubicBezTo>
+                  <a:pt x="3022822" y="23550"/>
+                  <a:pt x="3390411" y="25272"/>
+                  <a:pt x="3552490" y="0"/>
+                </a:cubicBezTo>
+                <a:cubicBezTo>
+                  <a:pt x="3714569" y="-25272"/>
+                  <a:pt x="3950585" y="-31327"/>
+                  <a:pt x="4243589" y="0"/>
+                </a:cubicBezTo>
+                <a:cubicBezTo>
+                  <a:pt x="4244074" y="9333"/>
+                  <a:pt x="4244867" y="19699"/>
+                  <a:pt x="4243589" y="27432"/>
+                </a:cubicBezTo>
+                <a:cubicBezTo>
+                  <a:pt x="4130424" y="7904"/>
+                  <a:pt x="3932803" y="51393"/>
+                  <a:pt x="3722234" y="27432"/>
+                </a:cubicBezTo>
+                <a:cubicBezTo>
+                  <a:pt x="3511665" y="3471"/>
+                  <a:pt x="3269903" y="55138"/>
+                  <a:pt x="3116007" y="27432"/>
+                </a:cubicBezTo>
+                <a:cubicBezTo>
+                  <a:pt x="2962111" y="-274"/>
+                  <a:pt x="2744280" y="32368"/>
+                  <a:pt x="2509780" y="27432"/>
+                </a:cubicBezTo>
+                <a:cubicBezTo>
+                  <a:pt x="2275280" y="22496"/>
+                  <a:pt x="2066059" y="52808"/>
+                  <a:pt x="1945989" y="27432"/>
+                </a:cubicBezTo>
+                <a:cubicBezTo>
+                  <a:pt x="1825919" y="2056"/>
+                  <a:pt x="1407329" y="21760"/>
+                  <a:pt x="1254890" y="27432"/>
+                </a:cubicBezTo>
+                <a:cubicBezTo>
+                  <a:pt x="1102451" y="33104"/>
+                  <a:pt x="837950" y="40817"/>
+                  <a:pt x="563791" y="27432"/>
+                </a:cubicBezTo>
+                <a:cubicBezTo>
+                  <a:pt x="289632" y="14047"/>
+                  <a:pt x="132768" y="16249"/>
+                  <a:pt x="0" y="27432"/>
+                </a:cubicBezTo>
+                <a:cubicBezTo>
+                  <a:pt x="211" y="18145"/>
+                  <a:pt x="120" y="6480"/>
+                  <a:pt x="0" y="0"/>
+                </a:cubicBezTo>
+                <a:close/>
+              </a:path>
+            </a:pathLst>
+          </a:custGeom>
+          <a:solidFill>
+            <a:schemeClr val="tx1"/>
+          </a:solidFill>
+          <a:ln w="38100" cap="rnd">
+            <a:solidFill>
+              <a:schemeClr val="tx1"/>
+            </a:solidFill>
+            <a:round/>
+            <a:extLst>
+              <a:ext uri="{C807C97D-BFC1-408E-A445-0C87EB9F89A2}">
+                <ask:lineSketchStyleProps xmlns:ask="http://schemas.microsoft.com/office/drawing/2018/sketchyshapes" sd="1219033472">
+                  <a:prstGeom prst="rect">
+                    <a:avLst/>
+                  </a:prstGeom>
+                  <ask:type>
+                    <ask:lineSketchFreehand/>
+                  </ask:type>
+                </ask:lineSketchStyleProps>
+              </a:ext>
+            </a:extLst>
+          </a:ln>
+        </p:spPr>
+        <p:style>
+          <a:lnRef idx="2">
+            <a:schemeClr val="accent1">
+              <a:shade val="50000"/>
+            </a:schemeClr>
+          </a:lnRef>
+          <a:fillRef idx="1">
+            <a:schemeClr val="accent1"/>
+          </a:fillRef>
+          <a:effectRef idx="0">
+            <a:schemeClr val="accent1"/>
+          </a:effectRef>
+          <a:fontRef idx="minor">
+            <a:schemeClr val="lt1"/>
+          </a:fontRef>
+        </p:style>
+        <p:txBody>
+          <a:bodyPr rtlCol="0" anchor="ctr"/>
+          <a:lstStyle/>
+          <a:p>
+            <a:pPr algn="ctr"/>
+            <a:endParaRPr lang="en-US">
+              <a:solidFill>
+                <a:schemeClr val="tx1"/>
+              </a:solidFill>
+            </a:endParaRPr>
+          </a:p>
+        </p:txBody>
+      </p:sp>
+      <p:sp useBgFill="1">
+        <p:nvSpPr>
+          <p:cNvPr id="24" name="Rectangle 16">
+            <a:extLst>
+              <a:ext uri="{FF2B5EF4-FFF2-40B4-BE49-F238E27FC236}">
+                <a16:creationId xmlns:a16="http://schemas.microsoft.com/office/drawing/2014/main" id="{9B7AD9F6-8CE7-4299-8FC6-328F4DCD3FF9}"/>
+              </a:ext>
+              <a:ext uri="{C183D7F6-B498-43B3-948B-1728B52AA6E4}">
+                <adec:decorative xmlns:adec="http://schemas.microsoft.com/office/drawing/2017/decorative" val="1"/>
+              </a:ext>
+            </a:extLst>
+          </p:cNvPr>
+          <p:cNvSpPr>
+            <a:spLocks noGrp="1" noRot="1" noChangeAspect="1" noMove="1" noResize="1" noEditPoints="1" noAdjustHandles="1" noChangeArrowheads="1" noChangeShapeType="1" noTextEdit="1"/>
+          </p:cNvSpPr>
+          <p:nvPr>
+            <p:extLst>
+              <p:ext uri="{386F3935-93C4-4BCD-93E2-E3B085C9AB24}">
+                <p16:designElem xmlns:p16="http://schemas.microsoft.com/office/powerpoint/2015/main" val="1"/>
+              </p:ext>
+            </p:extLst>
+          </p:nvPr>
+        </p:nvSpPr>
+        <p:spPr>
+          <a:xfrm>
+            <a:off x="0" y="0"/>
+            <a:ext cx="12188952" cy="6858000"/>
+          </a:xfrm>
+          <a:prstGeom prst="rect">
+            <a:avLst/>
+          </a:prstGeom>
+          <a:ln>
+            <a:noFill/>
+          </a:ln>
+        </p:spPr>
+        <p:style>
+          <a:lnRef idx="2">
+            <a:schemeClr val="accent1">
+              <a:shade val="50000"/>
+            </a:schemeClr>
+          </a:lnRef>
+          <a:fillRef idx="1">
+            <a:schemeClr val="accent1"/>
+          </a:fillRef>
+          <a:effectRef idx="0">
+            <a:schemeClr val="accent1"/>
+          </a:effectRef>
+          <a:fontRef idx="minor">
+            <a:schemeClr val="lt1"/>
+          </a:fontRef>
+        </p:style>
+        <p:txBody>
+          <a:bodyPr rtlCol="0" anchor="ctr"/>
+          <a:lstStyle/>
+          <a:p>
+            <a:pPr algn="ctr"/>
+            <a:endParaRPr lang="en-US"/>
+          </a:p>
+        </p:txBody>
+      </p:sp>
+      <p:sp>
+        <p:nvSpPr>
           <p:cNvPr id="2" name="Title 1">
             <a:extLst>
               <a:ext uri="{FF2B5EF4-FFF2-40B4-BE49-F238E27FC236}">
@@ -7604,43 +9326,450 @@
             <p:ph type="title"/>
           </p:nvPr>
         </p:nvSpPr>
-        <p:spPr/>
+        <p:spPr>
+          <a:xfrm>
+            <a:off x="890338" y="640080"/>
+            <a:ext cx="3734014" cy="3566160"/>
+          </a:xfrm>
+        </p:spPr>
         <p:txBody>
-          <a:bodyPr/>
+          <a:bodyPr vert="horz" lIns="91440" tIns="45720" rIns="91440" bIns="45720" rtlCol="0" anchor="b">
+            <a:normAutofit/>
+          </a:bodyPr>
           <a:lstStyle/>
           <a:p>
+            <a:pPr algn="ctr">
+              <a:lnSpc>
+                <a:spcPct val="90000"/>
+              </a:lnSpc>
+            </a:pPr>
             <a:r>
-              <a:rPr lang="en-ES" dirty="0"/>
-              <a:t>Minimun Viable Product</a:t>
+              <a:rPr lang="en-US" sz="5600" dirty="0" err="1"/>
+              <a:t>Minimun</a:t>
+            </a:r>
+            <a:r>
+              <a:rPr lang="en-US" sz="5600" dirty="0"/>
+              <a:t> Viable Product</a:t>
             </a:r>
           </a:p>
         </p:txBody>
       </p:sp>
       <p:sp>
         <p:nvSpPr>
-          <p:cNvPr id="3" name="Content Placeholder 2">
+          <p:cNvPr id="25" name="Rectangle 6">
             <a:extLst>
               <a:ext uri="{FF2B5EF4-FFF2-40B4-BE49-F238E27FC236}">
-                <a16:creationId xmlns:a16="http://schemas.microsoft.com/office/drawing/2014/main" id="{C113ED79-E31C-CF4D-958F-FF20CA80D5FE}"/>
+                <a16:creationId xmlns:a16="http://schemas.microsoft.com/office/drawing/2014/main" id="{F49775AF-8896-43EE-92C6-83497D6DC56F}"/>
+              </a:ext>
+              <a:ext uri="{C183D7F6-B498-43B3-948B-1728B52AA6E4}">
+                <adec:decorative xmlns:adec="http://schemas.microsoft.com/office/drawing/2017/decorative" val="1"/>
               </a:ext>
             </a:extLst>
           </p:cNvPr>
           <p:cNvSpPr>
-            <a:spLocks noGrp="1"/>
+            <a:spLocks noGrp="1" noRot="1" noChangeAspect="1" noMove="1" noResize="1" noEditPoints="1" noAdjustHandles="1" noChangeArrowheads="1" noChangeShapeType="1" noTextEdit="1"/>
           </p:cNvSpPr>
+          <p:nvPr>
+            <p:extLst>
+              <p:ext uri="{386F3935-93C4-4BCD-93E2-E3B085C9AB24}">
+                <p16:designElem xmlns:p16="http://schemas.microsoft.com/office/powerpoint/2015/main" val="1"/>
+              </p:ext>
+            </p:extLst>
+          </p:nvPr>
+        </p:nvSpPr>
+        <p:spPr>
+          <a:xfrm>
+            <a:off x="890338" y="4409267"/>
+            <a:ext cx="3474720" cy="27432"/>
+          </a:xfrm>
+          <a:custGeom>
+            <a:avLst/>
+            <a:gdLst>
+              <a:gd name="connsiteX0" fmla="*/ 0 w 3474720"/>
+              <a:gd name="connsiteY0" fmla="*/ 0 h 27432"/>
+              <a:gd name="connsiteX1" fmla="*/ 660197 w 3474720"/>
+              <a:gd name="connsiteY1" fmla="*/ 0 h 27432"/>
+              <a:gd name="connsiteX2" fmla="*/ 1355141 w 3474720"/>
+              <a:gd name="connsiteY2" fmla="*/ 0 h 27432"/>
+              <a:gd name="connsiteX3" fmla="*/ 2084832 w 3474720"/>
+              <a:gd name="connsiteY3" fmla="*/ 0 h 27432"/>
+              <a:gd name="connsiteX4" fmla="*/ 2814523 w 3474720"/>
+              <a:gd name="connsiteY4" fmla="*/ 0 h 27432"/>
+              <a:gd name="connsiteX5" fmla="*/ 3474720 w 3474720"/>
+              <a:gd name="connsiteY5" fmla="*/ 0 h 27432"/>
+              <a:gd name="connsiteX6" fmla="*/ 3474720 w 3474720"/>
+              <a:gd name="connsiteY6" fmla="*/ 27432 h 27432"/>
+              <a:gd name="connsiteX7" fmla="*/ 2710282 w 3474720"/>
+              <a:gd name="connsiteY7" fmla="*/ 27432 h 27432"/>
+              <a:gd name="connsiteX8" fmla="*/ 1945843 w 3474720"/>
+              <a:gd name="connsiteY8" fmla="*/ 27432 h 27432"/>
+              <a:gd name="connsiteX9" fmla="*/ 1250899 w 3474720"/>
+              <a:gd name="connsiteY9" fmla="*/ 27432 h 27432"/>
+              <a:gd name="connsiteX10" fmla="*/ 0 w 3474720"/>
+              <a:gd name="connsiteY10" fmla="*/ 27432 h 27432"/>
+              <a:gd name="connsiteX11" fmla="*/ 0 w 3474720"/>
+              <a:gd name="connsiteY11" fmla="*/ 0 h 27432"/>
+            </a:gdLst>
+            <a:ahLst/>
+            <a:cxnLst>
+              <a:cxn ang="0">
+                <a:pos x="connsiteX0" y="connsiteY0"/>
+              </a:cxn>
+              <a:cxn ang="0">
+                <a:pos x="connsiteX1" y="connsiteY1"/>
+              </a:cxn>
+              <a:cxn ang="0">
+                <a:pos x="connsiteX2" y="connsiteY2"/>
+              </a:cxn>
+              <a:cxn ang="0">
+                <a:pos x="connsiteX3" y="connsiteY3"/>
+              </a:cxn>
+              <a:cxn ang="0">
+                <a:pos x="connsiteX4" y="connsiteY4"/>
+              </a:cxn>
+              <a:cxn ang="0">
+                <a:pos x="connsiteX5" y="connsiteY5"/>
+              </a:cxn>
+              <a:cxn ang="0">
+                <a:pos x="connsiteX6" y="connsiteY6"/>
+              </a:cxn>
+              <a:cxn ang="0">
+                <a:pos x="connsiteX7" y="connsiteY7"/>
+              </a:cxn>
+              <a:cxn ang="0">
+                <a:pos x="connsiteX8" y="connsiteY8"/>
+              </a:cxn>
+              <a:cxn ang="0">
+                <a:pos x="connsiteX9" y="connsiteY9"/>
+              </a:cxn>
+              <a:cxn ang="0">
+                <a:pos x="connsiteX10" y="connsiteY10"/>
+              </a:cxn>
+              <a:cxn ang="0">
+                <a:pos x="connsiteX11" y="connsiteY11"/>
+              </a:cxn>
+            </a:cxnLst>
+            <a:rect l="l" t="t" r="r" b="b"/>
+            <a:pathLst>
+              <a:path w="3474720" h="27432" fill="none" extrusionOk="0">
+                <a:moveTo>
+                  <a:pt x="0" y="0"/>
+                </a:moveTo>
+                <a:cubicBezTo>
+                  <a:pt x="307185" y="-8713"/>
+                  <a:pt x="392307" y="-13121"/>
+                  <a:pt x="660197" y="0"/>
+                </a:cubicBezTo>
+                <a:cubicBezTo>
+                  <a:pt x="928087" y="13121"/>
+                  <a:pt x="1167029" y="-2668"/>
+                  <a:pt x="1355141" y="0"/>
+                </a:cubicBezTo>
+                <a:cubicBezTo>
+                  <a:pt x="1543253" y="2668"/>
+                  <a:pt x="1739408" y="-6709"/>
+                  <a:pt x="2084832" y="0"/>
+                </a:cubicBezTo>
+                <a:cubicBezTo>
+                  <a:pt x="2430256" y="6709"/>
+                  <a:pt x="2538889" y="29706"/>
+                  <a:pt x="2814523" y="0"/>
+                </a:cubicBezTo>
+                <a:cubicBezTo>
+                  <a:pt x="3090157" y="-29706"/>
+                  <a:pt x="3152920" y="-15446"/>
+                  <a:pt x="3474720" y="0"/>
+                </a:cubicBezTo>
+                <a:cubicBezTo>
+                  <a:pt x="3473554" y="7395"/>
+                  <a:pt x="3474765" y="21864"/>
+                  <a:pt x="3474720" y="27432"/>
+                </a:cubicBezTo>
+                <a:cubicBezTo>
+                  <a:pt x="3275380" y="12730"/>
+                  <a:pt x="2958934" y="10130"/>
+                  <a:pt x="2710282" y="27432"/>
+                </a:cubicBezTo>
+                <a:cubicBezTo>
+                  <a:pt x="2461630" y="44734"/>
+                  <a:pt x="2131168" y="43757"/>
+                  <a:pt x="1945843" y="27432"/>
+                </a:cubicBezTo>
+                <a:cubicBezTo>
+                  <a:pt x="1760518" y="11107"/>
+                  <a:pt x="1444829" y="-3738"/>
+                  <a:pt x="1250899" y="27432"/>
+                </a:cubicBezTo>
+                <a:cubicBezTo>
+                  <a:pt x="1056969" y="58602"/>
+                  <a:pt x="444992" y="52761"/>
+                  <a:pt x="0" y="27432"/>
+                </a:cubicBezTo>
+                <a:cubicBezTo>
+                  <a:pt x="-503" y="20663"/>
+                  <a:pt x="1168" y="5855"/>
+                  <a:pt x="0" y="0"/>
+                </a:cubicBezTo>
+                <a:close/>
+              </a:path>
+              <a:path w="3474720" h="27432" stroke="0" extrusionOk="0">
+                <a:moveTo>
+                  <a:pt x="0" y="0"/>
+                </a:moveTo>
+                <a:cubicBezTo>
+                  <a:pt x="300114" y="-5103"/>
+                  <a:pt x="525093" y="-25284"/>
+                  <a:pt x="660197" y="0"/>
+                </a:cubicBezTo>
+                <a:cubicBezTo>
+                  <a:pt x="795301" y="25284"/>
+                  <a:pt x="1023172" y="17955"/>
+                  <a:pt x="1250899" y="0"/>
+                </a:cubicBezTo>
+                <a:cubicBezTo>
+                  <a:pt x="1478626" y="-17955"/>
+                  <a:pt x="1782079" y="-27844"/>
+                  <a:pt x="2015338" y="0"/>
+                </a:cubicBezTo>
+                <a:cubicBezTo>
+                  <a:pt x="2248597" y="27844"/>
+                  <a:pt x="2491007" y="27648"/>
+                  <a:pt x="2675534" y="0"/>
+                </a:cubicBezTo>
+                <a:cubicBezTo>
+                  <a:pt x="2860061" y="-27648"/>
+                  <a:pt x="3088679" y="-3661"/>
+                  <a:pt x="3474720" y="0"/>
+                </a:cubicBezTo>
+                <a:cubicBezTo>
+                  <a:pt x="3474913" y="12649"/>
+                  <a:pt x="3473732" y="17989"/>
+                  <a:pt x="3474720" y="27432"/>
+                </a:cubicBezTo>
+                <a:cubicBezTo>
+                  <a:pt x="3317198" y="15714"/>
+                  <a:pt x="2959205" y="52182"/>
+                  <a:pt x="2779776" y="27432"/>
+                </a:cubicBezTo>
+                <a:cubicBezTo>
+                  <a:pt x="2600347" y="2682"/>
+                  <a:pt x="2382660" y="-684"/>
+                  <a:pt x="2015338" y="27432"/>
+                </a:cubicBezTo>
+                <a:cubicBezTo>
+                  <a:pt x="1648016" y="55548"/>
+                  <a:pt x="1641073" y="39646"/>
+                  <a:pt x="1424635" y="27432"/>
+                </a:cubicBezTo>
+                <a:cubicBezTo>
+                  <a:pt x="1208197" y="15218"/>
+                  <a:pt x="1021559" y="15893"/>
+                  <a:pt x="729691" y="27432"/>
+                </a:cubicBezTo>
+                <a:cubicBezTo>
+                  <a:pt x="437823" y="38971"/>
+                  <a:pt x="153856" y="-2647"/>
+                  <a:pt x="0" y="27432"/>
+                </a:cubicBezTo>
+                <a:cubicBezTo>
+                  <a:pt x="1300" y="19678"/>
+                  <a:pt x="-86" y="12044"/>
+                  <a:pt x="0" y="0"/>
+                </a:cubicBezTo>
+                <a:close/>
+              </a:path>
+            </a:pathLst>
+          </a:custGeom>
+          <a:solidFill>
+            <a:srgbClr val="5F30E8"/>
+          </a:solidFill>
+          <a:ln w="38100" cap="rnd">
+            <a:solidFill>
+              <a:srgbClr val="5F30E8"/>
+            </a:solidFill>
+            <a:round/>
+            <a:extLst>
+              <a:ext uri="{C807C97D-BFC1-408E-A445-0C87EB9F89A2}">
+                <ask:lineSketchStyleProps xmlns:ask="http://schemas.microsoft.com/office/drawing/2018/sketchyshapes" sd="1219033472">
+                  <a:prstGeom prst="rect">
+                    <a:avLst/>
+                  </a:prstGeom>
+                  <ask:type>
+                    <ask:lineSketchFreehand/>
+                  </ask:type>
+                </ask:lineSketchStyleProps>
+              </a:ext>
+            </a:extLst>
+          </a:ln>
+        </p:spPr>
+        <p:style>
+          <a:lnRef idx="2">
+            <a:schemeClr val="accent1">
+              <a:shade val="50000"/>
+            </a:schemeClr>
+          </a:lnRef>
+          <a:fillRef idx="1">
+            <a:schemeClr val="accent1"/>
+          </a:fillRef>
+          <a:effectRef idx="0">
+            <a:schemeClr val="accent1"/>
+          </a:effectRef>
+          <a:fontRef idx="minor">
+            <a:schemeClr val="lt1"/>
+          </a:fontRef>
+        </p:style>
+        <p:txBody>
+          <a:bodyPr rtlCol="0" anchor="ctr"/>
+          <a:lstStyle/>
+          <a:p>
+            <a:pPr algn="ctr"/>
+            <a:endParaRPr lang="en-US"/>
+          </a:p>
+        </p:txBody>
+      </p:sp>
+      <p:pic>
+        <p:nvPicPr>
+          <p:cNvPr id="5" name="Content Placeholder 4" descr="Background pattern&#10;&#10;Description automatically generated">
+            <a:extLst>
+              <a:ext uri="{FF2B5EF4-FFF2-40B4-BE49-F238E27FC236}">
+                <a16:creationId xmlns:a16="http://schemas.microsoft.com/office/drawing/2014/main" id="{87A8665B-D30B-F149-BEB5-5C223929D1A2}"/>
+              </a:ext>
+            </a:extLst>
+          </p:cNvPr>
+          <p:cNvPicPr>
+            <a:picLocks noGrp="1" noChangeAspect="1"/>
+          </p:cNvPicPr>
           <p:nvPr>
             <p:ph idx="1"/>
           </p:nvPr>
-        </p:nvSpPr>
-        <p:spPr/>
-        <p:txBody>
-          <a:bodyPr/>
-          <a:lstStyle/>
-          <a:p>
-            <a:endParaRPr lang="en-ES"/>
-          </a:p>
-        </p:txBody>
-      </p:sp>
+        </p:nvPicPr>
+        <p:blipFill rotWithShape="1">
+          <a:blip r:embed="rId3"/>
+          <a:srcRect b="303"/>
+          <a:stretch/>
+        </p:blipFill>
+        <p:spPr>
+          <a:xfrm>
+            <a:off x="5311702" y="10"/>
+            <a:ext cx="6878775" cy="6857990"/>
+          </a:xfrm>
+          <a:custGeom>
+            <a:avLst/>
+            <a:gdLst/>
+            <a:ahLst/>
+            <a:cxnLst/>
+            <a:rect l="l" t="t" r="r" b="b"/>
+            <a:pathLst>
+              <a:path w="6878775" h="6858000">
+                <a:moveTo>
+                  <a:pt x="1102973" y="0"/>
+                </a:moveTo>
+                <a:lnTo>
+                  <a:pt x="1160688" y="0"/>
+                </a:lnTo>
+                <a:lnTo>
+                  <a:pt x="983189" y="331786"/>
+                </a:lnTo>
+                <a:cubicBezTo>
+                  <a:pt x="914866" y="469145"/>
+                  <a:pt x="850355" y="608712"/>
+                  <a:pt x="789261" y="750263"/>
+                </a:cubicBezTo>
+                <a:cubicBezTo>
+                  <a:pt x="774307" y="784928"/>
+                  <a:pt x="759992" y="819849"/>
+                  <a:pt x="745295" y="854514"/>
+                </a:cubicBezTo>
+                <a:cubicBezTo>
+                  <a:pt x="756682" y="845393"/>
+                  <a:pt x="765489" y="833492"/>
+                  <a:pt x="770857" y="819975"/>
+                </a:cubicBezTo>
+                <a:cubicBezTo>
+                  <a:pt x="879943" y="589569"/>
+                  <a:pt x="999605" y="365513"/>
+                  <a:pt x="1131329" y="148742"/>
+                </a:cubicBezTo>
+                <a:lnTo>
+                  <a:pt x="1227589" y="0"/>
+                </a:lnTo>
+                <a:lnTo>
+                  <a:pt x="6878775" y="0"/>
+                </a:lnTo>
+                <a:lnTo>
+                  <a:pt x="6878775" y="6858000"/>
+                </a:lnTo>
+                <a:lnTo>
+                  <a:pt x="713521" y="6858000"/>
+                </a:lnTo>
+                <a:lnTo>
+                  <a:pt x="625642" y="6670527"/>
+                </a:lnTo>
+                <a:cubicBezTo>
+                  <a:pt x="507232" y="6398531"/>
+                  <a:pt x="403083" y="6118381"/>
+                  <a:pt x="312785" y="5830359"/>
+                </a:cubicBezTo>
+                <a:cubicBezTo>
+                  <a:pt x="278149" y="5719759"/>
+                  <a:pt x="248879" y="5607635"/>
+                  <a:pt x="212198" y="5480401"/>
+                </a:cubicBezTo>
+                <a:cubicBezTo>
+                  <a:pt x="212208" y="5491601"/>
+                  <a:pt x="212803" y="5502788"/>
+                  <a:pt x="213988" y="5513923"/>
+                </a:cubicBezTo>
+                <a:cubicBezTo>
+                  <a:pt x="264089" y="5723695"/>
+                  <a:pt x="307290" y="5935370"/>
+                  <a:pt x="365826" y="6142729"/>
+                </a:cubicBezTo>
+                <a:cubicBezTo>
+                  <a:pt x="433152" y="6380817"/>
+                  <a:pt x="510068" y="6614016"/>
+                  <a:pt x="597975" y="6841549"/>
+                </a:cubicBezTo>
+                <a:lnTo>
+                  <a:pt x="604824" y="6858000"/>
+                </a:lnTo>
+                <a:lnTo>
+                  <a:pt x="552056" y="6858000"/>
+                </a:lnTo>
+                <a:lnTo>
+                  <a:pt x="539576" y="6828295"/>
+                </a:lnTo>
+                <a:cubicBezTo>
+                  <a:pt x="380597" y="6414594"/>
+                  <a:pt x="260223" y="5988893"/>
+                  <a:pt x="171555" y="5552906"/>
+                </a:cubicBezTo>
+                <a:cubicBezTo>
+                  <a:pt x="91163" y="5157998"/>
+                  <a:pt x="43746" y="4758899"/>
+                  <a:pt x="12305" y="4357388"/>
+                </a:cubicBezTo>
+                <a:cubicBezTo>
+                  <a:pt x="-14281" y="4013908"/>
+                  <a:pt x="4507" y="3672965"/>
+                  <a:pt x="46684" y="3331516"/>
+                </a:cubicBezTo>
+                <a:cubicBezTo>
+                  <a:pt x="127203" y="2664286"/>
+                  <a:pt x="277819" y="2007265"/>
+                  <a:pt x="496065" y="1371196"/>
+                </a:cubicBezTo>
+                <a:cubicBezTo>
+                  <a:pt x="636273" y="966066"/>
+                  <a:pt x="800445" y="573253"/>
+                  <a:pt x="995723" y="196614"/>
+                </a:cubicBezTo>
+                <a:close/>
+              </a:path>
+            </a:pathLst>
+          </a:custGeom>
+        </p:spPr>
+      </p:pic>
     </p:spTree>
     <p:extLst>
       <p:ext uri="{BB962C8B-B14F-4D97-AF65-F5344CB8AC3E}">
@@ -7651,12 +9780,1390 @@
   <p:clrMapOvr>
     <a:masterClrMapping/>
   </p:clrMapOvr>
+  <p:timing>
+    <p:tnLst>
+      <p:par>
+        <p:cTn id="1" dur="indefinite" restart="never" nodeType="tmRoot">
+          <p:childTnLst>
+            <p:seq concurrent="1" nextAc="seek">
+              <p:cTn id="2" dur="indefinite" nodeType="mainSeq">
+                <p:childTnLst>
+                  <p:par>
+                    <p:cTn id="3" fill="hold">
+                      <p:stCondLst>
+                        <p:cond delay="indefinite"/>
+                        <p:cond evt="onBegin" delay="0">
+                          <p:tn val="2"/>
+                        </p:cond>
+                      </p:stCondLst>
+                      <p:childTnLst>
+                        <p:par>
+                          <p:cTn id="4" fill="hold">
+                            <p:stCondLst>
+                              <p:cond delay="0"/>
+                            </p:stCondLst>
+                            <p:childTnLst>
+                              <p:par>
+                                <p:cTn id="5" presetID="10" presetClass="entr" presetSubtype="0" fill="hold" grpId="0" nodeType="withEffect">
+                                  <p:stCondLst>
+                                    <p:cond delay="500"/>
+                                  </p:stCondLst>
+                                  <p:iterate type="wd">
+                                    <p:tmPct val="15000"/>
+                                  </p:iterate>
+                                  <p:childTnLst>
+                                    <p:set>
+                                      <p:cBhvr>
+                                        <p:cTn id="6" dur="1" fill="hold">
+                                          <p:stCondLst>
+                                            <p:cond delay="0"/>
+                                          </p:stCondLst>
+                                        </p:cTn>
+                                        <p:tgtEl>
+                                          <p:spTgt spid="2"/>
+                                        </p:tgtEl>
+                                        <p:attrNameLst>
+                                          <p:attrName>style.visibility</p:attrName>
+                                        </p:attrNameLst>
+                                      </p:cBhvr>
+                                      <p:to>
+                                        <p:strVal val="visible"/>
+                                      </p:to>
+                                    </p:set>
+                                    <p:animEffect transition="in" filter="fade">
+                                      <p:cBhvr>
+                                        <p:cTn id="7" dur="1000"/>
+                                        <p:tgtEl>
+                                          <p:spTgt spid="2"/>
+                                        </p:tgtEl>
+                                      </p:cBhvr>
+                                    </p:animEffect>
+                                  </p:childTnLst>
+                                </p:cTn>
+                              </p:par>
+                            </p:childTnLst>
+                          </p:cTn>
+                        </p:par>
+                      </p:childTnLst>
+                    </p:cTn>
+                  </p:par>
+                </p:childTnLst>
+              </p:cTn>
+              <p:prevCondLst>
+                <p:cond evt="onPrev" delay="0">
+                  <p:tgtEl>
+                    <p:sldTgt/>
+                  </p:tgtEl>
+                </p:cond>
+              </p:prevCondLst>
+              <p:nextCondLst>
+                <p:cond evt="onNext" delay="0">
+                  <p:tgtEl>
+                    <p:sldTgt/>
+                  </p:tgtEl>
+                </p:cond>
+              </p:nextCondLst>
+            </p:seq>
+          </p:childTnLst>
+        </p:cTn>
+      </p:par>
+    </p:tnLst>
+    <p:bldLst>
+      <p:bldP spid="2" grpId="0"/>
+    </p:bldLst>
+  </p:timing>
 </p:sld>
 </file>
 
 <file path=ppt/slides/slide4.xml><?xml version="1.0" encoding="utf-8"?>
 <p:sld xmlns:a="http://schemas.openxmlformats.org/drawingml/2006/main" xmlns:r="http://schemas.openxmlformats.org/officeDocument/2006/relationships" xmlns:p="http://schemas.openxmlformats.org/presentationml/2006/main">
   <p:cSld>
+    <p:bg>
+      <p:bgPr>
+        <a:solidFill>
+          <a:schemeClr val="bg1"/>
+        </a:solidFill>
+        <a:effectLst/>
+      </p:bgPr>
+    </p:bg>
+    <p:spTree>
+      <p:nvGrpSpPr>
+        <p:cNvPr id="1" name=""/>
+        <p:cNvGrpSpPr/>
+        <p:nvPr/>
+      </p:nvGrpSpPr>
+      <p:grpSpPr>
+        <a:xfrm>
+          <a:off x="0" y="0"/>
+          <a:ext cx="0" cy="0"/>
+          <a:chOff x="0" y="0"/>
+          <a:chExt cx="0" cy="0"/>
+        </a:xfrm>
+      </p:grpSpPr>
+      <p:sp useBgFill="1">
+        <p:nvSpPr>
+          <p:cNvPr id="12" name="Rectangle 11">
+            <a:extLst>
+              <a:ext uri="{FF2B5EF4-FFF2-40B4-BE49-F238E27FC236}">
+                <a16:creationId xmlns:a16="http://schemas.microsoft.com/office/drawing/2014/main" id="{F13C74B1-5B17-4795-BED0-7140497B445A}"/>
+              </a:ext>
+              <a:ext uri="{C183D7F6-B498-43B3-948B-1728B52AA6E4}">
+                <adec:decorative xmlns:adec="http://schemas.microsoft.com/office/drawing/2017/decorative" val="1"/>
+              </a:ext>
+            </a:extLst>
+          </p:cNvPr>
+          <p:cNvSpPr>
+            <a:spLocks noGrp="1" noRot="1" noChangeAspect="1" noMove="1" noResize="1" noEditPoints="1" noAdjustHandles="1" noChangeArrowheads="1" noChangeShapeType="1" noTextEdit="1"/>
+          </p:cNvSpPr>
+          <p:nvPr>
+            <p:extLst>
+              <p:ext uri="{386F3935-93C4-4BCD-93E2-E3B085C9AB24}">
+                <p16:designElem xmlns:p16="http://schemas.microsoft.com/office/powerpoint/2015/main" val="1"/>
+              </p:ext>
+            </p:extLst>
+          </p:nvPr>
+        </p:nvSpPr>
+        <p:spPr>
+          <a:xfrm>
+            <a:off x="0" y="0"/>
+            <a:ext cx="12188952" cy="6858000"/>
+          </a:xfrm>
+          <a:prstGeom prst="rect">
+            <a:avLst/>
+          </a:prstGeom>
+          <a:ln>
+            <a:noFill/>
+          </a:ln>
+        </p:spPr>
+        <p:style>
+          <a:lnRef idx="2">
+            <a:schemeClr val="accent1">
+              <a:shade val="50000"/>
+            </a:schemeClr>
+          </a:lnRef>
+          <a:fillRef idx="1">
+            <a:schemeClr val="accent1"/>
+          </a:fillRef>
+          <a:effectRef idx="0">
+            <a:schemeClr val="accent1"/>
+          </a:effectRef>
+          <a:fontRef idx="minor">
+            <a:schemeClr val="lt1"/>
+          </a:fontRef>
+        </p:style>
+        <p:txBody>
+          <a:bodyPr rtlCol="0" anchor="ctr"/>
+          <a:lstStyle/>
+          <a:p>
+            <a:pPr algn="ctr"/>
+            <a:endParaRPr lang="en-US"/>
+          </a:p>
+        </p:txBody>
+      </p:sp>
+      <p:sp>
+        <p:nvSpPr>
+          <p:cNvPr id="2" name="Title 1">
+            <a:extLst>
+              <a:ext uri="{FF2B5EF4-FFF2-40B4-BE49-F238E27FC236}">
+                <a16:creationId xmlns:a16="http://schemas.microsoft.com/office/drawing/2014/main" id="{DBC06074-C32D-AA45-8B6A-0F84938C2BDA}"/>
+              </a:ext>
+            </a:extLst>
+          </p:cNvPr>
+          <p:cNvSpPr>
+            <a:spLocks noGrp="1"/>
+          </p:cNvSpPr>
+          <p:nvPr>
+            <p:ph type="title"/>
+          </p:nvPr>
+        </p:nvSpPr>
+        <p:spPr>
+          <a:xfrm>
+            <a:off x="640080" y="325369"/>
+            <a:ext cx="4368602" cy="1956841"/>
+          </a:xfrm>
+        </p:spPr>
+        <p:txBody>
+          <a:bodyPr anchor="b">
+            <a:normAutofit/>
+          </a:bodyPr>
+          <a:lstStyle/>
+          <a:p>
+            <a:pPr>
+              <a:lnSpc>
+                <a:spcPct val="90000"/>
+              </a:lnSpc>
+            </a:pPr>
+            <a:r>
+              <a:rPr lang="en-ES" sz="5600"/>
+              <a:t>Methodology</a:t>
+            </a:r>
+          </a:p>
+        </p:txBody>
+      </p:sp>
+      <p:sp>
+        <p:nvSpPr>
+          <p:cNvPr id="14" name="Rectangle 6">
+            <a:extLst>
+              <a:ext uri="{FF2B5EF4-FFF2-40B4-BE49-F238E27FC236}">
+                <a16:creationId xmlns:a16="http://schemas.microsoft.com/office/drawing/2014/main" id="{3FCFB1DE-0B7E-48CC-BA90-B2AB0889F9D6}"/>
+              </a:ext>
+              <a:ext uri="{C183D7F6-B498-43B3-948B-1728B52AA6E4}">
+                <adec:decorative xmlns:adec="http://schemas.microsoft.com/office/drawing/2017/decorative" val="1"/>
+              </a:ext>
+            </a:extLst>
+          </p:cNvPr>
+          <p:cNvSpPr>
+            <a:spLocks noGrp="1" noRot="1" noChangeAspect="1" noMove="1" noResize="1" noEditPoints="1" noAdjustHandles="1" noChangeArrowheads="1" noChangeShapeType="1" noTextEdit="1"/>
+          </p:cNvSpPr>
+          <p:nvPr>
+            <p:extLst>
+              <p:ext uri="{386F3935-93C4-4BCD-93E2-E3B085C9AB24}">
+                <p16:designElem xmlns:p16="http://schemas.microsoft.com/office/powerpoint/2015/main" val="1"/>
+              </p:ext>
+            </p:extLst>
+          </p:nvPr>
+        </p:nvSpPr>
+        <p:spPr>
+          <a:xfrm>
+            <a:off x="765093" y="2563839"/>
+            <a:ext cx="3931920" cy="27432"/>
+          </a:xfrm>
+          <a:custGeom>
+            <a:avLst/>
+            <a:gdLst>
+              <a:gd name="connsiteX0" fmla="*/ 0 w 3931920"/>
+              <a:gd name="connsiteY0" fmla="*/ 0 h 27432"/>
+              <a:gd name="connsiteX1" fmla="*/ 733958 w 3931920"/>
+              <a:gd name="connsiteY1" fmla="*/ 0 h 27432"/>
+              <a:gd name="connsiteX2" fmla="*/ 1428598 w 3931920"/>
+              <a:gd name="connsiteY2" fmla="*/ 0 h 27432"/>
+              <a:gd name="connsiteX3" fmla="*/ 2123237 w 3931920"/>
+              <a:gd name="connsiteY3" fmla="*/ 0 h 27432"/>
+              <a:gd name="connsiteX4" fmla="*/ 2660599 w 3931920"/>
+              <a:gd name="connsiteY4" fmla="*/ 0 h 27432"/>
+              <a:gd name="connsiteX5" fmla="*/ 3237281 w 3931920"/>
+              <a:gd name="connsiteY5" fmla="*/ 0 h 27432"/>
+              <a:gd name="connsiteX6" fmla="*/ 3931920 w 3931920"/>
+              <a:gd name="connsiteY6" fmla="*/ 0 h 27432"/>
+              <a:gd name="connsiteX7" fmla="*/ 3931920 w 3931920"/>
+              <a:gd name="connsiteY7" fmla="*/ 27432 h 27432"/>
+              <a:gd name="connsiteX8" fmla="*/ 3276600 w 3931920"/>
+              <a:gd name="connsiteY8" fmla="*/ 27432 h 27432"/>
+              <a:gd name="connsiteX9" fmla="*/ 2739238 w 3931920"/>
+              <a:gd name="connsiteY9" fmla="*/ 27432 h 27432"/>
+              <a:gd name="connsiteX10" fmla="*/ 2201875 w 3931920"/>
+              <a:gd name="connsiteY10" fmla="*/ 27432 h 27432"/>
+              <a:gd name="connsiteX11" fmla="*/ 1507236 w 3931920"/>
+              <a:gd name="connsiteY11" fmla="*/ 27432 h 27432"/>
+              <a:gd name="connsiteX12" fmla="*/ 930554 w 3931920"/>
+              <a:gd name="connsiteY12" fmla="*/ 27432 h 27432"/>
+              <a:gd name="connsiteX13" fmla="*/ 0 w 3931920"/>
+              <a:gd name="connsiteY13" fmla="*/ 27432 h 27432"/>
+              <a:gd name="connsiteX14" fmla="*/ 0 w 3931920"/>
+              <a:gd name="connsiteY14" fmla="*/ 0 h 27432"/>
+            </a:gdLst>
+            <a:ahLst/>
+            <a:cxnLst>
+              <a:cxn ang="0">
+                <a:pos x="connsiteX0" y="connsiteY0"/>
+              </a:cxn>
+              <a:cxn ang="0">
+                <a:pos x="connsiteX1" y="connsiteY1"/>
+              </a:cxn>
+              <a:cxn ang="0">
+                <a:pos x="connsiteX2" y="connsiteY2"/>
+              </a:cxn>
+              <a:cxn ang="0">
+                <a:pos x="connsiteX3" y="connsiteY3"/>
+              </a:cxn>
+              <a:cxn ang="0">
+                <a:pos x="connsiteX4" y="connsiteY4"/>
+              </a:cxn>
+              <a:cxn ang="0">
+                <a:pos x="connsiteX5" y="connsiteY5"/>
+              </a:cxn>
+              <a:cxn ang="0">
+                <a:pos x="connsiteX6" y="connsiteY6"/>
+              </a:cxn>
+              <a:cxn ang="0">
+                <a:pos x="connsiteX7" y="connsiteY7"/>
+              </a:cxn>
+              <a:cxn ang="0">
+                <a:pos x="connsiteX8" y="connsiteY8"/>
+              </a:cxn>
+              <a:cxn ang="0">
+                <a:pos x="connsiteX9" y="connsiteY9"/>
+              </a:cxn>
+              <a:cxn ang="0">
+                <a:pos x="connsiteX10" y="connsiteY10"/>
+              </a:cxn>
+              <a:cxn ang="0">
+                <a:pos x="connsiteX11" y="connsiteY11"/>
+              </a:cxn>
+              <a:cxn ang="0">
+                <a:pos x="connsiteX12" y="connsiteY12"/>
+              </a:cxn>
+              <a:cxn ang="0">
+                <a:pos x="connsiteX13" y="connsiteY13"/>
+              </a:cxn>
+              <a:cxn ang="0">
+                <a:pos x="connsiteX14" y="connsiteY14"/>
+              </a:cxn>
+            </a:cxnLst>
+            <a:rect l="l" t="t" r="r" b="b"/>
+            <a:pathLst>
+              <a:path w="3931920" h="27432" fill="none" extrusionOk="0">
+                <a:moveTo>
+                  <a:pt x="0" y="0"/>
+                </a:moveTo>
+                <a:cubicBezTo>
+                  <a:pt x="245351" y="16874"/>
+                  <a:pt x="509174" y="13736"/>
+                  <a:pt x="733958" y="0"/>
+                </a:cubicBezTo>
+                <a:cubicBezTo>
+                  <a:pt x="958742" y="-13736"/>
+                  <a:pt x="1245406" y="-17215"/>
+                  <a:pt x="1428598" y="0"/>
+                </a:cubicBezTo>
+                <a:cubicBezTo>
+                  <a:pt x="1611790" y="17215"/>
+                  <a:pt x="1930525" y="20562"/>
+                  <a:pt x="2123237" y="0"/>
+                </a:cubicBezTo>
+                <a:cubicBezTo>
+                  <a:pt x="2315949" y="-20562"/>
+                  <a:pt x="2485508" y="11332"/>
+                  <a:pt x="2660599" y="0"/>
+                </a:cubicBezTo>
+                <a:cubicBezTo>
+                  <a:pt x="2835690" y="-11332"/>
+                  <a:pt x="3075198" y="-14809"/>
+                  <a:pt x="3237281" y="0"/>
+                </a:cubicBezTo>
+                <a:cubicBezTo>
+                  <a:pt x="3399364" y="14809"/>
+                  <a:pt x="3745084" y="-4992"/>
+                  <a:pt x="3931920" y="0"/>
+                </a:cubicBezTo>
+                <a:cubicBezTo>
+                  <a:pt x="3930963" y="8431"/>
+                  <a:pt x="3931571" y="14612"/>
+                  <a:pt x="3931920" y="27432"/>
+                </a:cubicBezTo>
+                <a:cubicBezTo>
+                  <a:pt x="3765435" y="40792"/>
+                  <a:pt x="3452398" y="38703"/>
+                  <a:pt x="3276600" y="27432"/>
+                </a:cubicBezTo>
+                <a:cubicBezTo>
+                  <a:pt x="3100802" y="16161"/>
+                  <a:pt x="2914889" y="26998"/>
+                  <a:pt x="2739238" y="27432"/>
+                </a:cubicBezTo>
+                <a:cubicBezTo>
+                  <a:pt x="2563587" y="27866"/>
+                  <a:pt x="2395484" y="39154"/>
+                  <a:pt x="2201875" y="27432"/>
+                </a:cubicBezTo>
+                <a:cubicBezTo>
+                  <a:pt x="2008266" y="15710"/>
+                  <a:pt x="1781367" y="4899"/>
+                  <a:pt x="1507236" y="27432"/>
+                </a:cubicBezTo>
+                <a:cubicBezTo>
+                  <a:pt x="1233105" y="49965"/>
+                  <a:pt x="1075495" y="47542"/>
+                  <a:pt x="930554" y="27432"/>
+                </a:cubicBezTo>
+                <a:cubicBezTo>
+                  <a:pt x="785613" y="7322"/>
+                  <a:pt x="268930" y="30433"/>
+                  <a:pt x="0" y="27432"/>
+                </a:cubicBezTo>
+                <a:cubicBezTo>
+                  <a:pt x="226" y="18208"/>
+                  <a:pt x="-648" y="12891"/>
+                  <a:pt x="0" y="0"/>
+                </a:cubicBezTo>
+                <a:close/>
+              </a:path>
+              <a:path w="3931920" h="27432" stroke="0" extrusionOk="0">
+                <a:moveTo>
+                  <a:pt x="0" y="0"/>
+                </a:moveTo>
+                <a:cubicBezTo>
+                  <a:pt x="278269" y="4786"/>
+                  <a:pt x="349028" y="-10422"/>
+                  <a:pt x="616001" y="0"/>
+                </a:cubicBezTo>
+                <a:cubicBezTo>
+                  <a:pt x="882974" y="10422"/>
+                  <a:pt x="931617" y="-15515"/>
+                  <a:pt x="1153363" y="0"/>
+                </a:cubicBezTo>
+                <a:cubicBezTo>
+                  <a:pt x="1375109" y="15515"/>
+                  <a:pt x="1704089" y="-3631"/>
+                  <a:pt x="1887322" y="0"/>
+                </a:cubicBezTo>
+                <a:cubicBezTo>
+                  <a:pt x="2070555" y="3631"/>
+                  <a:pt x="2344155" y="2213"/>
+                  <a:pt x="2503322" y="0"/>
+                </a:cubicBezTo>
+                <a:cubicBezTo>
+                  <a:pt x="2662489" y="-2213"/>
+                  <a:pt x="2976859" y="26691"/>
+                  <a:pt x="3119323" y="0"/>
+                </a:cubicBezTo>
+                <a:cubicBezTo>
+                  <a:pt x="3261787" y="-26691"/>
+                  <a:pt x="3588171" y="-28651"/>
+                  <a:pt x="3931920" y="0"/>
+                </a:cubicBezTo>
+                <a:cubicBezTo>
+                  <a:pt x="3930565" y="9524"/>
+                  <a:pt x="3930718" y="13975"/>
+                  <a:pt x="3931920" y="27432"/>
+                </a:cubicBezTo>
+                <a:cubicBezTo>
+                  <a:pt x="3664329" y="4021"/>
+                  <a:pt x="3437686" y="14511"/>
+                  <a:pt x="3276600" y="27432"/>
+                </a:cubicBezTo>
+                <a:cubicBezTo>
+                  <a:pt x="3115514" y="40353"/>
+                  <a:pt x="2913592" y="48967"/>
+                  <a:pt x="2739238" y="27432"/>
+                </a:cubicBezTo>
+                <a:cubicBezTo>
+                  <a:pt x="2564884" y="5897"/>
+                  <a:pt x="2294049" y="39820"/>
+                  <a:pt x="2083918" y="27432"/>
+                </a:cubicBezTo>
+                <a:cubicBezTo>
+                  <a:pt x="1873787" y="15044"/>
+                  <a:pt x="1718903" y="21388"/>
+                  <a:pt x="1428598" y="27432"/>
+                </a:cubicBezTo>
+                <a:cubicBezTo>
+                  <a:pt x="1138293" y="33476"/>
+                  <a:pt x="952209" y="50441"/>
+                  <a:pt x="812597" y="27432"/>
+                </a:cubicBezTo>
+                <a:cubicBezTo>
+                  <a:pt x="672985" y="4423"/>
+                  <a:pt x="305800" y="28240"/>
+                  <a:pt x="0" y="27432"/>
+                </a:cubicBezTo>
+                <a:cubicBezTo>
+                  <a:pt x="-800" y="16780"/>
+                  <a:pt x="-583" y="12910"/>
+                  <a:pt x="0" y="0"/>
+                </a:cubicBezTo>
+                <a:close/>
+              </a:path>
+            </a:pathLst>
+          </a:custGeom>
+          <a:solidFill>
+            <a:srgbClr val="5F30E8"/>
+          </a:solidFill>
+          <a:ln w="38100" cap="rnd">
+            <a:solidFill>
+              <a:srgbClr val="5F30E8"/>
+            </a:solidFill>
+            <a:round/>
+            <a:extLst>
+              <a:ext uri="{C807C97D-BFC1-408E-A445-0C87EB9F89A2}">
+                <ask:lineSketchStyleProps xmlns:ask="http://schemas.microsoft.com/office/drawing/2018/sketchyshapes" sd="1219033472">
+                  <a:prstGeom prst="rect">
+                    <a:avLst/>
+                  </a:prstGeom>
+                  <ask:type>
+                    <ask:lineSketchFreehand/>
+                  </ask:type>
+                </ask:lineSketchStyleProps>
+              </a:ext>
+            </a:extLst>
+          </a:ln>
+        </p:spPr>
+        <p:style>
+          <a:lnRef idx="2">
+            <a:schemeClr val="accent1">
+              <a:shade val="50000"/>
+            </a:schemeClr>
+          </a:lnRef>
+          <a:fillRef idx="1">
+            <a:schemeClr val="accent1"/>
+          </a:fillRef>
+          <a:effectRef idx="0">
+            <a:schemeClr val="accent1"/>
+          </a:effectRef>
+          <a:fontRef idx="minor">
+            <a:schemeClr val="lt1"/>
+          </a:fontRef>
+        </p:style>
+        <p:txBody>
+          <a:bodyPr rtlCol="0" anchor="ctr"/>
+          <a:lstStyle/>
+          <a:p>
+            <a:pPr algn="ctr"/>
+            <a:endParaRPr lang="en-US"/>
+          </a:p>
+        </p:txBody>
+      </p:sp>
+      <p:sp>
+        <p:nvSpPr>
+          <p:cNvPr id="9" name="Content Placeholder 8">
+            <a:extLst>
+              <a:ext uri="{FF2B5EF4-FFF2-40B4-BE49-F238E27FC236}">
+                <a16:creationId xmlns:a16="http://schemas.microsoft.com/office/drawing/2014/main" id="{D786DDD8-5C56-494F-AB7D-195D2BC01450}"/>
+              </a:ext>
+            </a:extLst>
+          </p:cNvPr>
+          <p:cNvSpPr>
+            <a:spLocks noGrp="1"/>
+          </p:cNvSpPr>
+          <p:nvPr>
+            <p:ph idx="1"/>
+          </p:nvPr>
+        </p:nvSpPr>
+        <p:spPr>
+          <a:xfrm>
+            <a:off x="640080" y="2872899"/>
+            <a:ext cx="4243589" cy="3320668"/>
+          </a:xfrm>
+        </p:spPr>
+        <p:txBody>
+          <a:bodyPr>
+            <a:normAutofit/>
+          </a:bodyPr>
+          <a:lstStyle/>
+          <a:p>
+            <a:endParaRPr lang="en-US"/>
+          </a:p>
+        </p:txBody>
+      </p:sp>
+      <p:pic>
+        <p:nvPicPr>
+          <p:cNvPr id="5" name="Content Placeholder 4" descr="A picture containing dessert&#10;&#10;Description automatically generated">
+            <a:extLst>
+              <a:ext uri="{FF2B5EF4-FFF2-40B4-BE49-F238E27FC236}">
+                <a16:creationId xmlns:a16="http://schemas.microsoft.com/office/drawing/2014/main" id="{88CB4A5A-EA5C-A442-AEBB-5E49496AA6F5}"/>
+              </a:ext>
+            </a:extLst>
+          </p:cNvPr>
+          <p:cNvPicPr>
+            <a:picLocks noChangeAspect="1"/>
+          </p:cNvPicPr>
+          <p:nvPr/>
+        </p:nvPicPr>
+        <p:blipFill rotWithShape="1">
+          <a:blip r:embed="rId2"/>
+          <a:srcRect b="303"/>
+          <a:stretch/>
+        </p:blipFill>
+        <p:spPr>
+          <a:xfrm>
+            <a:off x="5311702" y="10"/>
+            <a:ext cx="6878775" cy="6857990"/>
+          </a:xfrm>
+          <a:custGeom>
+            <a:avLst/>
+            <a:gdLst/>
+            <a:ahLst/>
+            <a:cxnLst/>
+            <a:rect l="l" t="t" r="r" b="b"/>
+            <a:pathLst>
+              <a:path w="6878775" h="6858000">
+                <a:moveTo>
+                  <a:pt x="1102973" y="0"/>
+                </a:moveTo>
+                <a:lnTo>
+                  <a:pt x="1160688" y="0"/>
+                </a:lnTo>
+                <a:lnTo>
+                  <a:pt x="983189" y="331786"/>
+                </a:lnTo>
+                <a:cubicBezTo>
+                  <a:pt x="914866" y="469145"/>
+                  <a:pt x="850355" y="608712"/>
+                  <a:pt x="789261" y="750263"/>
+                </a:cubicBezTo>
+                <a:cubicBezTo>
+                  <a:pt x="774307" y="784928"/>
+                  <a:pt x="759992" y="819849"/>
+                  <a:pt x="745295" y="854514"/>
+                </a:cubicBezTo>
+                <a:cubicBezTo>
+                  <a:pt x="756682" y="845393"/>
+                  <a:pt x="765489" y="833492"/>
+                  <a:pt x="770857" y="819975"/>
+                </a:cubicBezTo>
+                <a:cubicBezTo>
+                  <a:pt x="879943" y="589569"/>
+                  <a:pt x="999605" y="365513"/>
+                  <a:pt x="1131329" y="148742"/>
+                </a:cubicBezTo>
+                <a:lnTo>
+                  <a:pt x="1227589" y="0"/>
+                </a:lnTo>
+                <a:lnTo>
+                  <a:pt x="6878775" y="0"/>
+                </a:lnTo>
+                <a:lnTo>
+                  <a:pt x="6878775" y="6858000"/>
+                </a:lnTo>
+                <a:lnTo>
+                  <a:pt x="713521" y="6858000"/>
+                </a:lnTo>
+                <a:lnTo>
+                  <a:pt x="625642" y="6670527"/>
+                </a:lnTo>
+                <a:cubicBezTo>
+                  <a:pt x="507232" y="6398531"/>
+                  <a:pt x="403083" y="6118381"/>
+                  <a:pt x="312785" y="5830359"/>
+                </a:cubicBezTo>
+                <a:cubicBezTo>
+                  <a:pt x="278149" y="5719759"/>
+                  <a:pt x="248879" y="5607635"/>
+                  <a:pt x="212198" y="5480401"/>
+                </a:cubicBezTo>
+                <a:cubicBezTo>
+                  <a:pt x="212208" y="5491601"/>
+                  <a:pt x="212803" y="5502788"/>
+                  <a:pt x="213988" y="5513923"/>
+                </a:cubicBezTo>
+                <a:cubicBezTo>
+                  <a:pt x="264089" y="5723695"/>
+                  <a:pt x="307290" y="5935370"/>
+                  <a:pt x="365826" y="6142729"/>
+                </a:cubicBezTo>
+                <a:cubicBezTo>
+                  <a:pt x="433152" y="6380817"/>
+                  <a:pt x="510068" y="6614016"/>
+                  <a:pt x="597975" y="6841549"/>
+                </a:cubicBezTo>
+                <a:lnTo>
+                  <a:pt x="604824" y="6858000"/>
+                </a:lnTo>
+                <a:lnTo>
+                  <a:pt x="552056" y="6858000"/>
+                </a:lnTo>
+                <a:lnTo>
+                  <a:pt x="539576" y="6828295"/>
+                </a:lnTo>
+                <a:cubicBezTo>
+                  <a:pt x="380597" y="6414594"/>
+                  <a:pt x="260223" y="5988893"/>
+                  <a:pt x="171555" y="5552906"/>
+                </a:cubicBezTo>
+                <a:cubicBezTo>
+                  <a:pt x="91163" y="5157998"/>
+                  <a:pt x="43746" y="4758899"/>
+                  <a:pt x="12305" y="4357388"/>
+                </a:cubicBezTo>
+                <a:cubicBezTo>
+                  <a:pt x="-14281" y="4013908"/>
+                  <a:pt x="4507" y="3672965"/>
+                  <a:pt x="46684" y="3331516"/>
+                </a:cubicBezTo>
+                <a:cubicBezTo>
+                  <a:pt x="127203" y="2664286"/>
+                  <a:pt x="277819" y="2007265"/>
+                  <a:pt x="496065" y="1371196"/>
+                </a:cubicBezTo>
+                <a:cubicBezTo>
+                  <a:pt x="636273" y="966066"/>
+                  <a:pt x="800445" y="573253"/>
+                  <a:pt x="995723" y="196614"/>
+                </a:cubicBezTo>
+                <a:close/>
+              </a:path>
+            </a:pathLst>
+          </a:custGeom>
+        </p:spPr>
+      </p:pic>
+    </p:spTree>
+    <p:extLst>
+      <p:ext uri="{BB962C8B-B14F-4D97-AF65-F5344CB8AC3E}">
+        <p14:creationId xmlns:p14="http://schemas.microsoft.com/office/powerpoint/2010/main" val="418889022"/>
+      </p:ext>
+    </p:extLst>
+  </p:cSld>
+  <p:clrMapOvr>
+    <a:masterClrMapping/>
+  </p:clrMapOvr>
+</p:sld>
+</file>
+
+<file path=ppt/slides/slide5.xml><?xml version="1.0" encoding="utf-8"?>
+<p:sld xmlns:a="http://schemas.openxmlformats.org/drawingml/2006/main" xmlns:r="http://schemas.openxmlformats.org/officeDocument/2006/relationships" xmlns:p="http://schemas.openxmlformats.org/presentationml/2006/main">
+  <p:cSld>
+    <p:bg>
+      <p:bgPr>
+        <a:solidFill>
+          <a:schemeClr val="bg1"/>
+        </a:solidFill>
+        <a:effectLst/>
+      </p:bgPr>
+    </p:bg>
+    <p:spTree>
+      <p:nvGrpSpPr>
+        <p:cNvPr id="1" name=""/>
+        <p:cNvGrpSpPr/>
+        <p:nvPr/>
+      </p:nvGrpSpPr>
+      <p:grpSpPr>
+        <a:xfrm>
+          <a:off x="0" y="0"/>
+          <a:ext cx="0" cy="0"/>
+          <a:chOff x="0" y="0"/>
+          <a:chExt cx="0" cy="0"/>
+        </a:xfrm>
+      </p:grpSpPr>
+      <p:sp useBgFill="1">
+        <p:nvSpPr>
+          <p:cNvPr id="12" name="Rectangle 11">
+            <a:extLst>
+              <a:ext uri="{FF2B5EF4-FFF2-40B4-BE49-F238E27FC236}">
+                <a16:creationId xmlns:a16="http://schemas.microsoft.com/office/drawing/2014/main" id="{2C61293E-6EBE-43EF-A52C-9BEBFD7679D4}"/>
+              </a:ext>
+              <a:ext uri="{C183D7F6-B498-43B3-948B-1728B52AA6E4}">
+                <adec:decorative xmlns:adec="http://schemas.microsoft.com/office/drawing/2017/decorative" val="1"/>
+              </a:ext>
+            </a:extLst>
+          </p:cNvPr>
+          <p:cNvSpPr>
+            <a:spLocks noGrp="1" noRot="1" noChangeAspect="1" noMove="1" noResize="1" noEditPoints="1" noAdjustHandles="1" noChangeArrowheads="1" noChangeShapeType="1" noTextEdit="1"/>
+          </p:cNvSpPr>
+          <p:nvPr>
+            <p:extLst>
+              <p:ext uri="{386F3935-93C4-4BCD-93E2-E3B085C9AB24}">
+                <p16:designElem xmlns:p16="http://schemas.microsoft.com/office/powerpoint/2015/main" val="1"/>
+              </p:ext>
+            </p:extLst>
+          </p:nvPr>
+        </p:nvSpPr>
+        <p:spPr>
+          <a:xfrm>
+            <a:off x="0" y="0"/>
+            <a:ext cx="12188952" cy="6858000"/>
+          </a:xfrm>
+          <a:prstGeom prst="rect">
+            <a:avLst/>
+          </a:prstGeom>
+          <a:ln>
+            <a:noFill/>
+          </a:ln>
+        </p:spPr>
+        <p:style>
+          <a:lnRef idx="2">
+            <a:schemeClr val="accent1">
+              <a:shade val="50000"/>
+            </a:schemeClr>
+          </a:lnRef>
+          <a:fillRef idx="1">
+            <a:schemeClr val="accent1"/>
+          </a:fillRef>
+          <a:effectRef idx="0">
+            <a:schemeClr val="accent1"/>
+          </a:effectRef>
+          <a:fontRef idx="minor">
+            <a:schemeClr val="lt1"/>
+          </a:fontRef>
+        </p:style>
+        <p:txBody>
+          <a:bodyPr rtlCol="0" anchor="ctr"/>
+          <a:lstStyle/>
+          <a:p>
+            <a:pPr algn="ctr"/>
+            <a:endParaRPr lang="en-US"/>
+          </a:p>
+        </p:txBody>
+      </p:sp>
+      <p:sp>
+        <p:nvSpPr>
+          <p:cNvPr id="2" name="Title 1">
+            <a:extLst>
+              <a:ext uri="{FF2B5EF4-FFF2-40B4-BE49-F238E27FC236}">
+                <a16:creationId xmlns:a16="http://schemas.microsoft.com/office/drawing/2014/main" id="{DBC06074-C32D-AA45-8B6A-0F84938C2BDA}"/>
+              </a:ext>
+            </a:extLst>
+          </p:cNvPr>
+          <p:cNvSpPr>
+            <a:spLocks noGrp="1"/>
+          </p:cNvSpPr>
+          <p:nvPr>
+            <p:ph type="title"/>
+          </p:nvPr>
+        </p:nvSpPr>
+        <p:spPr>
+          <a:xfrm>
+            <a:off x="5297762" y="329184"/>
+            <a:ext cx="6251110" cy="1783080"/>
+          </a:xfrm>
+        </p:spPr>
+        <p:txBody>
+          <a:bodyPr anchor="b">
+            <a:normAutofit/>
+          </a:bodyPr>
+          <a:lstStyle/>
+          <a:p>
+            <a:pPr>
+              <a:lnSpc>
+                <a:spcPct val="90000"/>
+              </a:lnSpc>
+            </a:pPr>
+            <a:r>
+              <a:rPr lang="en-ES" sz="5600"/>
+              <a:t>Future Iterations</a:t>
+            </a:r>
+          </a:p>
+        </p:txBody>
+      </p:sp>
+      <p:sp>
+        <p:nvSpPr>
+          <p:cNvPr id="14" name="Rectangle 6">
+            <a:extLst>
+              <a:ext uri="{FF2B5EF4-FFF2-40B4-BE49-F238E27FC236}">
+                <a16:creationId xmlns:a16="http://schemas.microsoft.com/office/drawing/2014/main" id="{3FCFB1DE-0B7E-48CC-BA90-B2AB0889F9D6}"/>
+              </a:ext>
+              <a:ext uri="{C183D7F6-B498-43B3-948B-1728B52AA6E4}">
+                <adec:decorative xmlns:adec="http://schemas.microsoft.com/office/drawing/2017/decorative" val="1"/>
+              </a:ext>
+            </a:extLst>
+          </p:cNvPr>
+          <p:cNvSpPr>
+            <a:spLocks noGrp="1" noRot="1" noChangeAspect="1" noMove="1" noResize="1" noEditPoints="1" noAdjustHandles="1" noChangeArrowheads="1" noChangeShapeType="1" noTextEdit="1"/>
+          </p:cNvSpPr>
+          <p:nvPr>
+            <p:extLst>
+              <p:ext uri="{386F3935-93C4-4BCD-93E2-E3B085C9AB24}">
+                <p16:designElem xmlns:p16="http://schemas.microsoft.com/office/powerpoint/2015/main" val="1"/>
+              </p:ext>
+            </p:extLst>
+          </p:nvPr>
+        </p:nvSpPr>
+        <p:spPr>
+          <a:xfrm>
+            <a:off x="5412862" y="2395728"/>
+            <a:ext cx="4243589" cy="27432"/>
+          </a:xfrm>
+          <a:custGeom>
+            <a:avLst/>
+            <a:gdLst>
+              <a:gd name="connsiteX0" fmla="*/ 0 w 4243589"/>
+              <a:gd name="connsiteY0" fmla="*/ 0 h 27432"/>
+              <a:gd name="connsiteX1" fmla="*/ 563791 w 4243589"/>
+              <a:gd name="connsiteY1" fmla="*/ 0 h 27432"/>
+              <a:gd name="connsiteX2" fmla="*/ 1042710 w 4243589"/>
+              <a:gd name="connsiteY2" fmla="*/ 0 h 27432"/>
+              <a:gd name="connsiteX3" fmla="*/ 1564066 w 4243589"/>
+              <a:gd name="connsiteY3" fmla="*/ 0 h 27432"/>
+              <a:gd name="connsiteX4" fmla="*/ 2212729 w 4243589"/>
+              <a:gd name="connsiteY4" fmla="*/ 0 h 27432"/>
+              <a:gd name="connsiteX5" fmla="*/ 2776520 w 4243589"/>
+              <a:gd name="connsiteY5" fmla="*/ 0 h 27432"/>
+              <a:gd name="connsiteX6" fmla="*/ 3297875 w 4243589"/>
+              <a:gd name="connsiteY6" fmla="*/ 0 h 27432"/>
+              <a:gd name="connsiteX7" fmla="*/ 4243589 w 4243589"/>
+              <a:gd name="connsiteY7" fmla="*/ 0 h 27432"/>
+              <a:gd name="connsiteX8" fmla="*/ 4243589 w 4243589"/>
+              <a:gd name="connsiteY8" fmla="*/ 27432 h 27432"/>
+              <a:gd name="connsiteX9" fmla="*/ 3637362 w 4243589"/>
+              <a:gd name="connsiteY9" fmla="*/ 27432 h 27432"/>
+              <a:gd name="connsiteX10" fmla="*/ 3116007 w 4243589"/>
+              <a:gd name="connsiteY10" fmla="*/ 27432 h 27432"/>
+              <a:gd name="connsiteX11" fmla="*/ 2424908 w 4243589"/>
+              <a:gd name="connsiteY11" fmla="*/ 27432 h 27432"/>
+              <a:gd name="connsiteX12" fmla="*/ 1861117 w 4243589"/>
+              <a:gd name="connsiteY12" fmla="*/ 27432 h 27432"/>
+              <a:gd name="connsiteX13" fmla="*/ 1382198 w 4243589"/>
+              <a:gd name="connsiteY13" fmla="*/ 27432 h 27432"/>
+              <a:gd name="connsiteX14" fmla="*/ 733535 w 4243589"/>
+              <a:gd name="connsiteY14" fmla="*/ 27432 h 27432"/>
+              <a:gd name="connsiteX15" fmla="*/ 0 w 4243589"/>
+              <a:gd name="connsiteY15" fmla="*/ 27432 h 27432"/>
+              <a:gd name="connsiteX16" fmla="*/ 0 w 4243589"/>
+              <a:gd name="connsiteY16" fmla="*/ 0 h 27432"/>
+            </a:gdLst>
+            <a:ahLst/>
+            <a:cxnLst>
+              <a:cxn ang="0">
+                <a:pos x="connsiteX0" y="connsiteY0"/>
+              </a:cxn>
+              <a:cxn ang="0">
+                <a:pos x="connsiteX1" y="connsiteY1"/>
+              </a:cxn>
+              <a:cxn ang="0">
+                <a:pos x="connsiteX2" y="connsiteY2"/>
+              </a:cxn>
+              <a:cxn ang="0">
+                <a:pos x="connsiteX3" y="connsiteY3"/>
+              </a:cxn>
+              <a:cxn ang="0">
+                <a:pos x="connsiteX4" y="connsiteY4"/>
+              </a:cxn>
+              <a:cxn ang="0">
+                <a:pos x="connsiteX5" y="connsiteY5"/>
+              </a:cxn>
+              <a:cxn ang="0">
+                <a:pos x="connsiteX6" y="connsiteY6"/>
+              </a:cxn>
+              <a:cxn ang="0">
+                <a:pos x="connsiteX7" y="connsiteY7"/>
+              </a:cxn>
+              <a:cxn ang="0">
+                <a:pos x="connsiteX8" y="connsiteY8"/>
+              </a:cxn>
+              <a:cxn ang="0">
+                <a:pos x="connsiteX9" y="connsiteY9"/>
+              </a:cxn>
+              <a:cxn ang="0">
+                <a:pos x="connsiteX10" y="connsiteY10"/>
+              </a:cxn>
+              <a:cxn ang="0">
+                <a:pos x="connsiteX11" y="connsiteY11"/>
+              </a:cxn>
+              <a:cxn ang="0">
+                <a:pos x="connsiteX12" y="connsiteY12"/>
+              </a:cxn>
+              <a:cxn ang="0">
+                <a:pos x="connsiteX13" y="connsiteY13"/>
+              </a:cxn>
+              <a:cxn ang="0">
+                <a:pos x="connsiteX14" y="connsiteY14"/>
+              </a:cxn>
+              <a:cxn ang="0">
+                <a:pos x="connsiteX15" y="connsiteY15"/>
+              </a:cxn>
+              <a:cxn ang="0">
+                <a:pos x="connsiteX16" y="connsiteY16"/>
+              </a:cxn>
+            </a:cxnLst>
+            <a:rect l="l" t="t" r="r" b="b"/>
+            <a:pathLst>
+              <a:path w="4243589" h="27432" fill="none" extrusionOk="0">
+                <a:moveTo>
+                  <a:pt x="0" y="0"/>
+                </a:moveTo>
+                <a:cubicBezTo>
+                  <a:pt x="157351" y="-15653"/>
+                  <a:pt x="378877" y="-5828"/>
+                  <a:pt x="563791" y="0"/>
+                </a:cubicBezTo>
+                <a:cubicBezTo>
+                  <a:pt x="748705" y="5828"/>
+                  <a:pt x="905659" y="-5525"/>
+                  <a:pt x="1042710" y="0"/>
+                </a:cubicBezTo>
+                <a:cubicBezTo>
+                  <a:pt x="1179761" y="5525"/>
+                  <a:pt x="1356845" y="-21288"/>
+                  <a:pt x="1564066" y="0"/>
+                </a:cubicBezTo>
+                <a:cubicBezTo>
+                  <a:pt x="1771287" y="21288"/>
+                  <a:pt x="1912099" y="25135"/>
+                  <a:pt x="2212729" y="0"/>
+                </a:cubicBezTo>
+                <a:cubicBezTo>
+                  <a:pt x="2513359" y="-25135"/>
+                  <a:pt x="2514918" y="-27119"/>
+                  <a:pt x="2776520" y="0"/>
+                </a:cubicBezTo>
+                <a:cubicBezTo>
+                  <a:pt x="3038122" y="27119"/>
+                  <a:pt x="3178771" y="18116"/>
+                  <a:pt x="3297875" y="0"/>
+                </a:cubicBezTo>
+                <a:cubicBezTo>
+                  <a:pt x="3416980" y="-18116"/>
+                  <a:pt x="4012240" y="-40869"/>
+                  <a:pt x="4243589" y="0"/>
+                </a:cubicBezTo>
+                <a:cubicBezTo>
+                  <a:pt x="4242616" y="8304"/>
+                  <a:pt x="4243111" y="21512"/>
+                  <a:pt x="4243589" y="27432"/>
+                </a:cubicBezTo>
+                <a:cubicBezTo>
+                  <a:pt x="4112949" y="6289"/>
+                  <a:pt x="3928037" y="10975"/>
+                  <a:pt x="3637362" y="27432"/>
+                </a:cubicBezTo>
+                <a:cubicBezTo>
+                  <a:pt x="3346687" y="43889"/>
+                  <a:pt x="3254446" y="35813"/>
+                  <a:pt x="3116007" y="27432"/>
+                </a:cubicBezTo>
+                <a:cubicBezTo>
+                  <a:pt x="2977569" y="19051"/>
+                  <a:pt x="2620228" y="38017"/>
+                  <a:pt x="2424908" y="27432"/>
+                </a:cubicBezTo>
+                <a:cubicBezTo>
+                  <a:pt x="2229588" y="16847"/>
+                  <a:pt x="2088287" y="5290"/>
+                  <a:pt x="1861117" y="27432"/>
+                </a:cubicBezTo>
+                <a:cubicBezTo>
+                  <a:pt x="1633947" y="49574"/>
+                  <a:pt x="1502447" y="8273"/>
+                  <a:pt x="1382198" y="27432"/>
+                </a:cubicBezTo>
+                <a:cubicBezTo>
+                  <a:pt x="1261949" y="46591"/>
+                  <a:pt x="1045440" y="37497"/>
+                  <a:pt x="733535" y="27432"/>
+                </a:cubicBezTo>
+                <a:cubicBezTo>
+                  <a:pt x="421630" y="17367"/>
+                  <a:pt x="341257" y="-9215"/>
+                  <a:pt x="0" y="27432"/>
+                </a:cubicBezTo>
+                <a:cubicBezTo>
+                  <a:pt x="-1048" y="14992"/>
+                  <a:pt x="-1120" y="7447"/>
+                  <a:pt x="0" y="0"/>
+                </a:cubicBezTo>
+                <a:close/>
+              </a:path>
+              <a:path w="4243589" h="27432" stroke="0" extrusionOk="0">
+                <a:moveTo>
+                  <a:pt x="0" y="0"/>
+                </a:moveTo>
+                <a:cubicBezTo>
+                  <a:pt x="128164" y="17204"/>
+                  <a:pt x="312653" y="1129"/>
+                  <a:pt x="563791" y="0"/>
+                </a:cubicBezTo>
+                <a:cubicBezTo>
+                  <a:pt x="814929" y="-1129"/>
+                  <a:pt x="837271" y="8503"/>
+                  <a:pt x="1042710" y="0"/>
+                </a:cubicBezTo>
+                <a:cubicBezTo>
+                  <a:pt x="1248149" y="-8503"/>
+                  <a:pt x="1588432" y="-28862"/>
+                  <a:pt x="1733809" y="0"/>
+                </a:cubicBezTo>
+                <a:cubicBezTo>
+                  <a:pt x="1879186" y="28862"/>
+                  <a:pt x="2052815" y="5974"/>
+                  <a:pt x="2297600" y="0"/>
+                </a:cubicBezTo>
+                <a:cubicBezTo>
+                  <a:pt x="2542385" y="-5974"/>
+                  <a:pt x="2699960" y="-23550"/>
+                  <a:pt x="2861391" y="0"/>
+                </a:cubicBezTo>
+                <a:cubicBezTo>
+                  <a:pt x="3022822" y="23550"/>
+                  <a:pt x="3390411" y="25272"/>
+                  <a:pt x="3552490" y="0"/>
+                </a:cubicBezTo>
+                <a:cubicBezTo>
+                  <a:pt x="3714569" y="-25272"/>
+                  <a:pt x="3950585" y="-31327"/>
+                  <a:pt x="4243589" y="0"/>
+                </a:cubicBezTo>
+                <a:cubicBezTo>
+                  <a:pt x="4244074" y="9333"/>
+                  <a:pt x="4244867" y="19699"/>
+                  <a:pt x="4243589" y="27432"/>
+                </a:cubicBezTo>
+                <a:cubicBezTo>
+                  <a:pt x="4130424" y="7904"/>
+                  <a:pt x="3932803" y="51393"/>
+                  <a:pt x="3722234" y="27432"/>
+                </a:cubicBezTo>
+                <a:cubicBezTo>
+                  <a:pt x="3511665" y="3471"/>
+                  <a:pt x="3269903" y="55138"/>
+                  <a:pt x="3116007" y="27432"/>
+                </a:cubicBezTo>
+                <a:cubicBezTo>
+                  <a:pt x="2962111" y="-274"/>
+                  <a:pt x="2744280" y="32368"/>
+                  <a:pt x="2509780" y="27432"/>
+                </a:cubicBezTo>
+                <a:cubicBezTo>
+                  <a:pt x="2275280" y="22496"/>
+                  <a:pt x="2066059" y="52808"/>
+                  <a:pt x="1945989" y="27432"/>
+                </a:cubicBezTo>
+                <a:cubicBezTo>
+                  <a:pt x="1825919" y="2056"/>
+                  <a:pt x="1407329" y="21760"/>
+                  <a:pt x="1254890" y="27432"/>
+                </a:cubicBezTo>
+                <a:cubicBezTo>
+                  <a:pt x="1102451" y="33104"/>
+                  <a:pt x="837950" y="40817"/>
+                  <a:pt x="563791" y="27432"/>
+                </a:cubicBezTo>
+                <a:cubicBezTo>
+                  <a:pt x="289632" y="14047"/>
+                  <a:pt x="132768" y="16249"/>
+                  <a:pt x="0" y="27432"/>
+                </a:cubicBezTo>
+                <a:cubicBezTo>
+                  <a:pt x="211" y="18145"/>
+                  <a:pt x="120" y="6480"/>
+                  <a:pt x="0" y="0"/>
+                </a:cubicBezTo>
+                <a:close/>
+              </a:path>
+            </a:pathLst>
+          </a:custGeom>
+          <a:solidFill>
+            <a:srgbClr val="5F30E8"/>
+          </a:solidFill>
+          <a:ln w="38100" cap="rnd">
+            <a:solidFill>
+              <a:srgbClr val="5F30E8"/>
+            </a:solidFill>
+            <a:round/>
+            <a:extLst>
+              <a:ext uri="{C807C97D-BFC1-408E-A445-0C87EB9F89A2}">
+                <ask:lineSketchStyleProps xmlns:ask="http://schemas.microsoft.com/office/drawing/2018/sketchyshapes" sd="1219033472">
+                  <a:prstGeom prst="rect">
+                    <a:avLst/>
+                  </a:prstGeom>
+                  <ask:type>
+                    <ask:lineSketchFreehand/>
+                  </ask:type>
+                </ask:lineSketchStyleProps>
+              </a:ext>
+            </a:extLst>
+          </a:ln>
+        </p:spPr>
+        <p:style>
+          <a:lnRef idx="2">
+            <a:schemeClr val="accent1">
+              <a:shade val="50000"/>
+            </a:schemeClr>
+          </a:lnRef>
+          <a:fillRef idx="1">
+            <a:schemeClr val="accent1"/>
+          </a:fillRef>
+          <a:effectRef idx="0">
+            <a:schemeClr val="accent1"/>
+          </a:effectRef>
+          <a:fontRef idx="minor">
+            <a:schemeClr val="lt1"/>
+          </a:fontRef>
+        </p:style>
+        <p:txBody>
+          <a:bodyPr rtlCol="0" anchor="ctr"/>
+          <a:lstStyle/>
+          <a:p>
+            <a:pPr algn="ctr"/>
+            <a:endParaRPr lang="en-US"/>
+          </a:p>
+        </p:txBody>
+      </p:sp>
+      <p:sp>
+        <p:nvSpPr>
+          <p:cNvPr id="9" name="Content Placeholder 8">
+            <a:extLst>
+              <a:ext uri="{FF2B5EF4-FFF2-40B4-BE49-F238E27FC236}">
+                <a16:creationId xmlns:a16="http://schemas.microsoft.com/office/drawing/2014/main" id="{A59E874D-D577-4DE0-B8D5-A0A567CE833E}"/>
+              </a:ext>
+            </a:extLst>
+          </p:cNvPr>
+          <p:cNvSpPr>
+            <a:spLocks noGrp="1"/>
+          </p:cNvSpPr>
+          <p:nvPr>
+            <p:ph idx="1"/>
+          </p:nvPr>
+        </p:nvSpPr>
+        <p:spPr>
+          <a:xfrm>
+            <a:off x="5297762" y="2706624"/>
+            <a:ext cx="6251110" cy="3483864"/>
+          </a:xfrm>
+        </p:spPr>
+        <p:txBody>
+          <a:bodyPr>
+            <a:normAutofit/>
+          </a:bodyPr>
+          <a:lstStyle/>
+          <a:p>
+            <a:endParaRPr lang="en-US"/>
+          </a:p>
+        </p:txBody>
+      </p:sp>
+      <p:pic>
+        <p:nvPicPr>
+          <p:cNvPr id="5" name="Content Placeholder 4" descr="Background pattern&#10;&#10;Description automatically generated">
+            <a:extLst>
+              <a:ext uri="{FF2B5EF4-FFF2-40B4-BE49-F238E27FC236}">
+                <a16:creationId xmlns:a16="http://schemas.microsoft.com/office/drawing/2014/main" id="{83CD7EE1-340A-E949-9EE6-54EE90E33722}"/>
+              </a:ext>
+            </a:extLst>
+          </p:cNvPr>
+          <p:cNvPicPr>
+            <a:picLocks noChangeAspect="1"/>
+          </p:cNvPicPr>
+          <p:nvPr/>
+        </p:nvPicPr>
+        <p:blipFill rotWithShape="1">
+          <a:blip r:embed="rId2"/>
+          <a:srcRect l="16012" r="16077"/>
+          <a:stretch/>
+        </p:blipFill>
+        <p:spPr>
+          <a:xfrm>
+            <a:off x="1" y="10"/>
+            <a:ext cx="4657344" cy="6857990"/>
+          </a:xfrm>
+          <a:custGeom>
+            <a:avLst/>
+            <a:gdLst/>
+            <a:ahLst/>
+            <a:cxnLst/>
+            <a:rect l="l" t="t" r="r" b="b"/>
+            <a:pathLst>
+              <a:path w="4657344" h="6858000">
+                <a:moveTo>
+                  <a:pt x="0" y="0"/>
+                </a:moveTo>
+                <a:lnTo>
+                  <a:pt x="3429755" y="0"/>
+                </a:lnTo>
+                <a:lnTo>
+                  <a:pt x="3526016" y="148742"/>
+                </a:lnTo>
+                <a:cubicBezTo>
+                  <a:pt x="3657740" y="365513"/>
+                  <a:pt x="3777402" y="589569"/>
+                  <a:pt x="3886489" y="819975"/>
+                </a:cubicBezTo>
+                <a:cubicBezTo>
+                  <a:pt x="3891856" y="833492"/>
+                  <a:pt x="3900663" y="845393"/>
+                  <a:pt x="3912049" y="854514"/>
+                </a:cubicBezTo>
+                <a:cubicBezTo>
+                  <a:pt x="3897352" y="819849"/>
+                  <a:pt x="3883037" y="784928"/>
+                  <a:pt x="3868083" y="750263"/>
+                </a:cubicBezTo>
+                <a:cubicBezTo>
+                  <a:pt x="3806989" y="608712"/>
+                  <a:pt x="3742478" y="469145"/>
+                  <a:pt x="3674155" y="331786"/>
+                </a:cubicBezTo>
+                <a:lnTo>
+                  <a:pt x="3496656" y="0"/>
+                </a:lnTo>
+                <a:lnTo>
+                  <a:pt x="3554371" y="0"/>
+                </a:lnTo>
+                <a:lnTo>
+                  <a:pt x="3661621" y="196614"/>
+                </a:lnTo>
+                <a:cubicBezTo>
+                  <a:pt x="3856899" y="573253"/>
+                  <a:pt x="4021071" y="966066"/>
+                  <a:pt x="4161279" y="1371196"/>
+                </a:cubicBezTo>
+                <a:cubicBezTo>
+                  <a:pt x="4379525" y="2007265"/>
+                  <a:pt x="4530141" y="2664286"/>
+                  <a:pt x="4610660" y="3331516"/>
+                </a:cubicBezTo>
+                <a:cubicBezTo>
+                  <a:pt x="4652837" y="3672965"/>
+                  <a:pt x="4671625" y="4013908"/>
+                  <a:pt x="4645040" y="4357388"/>
+                </a:cubicBezTo>
+                <a:cubicBezTo>
+                  <a:pt x="4613599" y="4758899"/>
+                  <a:pt x="4566181" y="5157998"/>
+                  <a:pt x="4485789" y="5552906"/>
+                </a:cubicBezTo>
+                <a:cubicBezTo>
+                  <a:pt x="4397121" y="5988893"/>
+                  <a:pt x="4276748" y="6414594"/>
+                  <a:pt x="4117769" y="6828295"/>
+                </a:cubicBezTo>
+                <a:lnTo>
+                  <a:pt x="4105288" y="6858000"/>
+                </a:lnTo>
+                <a:lnTo>
+                  <a:pt x="4052520" y="6858000"/>
+                </a:lnTo>
+                <a:lnTo>
+                  <a:pt x="4059369" y="6841549"/>
+                </a:lnTo>
+                <a:cubicBezTo>
+                  <a:pt x="4147276" y="6614016"/>
+                  <a:pt x="4224193" y="6380817"/>
+                  <a:pt x="4291518" y="6142729"/>
+                </a:cubicBezTo>
+                <a:cubicBezTo>
+                  <a:pt x="4350055" y="5935370"/>
+                  <a:pt x="4393256" y="5723695"/>
+                  <a:pt x="4443357" y="5513923"/>
+                </a:cubicBezTo>
+                <a:cubicBezTo>
+                  <a:pt x="4444541" y="5502788"/>
+                  <a:pt x="4445137" y="5491601"/>
+                  <a:pt x="4445146" y="5480401"/>
+                </a:cubicBezTo>
+                <a:cubicBezTo>
+                  <a:pt x="4408465" y="5607635"/>
+                  <a:pt x="4379196" y="5719759"/>
+                  <a:pt x="4344559" y="5830359"/>
+                </a:cubicBezTo>
+                <a:cubicBezTo>
+                  <a:pt x="4254261" y="6118381"/>
+                  <a:pt x="4150112" y="6398531"/>
+                  <a:pt x="4031702" y="6670527"/>
+                </a:cubicBezTo>
+                <a:lnTo>
+                  <a:pt x="3943824" y="6858000"/>
+                </a:lnTo>
+                <a:lnTo>
+                  <a:pt x="0" y="6858000"/>
+                </a:lnTo>
+                <a:close/>
+              </a:path>
+            </a:pathLst>
+          </a:custGeom>
+        </p:spPr>
+      </p:pic>
+    </p:spTree>
+    <p:extLst>
+      <p:ext uri="{BB962C8B-B14F-4D97-AF65-F5344CB8AC3E}">
+        <p14:creationId xmlns:p14="http://schemas.microsoft.com/office/powerpoint/2010/main" val="2399223159"/>
+      </p:ext>
+    </p:extLst>
+  </p:cSld>
+  <p:clrMapOvr>
+    <a:masterClrMapping/>
+  </p:clrMapOvr>
+</p:sld>
+</file>
+
+<file path=ppt/slides/slide6.xml><?xml version="1.0" encoding="utf-8"?>
+<p:sld xmlns:a="http://schemas.openxmlformats.org/drawingml/2006/main" xmlns:r="http://schemas.openxmlformats.org/officeDocument/2006/relationships" xmlns:p="http://schemas.openxmlformats.org/presentationml/2006/main">
+  <p:cSld>
+    <p:bg>
+      <p:bgPr>
+        <a:solidFill>
+          <a:schemeClr val="bg1"/>
+        </a:solidFill>
+        <a:effectLst/>
+      </p:bgPr>
+    </p:bg>
     <p:spTree>
       <p:nvGrpSpPr>
         <p:cNvPr id="1" name=""/>
@@ -7673,6 +11180,537 @@
       </p:grpSpPr>
       <p:sp>
         <p:nvSpPr>
+          <p:cNvPr id="10" name="Rectangle 6">
+            <a:extLst>
+              <a:ext uri="{FF2B5EF4-FFF2-40B4-BE49-F238E27FC236}">
+                <a16:creationId xmlns:a16="http://schemas.microsoft.com/office/drawing/2014/main" id="{DA381740-063A-41A4-836D-85D14980EEF0}"/>
+              </a:ext>
+              <a:ext uri="{C183D7F6-B498-43B3-948B-1728B52AA6E4}">
+                <adec:decorative xmlns:adec="http://schemas.microsoft.com/office/drawing/2017/decorative" val="1"/>
+              </a:ext>
+            </a:extLst>
+          </p:cNvPr>
+          <p:cNvSpPr>
+            <a:spLocks noGrp="1" noRot="1" noChangeAspect="1" noMove="1" noResize="1" noEditPoints="1" noAdjustHandles="1" noChangeArrowheads="1" noChangeShapeType="1" noTextEdit="1"/>
+          </p:cNvSpPr>
+          <p:nvPr>
+            <p:extLst>
+              <p:ext uri="{386F3935-93C4-4BCD-93E2-E3B085C9AB24}">
+                <p16:designElem xmlns:p16="http://schemas.microsoft.com/office/powerpoint/2015/main" val="1"/>
+              </p:ext>
+            </p:extLst>
+          </p:nvPr>
+        </p:nvSpPr>
+        <p:spPr>
+          <a:xfrm>
+            <a:off x="838200" y="4736883"/>
+            <a:ext cx="4243589" cy="27432"/>
+          </a:xfrm>
+          <a:custGeom>
+            <a:avLst/>
+            <a:gdLst>
+              <a:gd name="connsiteX0" fmla="*/ 0 w 4243589"/>
+              <a:gd name="connsiteY0" fmla="*/ 0 h 27432"/>
+              <a:gd name="connsiteX1" fmla="*/ 563791 w 4243589"/>
+              <a:gd name="connsiteY1" fmla="*/ 0 h 27432"/>
+              <a:gd name="connsiteX2" fmla="*/ 1042710 w 4243589"/>
+              <a:gd name="connsiteY2" fmla="*/ 0 h 27432"/>
+              <a:gd name="connsiteX3" fmla="*/ 1564066 w 4243589"/>
+              <a:gd name="connsiteY3" fmla="*/ 0 h 27432"/>
+              <a:gd name="connsiteX4" fmla="*/ 2212729 w 4243589"/>
+              <a:gd name="connsiteY4" fmla="*/ 0 h 27432"/>
+              <a:gd name="connsiteX5" fmla="*/ 2776520 w 4243589"/>
+              <a:gd name="connsiteY5" fmla="*/ 0 h 27432"/>
+              <a:gd name="connsiteX6" fmla="*/ 3297875 w 4243589"/>
+              <a:gd name="connsiteY6" fmla="*/ 0 h 27432"/>
+              <a:gd name="connsiteX7" fmla="*/ 4243589 w 4243589"/>
+              <a:gd name="connsiteY7" fmla="*/ 0 h 27432"/>
+              <a:gd name="connsiteX8" fmla="*/ 4243589 w 4243589"/>
+              <a:gd name="connsiteY8" fmla="*/ 27432 h 27432"/>
+              <a:gd name="connsiteX9" fmla="*/ 3637362 w 4243589"/>
+              <a:gd name="connsiteY9" fmla="*/ 27432 h 27432"/>
+              <a:gd name="connsiteX10" fmla="*/ 3116007 w 4243589"/>
+              <a:gd name="connsiteY10" fmla="*/ 27432 h 27432"/>
+              <a:gd name="connsiteX11" fmla="*/ 2424908 w 4243589"/>
+              <a:gd name="connsiteY11" fmla="*/ 27432 h 27432"/>
+              <a:gd name="connsiteX12" fmla="*/ 1861117 w 4243589"/>
+              <a:gd name="connsiteY12" fmla="*/ 27432 h 27432"/>
+              <a:gd name="connsiteX13" fmla="*/ 1382198 w 4243589"/>
+              <a:gd name="connsiteY13" fmla="*/ 27432 h 27432"/>
+              <a:gd name="connsiteX14" fmla="*/ 733535 w 4243589"/>
+              <a:gd name="connsiteY14" fmla="*/ 27432 h 27432"/>
+              <a:gd name="connsiteX15" fmla="*/ 0 w 4243589"/>
+              <a:gd name="connsiteY15" fmla="*/ 27432 h 27432"/>
+              <a:gd name="connsiteX16" fmla="*/ 0 w 4243589"/>
+              <a:gd name="connsiteY16" fmla="*/ 0 h 27432"/>
+            </a:gdLst>
+            <a:ahLst/>
+            <a:cxnLst>
+              <a:cxn ang="0">
+                <a:pos x="connsiteX0" y="connsiteY0"/>
+              </a:cxn>
+              <a:cxn ang="0">
+                <a:pos x="connsiteX1" y="connsiteY1"/>
+              </a:cxn>
+              <a:cxn ang="0">
+                <a:pos x="connsiteX2" y="connsiteY2"/>
+              </a:cxn>
+              <a:cxn ang="0">
+                <a:pos x="connsiteX3" y="connsiteY3"/>
+              </a:cxn>
+              <a:cxn ang="0">
+                <a:pos x="connsiteX4" y="connsiteY4"/>
+              </a:cxn>
+              <a:cxn ang="0">
+                <a:pos x="connsiteX5" y="connsiteY5"/>
+              </a:cxn>
+              <a:cxn ang="0">
+                <a:pos x="connsiteX6" y="connsiteY6"/>
+              </a:cxn>
+              <a:cxn ang="0">
+                <a:pos x="connsiteX7" y="connsiteY7"/>
+              </a:cxn>
+              <a:cxn ang="0">
+                <a:pos x="connsiteX8" y="connsiteY8"/>
+              </a:cxn>
+              <a:cxn ang="0">
+                <a:pos x="connsiteX9" y="connsiteY9"/>
+              </a:cxn>
+              <a:cxn ang="0">
+                <a:pos x="connsiteX10" y="connsiteY10"/>
+              </a:cxn>
+              <a:cxn ang="0">
+                <a:pos x="connsiteX11" y="connsiteY11"/>
+              </a:cxn>
+              <a:cxn ang="0">
+                <a:pos x="connsiteX12" y="connsiteY12"/>
+              </a:cxn>
+              <a:cxn ang="0">
+                <a:pos x="connsiteX13" y="connsiteY13"/>
+              </a:cxn>
+              <a:cxn ang="0">
+                <a:pos x="connsiteX14" y="connsiteY14"/>
+              </a:cxn>
+              <a:cxn ang="0">
+                <a:pos x="connsiteX15" y="connsiteY15"/>
+              </a:cxn>
+              <a:cxn ang="0">
+                <a:pos x="connsiteX16" y="connsiteY16"/>
+              </a:cxn>
+            </a:cxnLst>
+            <a:rect l="l" t="t" r="r" b="b"/>
+            <a:pathLst>
+              <a:path w="4243589" h="27432" fill="none" extrusionOk="0">
+                <a:moveTo>
+                  <a:pt x="0" y="0"/>
+                </a:moveTo>
+                <a:cubicBezTo>
+                  <a:pt x="157351" y="-15653"/>
+                  <a:pt x="378877" y="-5828"/>
+                  <a:pt x="563791" y="0"/>
+                </a:cubicBezTo>
+                <a:cubicBezTo>
+                  <a:pt x="748705" y="5828"/>
+                  <a:pt x="905659" y="-5525"/>
+                  <a:pt x="1042710" y="0"/>
+                </a:cubicBezTo>
+                <a:cubicBezTo>
+                  <a:pt x="1179761" y="5525"/>
+                  <a:pt x="1356845" y="-21288"/>
+                  <a:pt x="1564066" y="0"/>
+                </a:cubicBezTo>
+                <a:cubicBezTo>
+                  <a:pt x="1771287" y="21288"/>
+                  <a:pt x="1912099" y="25135"/>
+                  <a:pt x="2212729" y="0"/>
+                </a:cubicBezTo>
+                <a:cubicBezTo>
+                  <a:pt x="2513359" y="-25135"/>
+                  <a:pt x="2514918" y="-27119"/>
+                  <a:pt x="2776520" y="0"/>
+                </a:cubicBezTo>
+                <a:cubicBezTo>
+                  <a:pt x="3038122" y="27119"/>
+                  <a:pt x="3178771" y="18116"/>
+                  <a:pt x="3297875" y="0"/>
+                </a:cubicBezTo>
+                <a:cubicBezTo>
+                  <a:pt x="3416980" y="-18116"/>
+                  <a:pt x="4012240" y="-40869"/>
+                  <a:pt x="4243589" y="0"/>
+                </a:cubicBezTo>
+                <a:cubicBezTo>
+                  <a:pt x="4242616" y="8304"/>
+                  <a:pt x="4243111" y="21512"/>
+                  <a:pt x="4243589" y="27432"/>
+                </a:cubicBezTo>
+                <a:cubicBezTo>
+                  <a:pt x="4112949" y="6289"/>
+                  <a:pt x="3928037" y="10975"/>
+                  <a:pt x="3637362" y="27432"/>
+                </a:cubicBezTo>
+                <a:cubicBezTo>
+                  <a:pt x="3346687" y="43889"/>
+                  <a:pt x="3254446" y="35813"/>
+                  <a:pt x="3116007" y="27432"/>
+                </a:cubicBezTo>
+                <a:cubicBezTo>
+                  <a:pt x="2977569" y="19051"/>
+                  <a:pt x="2620228" y="38017"/>
+                  <a:pt x="2424908" y="27432"/>
+                </a:cubicBezTo>
+                <a:cubicBezTo>
+                  <a:pt x="2229588" y="16847"/>
+                  <a:pt x="2088287" y="5290"/>
+                  <a:pt x="1861117" y="27432"/>
+                </a:cubicBezTo>
+                <a:cubicBezTo>
+                  <a:pt x="1633947" y="49574"/>
+                  <a:pt x="1502447" y="8273"/>
+                  <a:pt x="1382198" y="27432"/>
+                </a:cubicBezTo>
+                <a:cubicBezTo>
+                  <a:pt x="1261949" y="46591"/>
+                  <a:pt x="1045440" y="37497"/>
+                  <a:pt x="733535" y="27432"/>
+                </a:cubicBezTo>
+                <a:cubicBezTo>
+                  <a:pt x="421630" y="17367"/>
+                  <a:pt x="341257" y="-9215"/>
+                  <a:pt x="0" y="27432"/>
+                </a:cubicBezTo>
+                <a:cubicBezTo>
+                  <a:pt x="-1048" y="14992"/>
+                  <a:pt x="-1120" y="7447"/>
+                  <a:pt x="0" y="0"/>
+                </a:cubicBezTo>
+                <a:close/>
+              </a:path>
+              <a:path w="4243589" h="27432" stroke="0" extrusionOk="0">
+                <a:moveTo>
+                  <a:pt x="0" y="0"/>
+                </a:moveTo>
+                <a:cubicBezTo>
+                  <a:pt x="128164" y="17204"/>
+                  <a:pt x="312653" y="1129"/>
+                  <a:pt x="563791" y="0"/>
+                </a:cubicBezTo>
+                <a:cubicBezTo>
+                  <a:pt x="814929" y="-1129"/>
+                  <a:pt x="837271" y="8503"/>
+                  <a:pt x="1042710" y="0"/>
+                </a:cubicBezTo>
+                <a:cubicBezTo>
+                  <a:pt x="1248149" y="-8503"/>
+                  <a:pt x="1588432" y="-28862"/>
+                  <a:pt x="1733809" y="0"/>
+                </a:cubicBezTo>
+                <a:cubicBezTo>
+                  <a:pt x="1879186" y="28862"/>
+                  <a:pt x="2052815" y="5974"/>
+                  <a:pt x="2297600" y="0"/>
+                </a:cubicBezTo>
+                <a:cubicBezTo>
+                  <a:pt x="2542385" y="-5974"/>
+                  <a:pt x="2699960" y="-23550"/>
+                  <a:pt x="2861391" y="0"/>
+                </a:cubicBezTo>
+                <a:cubicBezTo>
+                  <a:pt x="3022822" y="23550"/>
+                  <a:pt x="3390411" y="25272"/>
+                  <a:pt x="3552490" y="0"/>
+                </a:cubicBezTo>
+                <a:cubicBezTo>
+                  <a:pt x="3714569" y="-25272"/>
+                  <a:pt x="3950585" y="-31327"/>
+                  <a:pt x="4243589" y="0"/>
+                </a:cubicBezTo>
+                <a:cubicBezTo>
+                  <a:pt x="4244074" y="9333"/>
+                  <a:pt x="4244867" y="19699"/>
+                  <a:pt x="4243589" y="27432"/>
+                </a:cubicBezTo>
+                <a:cubicBezTo>
+                  <a:pt x="4130424" y="7904"/>
+                  <a:pt x="3932803" y="51393"/>
+                  <a:pt x="3722234" y="27432"/>
+                </a:cubicBezTo>
+                <a:cubicBezTo>
+                  <a:pt x="3511665" y="3471"/>
+                  <a:pt x="3269903" y="55138"/>
+                  <a:pt x="3116007" y="27432"/>
+                </a:cubicBezTo>
+                <a:cubicBezTo>
+                  <a:pt x="2962111" y="-274"/>
+                  <a:pt x="2744280" y="32368"/>
+                  <a:pt x="2509780" y="27432"/>
+                </a:cubicBezTo>
+                <a:cubicBezTo>
+                  <a:pt x="2275280" y="22496"/>
+                  <a:pt x="2066059" y="52808"/>
+                  <a:pt x="1945989" y="27432"/>
+                </a:cubicBezTo>
+                <a:cubicBezTo>
+                  <a:pt x="1825919" y="2056"/>
+                  <a:pt x="1407329" y="21760"/>
+                  <a:pt x="1254890" y="27432"/>
+                </a:cubicBezTo>
+                <a:cubicBezTo>
+                  <a:pt x="1102451" y="33104"/>
+                  <a:pt x="837950" y="40817"/>
+                  <a:pt x="563791" y="27432"/>
+                </a:cubicBezTo>
+                <a:cubicBezTo>
+                  <a:pt x="289632" y="14047"/>
+                  <a:pt x="132768" y="16249"/>
+                  <a:pt x="0" y="27432"/>
+                </a:cubicBezTo>
+                <a:cubicBezTo>
+                  <a:pt x="211" y="18145"/>
+                  <a:pt x="120" y="6480"/>
+                  <a:pt x="0" y="0"/>
+                </a:cubicBezTo>
+                <a:close/>
+              </a:path>
+            </a:pathLst>
+          </a:custGeom>
+          <a:solidFill>
+            <a:schemeClr val="tx1"/>
+          </a:solidFill>
+          <a:ln w="38100" cap="rnd">
+            <a:solidFill>
+              <a:schemeClr val="tx1"/>
+            </a:solidFill>
+            <a:round/>
+            <a:extLst>
+              <a:ext uri="{C807C97D-BFC1-408E-A445-0C87EB9F89A2}">
+                <ask:lineSketchStyleProps xmlns:ask="http://schemas.microsoft.com/office/drawing/2018/sketchyshapes" sd="1219033472">
+                  <a:prstGeom prst="rect">
+                    <a:avLst/>
+                  </a:prstGeom>
+                  <ask:type>
+                    <ask:lineSketchFreehand/>
+                  </ask:type>
+                </ask:lineSketchStyleProps>
+              </a:ext>
+            </a:extLst>
+          </a:ln>
+        </p:spPr>
+        <p:style>
+          <a:lnRef idx="2">
+            <a:schemeClr val="accent1">
+              <a:shade val="50000"/>
+            </a:schemeClr>
+          </a:lnRef>
+          <a:fillRef idx="1">
+            <a:schemeClr val="accent1"/>
+          </a:fillRef>
+          <a:effectRef idx="0">
+            <a:schemeClr val="accent1"/>
+          </a:effectRef>
+          <a:fontRef idx="minor">
+            <a:schemeClr val="lt1"/>
+          </a:fontRef>
+        </p:style>
+        <p:txBody>
+          <a:bodyPr rtlCol="0" anchor="ctr"/>
+          <a:lstStyle/>
+          <a:p>
+            <a:pPr algn="ctr"/>
+            <a:endParaRPr lang="en-US">
+              <a:solidFill>
+                <a:schemeClr val="tx1"/>
+              </a:solidFill>
+            </a:endParaRPr>
+          </a:p>
+        </p:txBody>
+      </p:sp>
+      <p:sp useBgFill="1">
+        <p:nvSpPr>
+          <p:cNvPr id="12" name="Rectangle 11">
+            <a:extLst>
+              <a:ext uri="{FF2B5EF4-FFF2-40B4-BE49-F238E27FC236}">
+                <a16:creationId xmlns:a16="http://schemas.microsoft.com/office/drawing/2014/main" id="{657F69E0-C4B0-4BEC-A689-4F8D877F05D4}"/>
+              </a:ext>
+              <a:ext uri="{C183D7F6-B498-43B3-948B-1728B52AA6E4}">
+                <adec:decorative xmlns:adec="http://schemas.microsoft.com/office/drawing/2017/decorative" val="1"/>
+              </a:ext>
+            </a:extLst>
+          </p:cNvPr>
+          <p:cNvSpPr>
+            <a:spLocks noGrp="1" noRot="1" noChangeAspect="1" noMove="1" noResize="1" noEditPoints="1" noAdjustHandles="1" noChangeArrowheads="1" noChangeShapeType="1" noTextEdit="1"/>
+          </p:cNvSpPr>
+          <p:nvPr>
+            <p:extLst>
+              <p:ext uri="{386F3935-93C4-4BCD-93E2-E3B085C9AB24}">
+                <p16:designElem xmlns:p16="http://schemas.microsoft.com/office/powerpoint/2015/main" val="1"/>
+              </p:ext>
+            </p:extLst>
+          </p:nvPr>
+        </p:nvSpPr>
+        <p:spPr>
+          <a:xfrm>
+            <a:off x="0" y="0"/>
+            <a:ext cx="12188952" cy="6858000"/>
+          </a:xfrm>
+          <a:prstGeom prst="rect">
+            <a:avLst/>
+          </a:prstGeom>
+          <a:ln>
+            <a:noFill/>
+          </a:ln>
+        </p:spPr>
+        <p:style>
+          <a:lnRef idx="2">
+            <a:schemeClr val="accent1">
+              <a:shade val="50000"/>
+            </a:schemeClr>
+          </a:lnRef>
+          <a:fillRef idx="1">
+            <a:schemeClr val="accent1"/>
+          </a:fillRef>
+          <a:effectRef idx="0">
+            <a:schemeClr val="accent1"/>
+          </a:effectRef>
+          <a:fontRef idx="minor">
+            <a:schemeClr val="lt1"/>
+          </a:fontRef>
+        </p:style>
+        <p:txBody>
+          <a:bodyPr rtlCol="0" anchor="ctr"/>
+          <a:lstStyle/>
+          <a:p>
+            <a:pPr algn="ctr"/>
+            <a:endParaRPr lang="en-US"/>
+          </a:p>
+        </p:txBody>
+      </p:sp>
+      <p:pic>
+        <p:nvPicPr>
+          <p:cNvPr id="5" name="Content Placeholder 4" descr="Background pattern&#10;&#10;Description automatically generated">
+            <a:extLst>
+              <a:ext uri="{FF2B5EF4-FFF2-40B4-BE49-F238E27FC236}">
+                <a16:creationId xmlns:a16="http://schemas.microsoft.com/office/drawing/2014/main" id="{F5039B3A-D235-D149-A7DD-48BA244FB7A6}"/>
+              </a:ext>
+            </a:extLst>
+          </p:cNvPr>
+          <p:cNvPicPr>
+            <a:picLocks noGrp="1" noChangeAspect="1"/>
+          </p:cNvPicPr>
+          <p:nvPr>
+            <p:ph idx="1"/>
+          </p:nvPr>
+        </p:nvPicPr>
+        <p:blipFill rotWithShape="1">
+          <a:blip r:embed="rId2">
+            <a:alphaModFix/>
+          </a:blip>
+          <a:srcRect l="25"/>
+          <a:stretch/>
+        </p:blipFill>
+        <p:spPr>
+          <a:xfrm>
+            <a:off x="20" y="10"/>
+            <a:ext cx="12188930" cy="6857990"/>
+          </a:xfrm>
+          <a:prstGeom prst="rect">
+            <a:avLst/>
+          </a:prstGeom>
+        </p:spPr>
+      </p:pic>
+      <p:sp>
+        <p:nvSpPr>
+          <p:cNvPr id="14" name="Rectangle 13">
+            <a:extLst>
+              <a:ext uri="{FF2B5EF4-FFF2-40B4-BE49-F238E27FC236}">
+                <a16:creationId xmlns:a16="http://schemas.microsoft.com/office/drawing/2014/main" id="{8F51725E-A483-43B2-A6F2-C44F502FE033}"/>
+              </a:ext>
+              <a:ext uri="{C183D7F6-B498-43B3-948B-1728B52AA6E4}">
+                <adec:decorative xmlns:adec="http://schemas.microsoft.com/office/drawing/2017/decorative" val="1"/>
+              </a:ext>
+            </a:extLst>
+          </p:cNvPr>
+          <p:cNvSpPr>
+            <a:spLocks noGrp="1" noRot="1" noChangeAspect="1" noMove="1" noResize="1" noEditPoints="1" noAdjustHandles="1" noChangeArrowheads="1" noChangeShapeType="1" noTextEdit="1"/>
+          </p:cNvSpPr>
+          <p:nvPr>
+            <p:extLst>
+              <p:ext uri="{386F3935-93C4-4BCD-93E2-E3B085C9AB24}">
+                <p16:designElem xmlns:p16="http://schemas.microsoft.com/office/powerpoint/2015/main" val="1"/>
+              </p:ext>
+            </p:extLst>
+          </p:nvPr>
+        </p:nvSpPr>
+        <p:spPr>
+          <a:xfrm>
+            <a:off x="0" y="937549"/>
+            <a:ext cx="12191999" cy="5058137"/>
+          </a:xfrm>
+          <a:prstGeom prst="rect">
+            <a:avLst/>
+          </a:prstGeom>
+          <a:gradFill flip="none" rotWithShape="1">
+            <a:gsLst>
+              <a:gs pos="50000">
+                <a:schemeClr val="tx1">
+                  <a:alpha val="30000"/>
+                </a:schemeClr>
+              </a:gs>
+              <a:gs pos="80000">
+                <a:schemeClr val="tx1">
+                  <a:alpha val="15000"/>
+                </a:schemeClr>
+              </a:gs>
+              <a:gs pos="0">
+                <a:schemeClr val="tx1">
+                  <a:alpha val="0"/>
+                </a:schemeClr>
+              </a:gs>
+              <a:gs pos="20000">
+                <a:schemeClr val="tx1">
+                  <a:alpha val="15000"/>
+                </a:schemeClr>
+              </a:gs>
+              <a:gs pos="100000">
+                <a:schemeClr val="tx1">
+                  <a:alpha val="0"/>
+                </a:schemeClr>
+              </a:gs>
+            </a:gsLst>
+            <a:lin ang="16200000" scaled="1"/>
+            <a:tileRect/>
+          </a:gradFill>
+          <a:ln>
+            <a:noFill/>
+          </a:ln>
+        </p:spPr>
+        <p:style>
+          <a:lnRef idx="2">
+            <a:schemeClr val="accent1">
+              <a:shade val="50000"/>
+            </a:schemeClr>
+          </a:lnRef>
+          <a:fillRef idx="1">
+            <a:schemeClr val="accent1"/>
+          </a:fillRef>
+          <a:effectRef idx="0">
+            <a:schemeClr val="accent1"/>
+          </a:effectRef>
+          <a:fontRef idx="minor">
+            <a:schemeClr val="lt1"/>
+          </a:fontRef>
+        </p:style>
+        <p:txBody>
+          <a:bodyPr rtlCol="0" anchor="ctr"/>
+          <a:lstStyle/>
+          <a:p>
+            <a:pPr algn="ctr"/>
+            <a:endParaRPr lang="en-US"/>
+          </a:p>
+        </p:txBody>
+      </p:sp>
+      <p:sp>
+        <p:nvSpPr>
           <p:cNvPr id="2" name="Title 1">
             <a:extLst>
               <a:ext uri="{FF2B5EF4-FFF2-40B4-BE49-F238E27FC236}">
@@ -7687,206 +11725,374 @@
             <p:ph type="title"/>
           </p:nvPr>
         </p:nvSpPr>
-        <p:spPr/>
+        <p:spPr>
+          <a:xfrm>
+            <a:off x="1524000" y="1122363"/>
+            <a:ext cx="9144000" cy="3063240"/>
+          </a:xfrm>
+        </p:spPr>
         <p:txBody>
-          <a:bodyPr/>
+          <a:bodyPr vert="horz" lIns="91440" tIns="45720" rIns="91440" bIns="45720" rtlCol="0" anchor="b">
+            <a:normAutofit/>
+          </a:bodyPr>
           <a:lstStyle/>
           <a:p>
+            <a:pPr algn="ctr">
+              <a:lnSpc>
+                <a:spcPct val="90000"/>
+              </a:lnSpc>
+            </a:pPr>
             <a:r>
-              <a:rPr lang="en-ES" dirty="0"/>
-              <a:t>Methodology</a:t>
+              <a:rPr lang="en-US" sz="9200">
+                <a:solidFill>
+                  <a:schemeClr val="bg1"/>
+                </a:solidFill>
+              </a:rPr>
+              <a:t>Demonstration</a:t>
             </a:r>
           </a:p>
         </p:txBody>
       </p:sp>
       <p:sp>
         <p:nvSpPr>
-          <p:cNvPr id="3" name="Content Placeholder 2">
+          <p:cNvPr id="16" name="Rectangle 6">
             <a:extLst>
               <a:ext uri="{FF2B5EF4-FFF2-40B4-BE49-F238E27FC236}">
-                <a16:creationId xmlns:a16="http://schemas.microsoft.com/office/drawing/2014/main" id="{C113ED79-E31C-CF4D-958F-FF20CA80D5FE}"/>
+                <a16:creationId xmlns:a16="http://schemas.microsoft.com/office/drawing/2014/main" id="{9F6380B4-6A1C-481E-8408-B4E6C75B9B81}"/>
+              </a:ext>
+              <a:ext uri="{C183D7F6-B498-43B3-948B-1728B52AA6E4}">
+                <adec:decorative xmlns:adec="http://schemas.microsoft.com/office/drawing/2017/decorative" val="1"/>
               </a:ext>
             </a:extLst>
           </p:cNvPr>
           <p:cNvSpPr>
-            <a:spLocks noGrp="1"/>
+            <a:spLocks noGrp="1" noRot="1" noChangeAspect="1" noMove="1" noResize="1" noEditPoints="1" noAdjustHandles="1" noChangeArrowheads="1" noChangeShapeType="1" noTextEdit="1"/>
           </p:cNvSpPr>
           <p:nvPr>
-            <p:ph idx="1"/>
+            <p:extLst>
+              <p:ext uri="{386F3935-93C4-4BCD-93E2-E3B085C9AB24}">
+                <p16:designElem xmlns:p16="http://schemas.microsoft.com/office/powerpoint/2015/main" val="1"/>
+              </p:ext>
+            </p:extLst>
           </p:nvPr>
         </p:nvSpPr>
-        <p:spPr/>
+        <p:spPr>
+          <a:xfrm>
+            <a:off x="3974206" y="4368623"/>
+            <a:ext cx="4243589" cy="27432"/>
+          </a:xfrm>
+          <a:custGeom>
+            <a:avLst/>
+            <a:gdLst>
+              <a:gd name="connsiteX0" fmla="*/ 0 w 4243589"/>
+              <a:gd name="connsiteY0" fmla="*/ 0 h 27432"/>
+              <a:gd name="connsiteX1" fmla="*/ 563791 w 4243589"/>
+              <a:gd name="connsiteY1" fmla="*/ 0 h 27432"/>
+              <a:gd name="connsiteX2" fmla="*/ 1042710 w 4243589"/>
+              <a:gd name="connsiteY2" fmla="*/ 0 h 27432"/>
+              <a:gd name="connsiteX3" fmla="*/ 1564066 w 4243589"/>
+              <a:gd name="connsiteY3" fmla="*/ 0 h 27432"/>
+              <a:gd name="connsiteX4" fmla="*/ 2212729 w 4243589"/>
+              <a:gd name="connsiteY4" fmla="*/ 0 h 27432"/>
+              <a:gd name="connsiteX5" fmla="*/ 2776520 w 4243589"/>
+              <a:gd name="connsiteY5" fmla="*/ 0 h 27432"/>
+              <a:gd name="connsiteX6" fmla="*/ 3297875 w 4243589"/>
+              <a:gd name="connsiteY6" fmla="*/ 0 h 27432"/>
+              <a:gd name="connsiteX7" fmla="*/ 4243589 w 4243589"/>
+              <a:gd name="connsiteY7" fmla="*/ 0 h 27432"/>
+              <a:gd name="connsiteX8" fmla="*/ 4243589 w 4243589"/>
+              <a:gd name="connsiteY8" fmla="*/ 27432 h 27432"/>
+              <a:gd name="connsiteX9" fmla="*/ 3637362 w 4243589"/>
+              <a:gd name="connsiteY9" fmla="*/ 27432 h 27432"/>
+              <a:gd name="connsiteX10" fmla="*/ 3116007 w 4243589"/>
+              <a:gd name="connsiteY10" fmla="*/ 27432 h 27432"/>
+              <a:gd name="connsiteX11" fmla="*/ 2424908 w 4243589"/>
+              <a:gd name="connsiteY11" fmla="*/ 27432 h 27432"/>
+              <a:gd name="connsiteX12" fmla="*/ 1861117 w 4243589"/>
+              <a:gd name="connsiteY12" fmla="*/ 27432 h 27432"/>
+              <a:gd name="connsiteX13" fmla="*/ 1382198 w 4243589"/>
+              <a:gd name="connsiteY13" fmla="*/ 27432 h 27432"/>
+              <a:gd name="connsiteX14" fmla="*/ 733535 w 4243589"/>
+              <a:gd name="connsiteY14" fmla="*/ 27432 h 27432"/>
+              <a:gd name="connsiteX15" fmla="*/ 0 w 4243589"/>
+              <a:gd name="connsiteY15" fmla="*/ 27432 h 27432"/>
+              <a:gd name="connsiteX16" fmla="*/ 0 w 4243589"/>
+              <a:gd name="connsiteY16" fmla="*/ 0 h 27432"/>
+            </a:gdLst>
+            <a:ahLst/>
+            <a:cxnLst>
+              <a:cxn ang="0">
+                <a:pos x="connsiteX0" y="connsiteY0"/>
+              </a:cxn>
+              <a:cxn ang="0">
+                <a:pos x="connsiteX1" y="connsiteY1"/>
+              </a:cxn>
+              <a:cxn ang="0">
+                <a:pos x="connsiteX2" y="connsiteY2"/>
+              </a:cxn>
+              <a:cxn ang="0">
+                <a:pos x="connsiteX3" y="connsiteY3"/>
+              </a:cxn>
+              <a:cxn ang="0">
+                <a:pos x="connsiteX4" y="connsiteY4"/>
+              </a:cxn>
+              <a:cxn ang="0">
+                <a:pos x="connsiteX5" y="connsiteY5"/>
+              </a:cxn>
+              <a:cxn ang="0">
+                <a:pos x="connsiteX6" y="connsiteY6"/>
+              </a:cxn>
+              <a:cxn ang="0">
+                <a:pos x="connsiteX7" y="connsiteY7"/>
+              </a:cxn>
+              <a:cxn ang="0">
+                <a:pos x="connsiteX8" y="connsiteY8"/>
+              </a:cxn>
+              <a:cxn ang="0">
+                <a:pos x="connsiteX9" y="connsiteY9"/>
+              </a:cxn>
+              <a:cxn ang="0">
+                <a:pos x="connsiteX10" y="connsiteY10"/>
+              </a:cxn>
+              <a:cxn ang="0">
+                <a:pos x="connsiteX11" y="connsiteY11"/>
+              </a:cxn>
+              <a:cxn ang="0">
+                <a:pos x="connsiteX12" y="connsiteY12"/>
+              </a:cxn>
+              <a:cxn ang="0">
+                <a:pos x="connsiteX13" y="connsiteY13"/>
+              </a:cxn>
+              <a:cxn ang="0">
+                <a:pos x="connsiteX14" y="connsiteY14"/>
+              </a:cxn>
+              <a:cxn ang="0">
+                <a:pos x="connsiteX15" y="connsiteY15"/>
+              </a:cxn>
+              <a:cxn ang="0">
+                <a:pos x="connsiteX16" y="connsiteY16"/>
+              </a:cxn>
+            </a:cxnLst>
+            <a:rect l="l" t="t" r="r" b="b"/>
+            <a:pathLst>
+              <a:path w="4243589" h="27432" fill="none" extrusionOk="0">
+                <a:moveTo>
+                  <a:pt x="0" y="0"/>
+                </a:moveTo>
+                <a:cubicBezTo>
+                  <a:pt x="157351" y="-15653"/>
+                  <a:pt x="378877" y="-5828"/>
+                  <a:pt x="563791" y="0"/>
+                </a:cubicBezTo>
+                <a:cubicBezTo>
+                  <a:pt x="748705" y="5828"/>
+                  <a:pt x="905659" y="-5525"/>
+                  <a:pt x="1042710" y="0"/>
+                </a:cubicBezTo>
+                <a:cubicBezTo>
+                  <a:pt x="1179761" y="5525"/>
+                  <a:pt x="1356845" y="-21288"/>
+                  <a:pt x="1564066" y="0"/>
+                </a:cubicBezTo>
+                <a:cubicBezTo>
+                  <a:pt x="1771287" y="21288"/>
+                  <a:pt x="1912099" y="25135"/>
+                  <a:pt x="2212729" y="0"/>
+                </a:cubicBezTo>
+                <a:cubicBezTo>
+                  <a:pt x="2513359" y="-25135"/>
+                  <a:pt x="2514918" y="-27119"/>
+                  <a:pt x="2776520" y="0"/>
+                </a:cubicBezTo>
+                <a:cubicBezTo>
+                  <a:pt x="3038122" y="27119"/>
+                  <a:pt x="3178771" y="18116"/>
+                  <a:pt x="3297875" y="0"/>
+                </a:cubicBezTo>
+                <a:cubicBezTo>
+                  <a:pt x="3416980" y="-18116"/>
+                  <a:pt x="4012240" y="-40869"/>
+                  <a:pt x="4243589" y="0"/>
+                </a:cubicBezTo>
+                <a:cubicBezTo>
+                  <a:pt x="4242616" y="8304"/>
+                  <a:pt x="4243111" y="21512"/>
+                  <a:pt x="4243589" y="27432"/>
+                </a:cubicBezTo>
+                <a:cubicBezTo>
+                  <a:pt x="4112949" y="6289"/>
+                  <a:pt x="3928037" y="10975"/>
+                  <a:pt x="3637362" y="27432"/>
+                </a:cubicBezTo>
+                <a:cubicBezTo>
+                  <a:pt x="3346687" y="43889"/>
+                  <a:pt x="3254446" y="35813"/>
+                  <a:pt x="3116007" y="27432"/>
+                </a:cubicBezTo>
+                <a:cubicBezTo>
+                  <a:pt x="2977569" y="19051"/>
+                  <a:pt x="2620228" y="38017"/>
+                  <a:pt x="2424908" y="27432"/>
+                </a:cubicBezTo>
+                <a:cubicBezTo>
+                  <a:pt x="2229588" y="16847"/>
+                  <a:pt x="2088287" y="5290"/>
+                  <a:pt x="1861117" y="27432"/>
+                </a:cubicBezTo>
+                <a:cubicBezTo>
+                  <a:pt x="1633947" y="49574"/>
+                  <a:pt x="1502447" y="8273"/>
+                  <a:pt x="1382198" y="27432"/>
+                </a:cubicBezTo>
+                <a:cubicBezTo>
+                  <a:pt x="1261949" y="46591"/>
+                  <a:pt x="1045440" y="37497"/>
+                  <a:pt x="733535" y="27432"/>
+                </a:cubicBezTo>
+                <a:cubicBezTo>
+                  <a:pt x="421630" y="17367"/>
+                  <a:pt x="341257" y="-9215"/>
+                  <a:pt x="0" y="27432"/>
+                </a:cubicBezTo>
+                <a:cubicBezTo>
+                  <a:pt x="-1048" y="14992"/>
+                  <a:pt x="-1120" y="7447"/>
+                  <a:pt x="0" y="0"/>
+                </a:cubicBezTo>
+                <a:close/>
+              </a:path>
+              <a:path w="4243589" h="27432" stroke="0" extrusionOk="0">
+                <a:moveTo>
+                  <a:pt x="0" y="0"/>
+                </a:moveTo>
+                <a:cubicBezTo>
+                  <a:pt x="128164" y="17204"/>
+                  <a:pt x="312653" y="1129"/>
+                  <a:pt x="563791" y="0"/>
+                </a:cubicBezTo>
+                <a:cubicBezTo>
+                  <a:pt x="814929" y="-1129"/>
+                  <a:pt x="837271" y="8503"/>
+                  <a:pt x="1042710" y="0"/>
+                </a:cubicBezTo>
+                <a:cubicBezTo>
+                  <a:pt x="1248149" y="-8503"/>
+                  <a:pt x="1588432" y="-28862"/>
+                  <a:pt x="1733809" y="0"/>
+                </a:cubicBezTo>
+                <a:cubicBezTo>
+                  <a:pt x="1879186" y="28862"/>
+                  <a:pt x="2052815" y="5974"/>
+                  <a:pt x="2297600" y="0"/>
+                </a:cubicBezTo>
+                <a:cubicBezTo>
+                  <a:pt x="2542385" y="-5974"/>
+                  <a:pt x="2699960" y="-23550"/>
+                  <a:pt x="2861391" y="0"/>
+                </a:cubicBezTo>
+                <a:cubicBezTo>
+                  <a:pt x="3022822" y="23550"/>
+                  <a:pt x="3390411" y="25272"/>
+                  <a:pt x="3552490" y="0"/>
+                </a:cubicBezTo>
+                <a:cubicBezTo>
+                  <a:pt x="3714569" y="-25272"/>
+                  <a:pt x="3950585" y="-31327"/>
+                  <a:pt x="4243589" y="0"/>
+                </a:cubicBezTo>
+                <a:cubicBezTo>
+                  <a:pt x="4244074" y="9333"/>
+                  <a:pt x="4244867" y="19699"/>
+                  <a:pt x="4243589" y="27432"/>
+                </a:cubicBezTo>
+                <a:cubicBezTo>
+                  <a:pt x="4130424" y="7904"/>
+                  <a:pt x="3932803" y="51393"/>
+                  <a:pt x="3722234" y="27432"/>
+                </a:cubicBezTo>
+                <a:cubicBezTo>
+                  <a:pt x="3511665" y="3471"/>
+                  <a:pt x="3269903" y="55138"/>
+                  <a:pt x="3116007" y="27432"/>
+                </a:cubicBezTo>
+                <a:cubicBezTo>
+                  <a:pt x="2962111" y="-274"/>
+                  <a:pt x="2744280" y="32368"/>
+                  <a:pt x="2509780" y="27432"/>
+                </a:cubicBezTo>
+                <a:cubicBezTo>
+                  <a:pt x="2275280" y="22496"/>
+                  <a:pt x="2066059" y="52808"/>
+                  <a:pt x="1945989" y="27432"/>
+                </a:cubicBezTo>
+                <a:cubicBezTo>
+                  <a:pt x="1825919" y="2056"/>
+                  <a:pt x="1407329" y="21760"/>
+                  <a:pt x="1254890" y="27432"/>
+                </a:cubicBezTo>
+                <a:cubicBezTo>
+                  <a:pt x="1102451" y="33104"/>
+                  <a:pt x="837950" y="40817"/>
+                  <a:pt x="563791" y="27432"/>
+                </a:cubicBezTo>
+                <a:cubicBezTo>
+                  <a:pt x="289632" y="14047"/>
+                  <a:pt x="132768" y="16249"/>
+                  <a:pt x="0" y="27432"/>
+                </a:cubicBezTo>
+                <a:cubicBezTo>
+                  <a:pt x="211" y="18145"/>
+                  <a:pt x="120" y="6480"/>
+                  <a:pt x="0" y="0"/>
+                </a:cubicBezTo>
+                <a:close/>
+              </a:path>
+            </a:pathLst>
+          </a:custGeom>
+          <a:solidFill>
+            <a:schemeClr val="bg1"/>
+          </a:solidFill>
+          <a:ln w="38100" cap="rnd">
+            <a:solidFill>
+              <a:schemeClr val="bg1"/>
+            </a:solidFill>
+            <a:round/>
+            <a:extLst>
+              <a:ext uri="{C807C97D-BFC1-408E-A445-0C87EB9F89A2}">
+                <ask:lineSketchStyleProps xmlns:ask="http://schemas.microsoft.com/office/drawing/2018/sketchyshapes" sd="1219033472">
+                  <a:prstGeom prst="rect">
+                    <a:avLst/>
+                  </a:prstGeom>
+                  <ask:type>
+                    <ask:lineSketchFreehand/>
+                  </ask:type>
+                </ask:lineSketchStyleProps>
+              </a:ext>
+            </a:extLst>
+          </a:ln>
+        </p:spPr>
+        <p:style>
+          <a:lnRef idx="2">
+            <a:schemeClr val="accent1">
+              <a:shade val="50000"/>
+            </a:schemeClr>
+          </a:lnRef>
+          <a:fillRef idx="1">
+            <a:schemeClr val="accent1"/>
+          </a:fillRef>
+          <a:effectRef idx="0">
+            <a:schemeClr val="accent1"/>
+          </a:effectRef>
+          <a:fontRef idx="minor">
+            <a:schemeClr val="lt1"/>
+          </a:fontRef>
+        </p:style>
         <p:txBody>
-          <a:bodyPr/>
+          <a:bodyPr rtlCol="0" anchor="ctr"/>
           <a:lstStyle/>
           <a:p>
-            <a:endParaRPr lang="en-ES"/>
-          </a:p>
-        </p:txBody>
-      </p:sp>
-    </p:spTree>
-    <p:extLst>
-      <p:ext uri="{BB962C8B-B14F-4D97-AF65-F5344CB8AC3E}">
-        <p14:creationId xmlns:p14="http://schemas.microsoft.com/office/powerpoint/2010/main" val="418889022"/>
-      </p:ext>
-    </p:extLst>
-  </p:cSld>
-  <p:clrMapOvr>
-    <a:masterClrMapping/>
-  </p:clrMapOvr>
-</p:sld>
-</file>
-
-<file path=ppt/slides/slide5.xml><?xml version="1.0" encoding="utf-8"?>
-<p:sld xmlns:a="http://schemas.openxmlformats.org/drawingml/2006/main" xmlns:r="http://schemas.openxmlformats.org/officeDocument/2006/relationships" xmlns:p="http://schemas.openxmlformats.org/presentationml/2006/main">
-  <p:cSld>
-    <p:spTree>
-      <p:nvGrpSpPr>
-        <p:cNvPr id="1" name=""/>
-        <p:cNvGrpSpPr/>
-        <p:nvPr/>
-      </p:nvGrpSpPr>
-      <p:grpSpPr>
-        <a:xfrm>
-          <a:off x="0" y="0"/>
-          <a:ext cx="0" cy="0"/>
-          <a:chOff x="0" y="0"/>
-          <a:chExt cx="0" cy="0"/>
-        </a:xfrm>
-      </p:grpSpPr>
-      <p:sp>
-        <p:nvSpPr>
-          <p:cNvPr id="2" name="Title 1">
-            <a:extLst>
-              <a:ext uri="{FF2B5EF4-FFF2-40B4-BE49-F238E27FC236}">
-                <a16:creationId xmlns:a16="http://schemas.microsoft.com/office/drawing/2014/main" id="{DBC06074-C32D-AA45-8B6A-0F84938C2BDA}"/>
-              </a:ext>
-            </a:extLst>
-          </p:cNvPr>
-          <p:cNvSpPr>
-            <a:spLocks noGrp="1"/>
-          </p:cNvSpPr>
-          <p:nvPr>
-            <p:ph type="title"/>
-          </p:nvPr>
-        </p:nvSpPr>
-        <p:spPr/>
-        <p:txBody>
-          <a:bodyPr/>
-          <a:lstStyle/>
-          <a:p>
-            <a:r>
-              <a:rPr lang="en-ES" dirty="0"/>
-              <a:t>Future Iterations</a:t>
-            </a:r>
-          </a:p>
-        </p:txBody>
-      </p:sp>
-      <p:sp>
-        <p:nvSpPr>
-          <p:cNvPr id="3" name="Content Placeholder 2">
-            <a:extLst>
-              <a:ext uri="{FF2B5EF4-FFF2-40B4-BE49-F238E27FC236}">
-                <a16:creationId xmlns:a16="http://schemas.microsoft.com/office/drawing/2014/main" id="{C113ED79-E31C-CF4D-958F-FF20CA80D5FE}"/>
-              </a:ext>
-            </a:extLst>
-          </p:cNvPr>
-          <p:cNvSpPr>
-            <a:spLocks noGrp="1"/>
-          </p:cNvSpPr>
-          <p:nvPr>
-            <p:ph idx="1"/>
-          </p:nvPr>
-        </p:nvSpPr>
-        <p:spPr/>
-        <p:txBody>
-          <a:bodyPr/>
-          <a:lstStyle/>
-          <a:p>
-            <a:endParaRPr lang="en-ES"/>
-          </a:p>
-        </p:txBody>
-      </p:sp>
-    </p:spTree>
-    <p:extLst>
-      <p:ext uri="{BB962C8B-B14F-4D97-AF65-F5344CB8AC3E}">
-        <p14:creationId xmlns:p14="http://schemas.microsoft.com/office/powerpoint/2010/main" val="2399223159"/>
-      </p:ext>
-    </p:extLst>
-  </p:cSld>
-  <p:clrMapOvr>
-    <a:masterClrMapping/>
-  </p:clrMapOvr>
-</p:sld>
-</file>
-
-<file path=ppt/slides/slide6.xml><?xml version="1.0" encoding="utf-8"?>
-<p:sld xmlns:a="http://schemas.openxmlformats.org/drawingml/2006/main" xmlns:r="http://schemas.openxmlformats.org/officeDocument/2006/relationships" xmlns:p="http://schemas.openxmlformats.org/presentationml/2006/main">
-  <p:cSld>
-    <p:spTree>
-      <p:nvGrpSpPr>
-        <p:cNvPr id="1" name=""/>
-        <p:cNvGrpSpPr/>
-        <p:nvPr/>
-      </p:nvGrpSpPr>
-      <p:grpSpPr>
-        <a:xfrm>
-          <a:off x="0" y="0"/>
-          <a:ext cx="0" cy="0"/>
-          <a:chOff x="0" y="0"/>
-          <a:chExt cx="0" cy="0"/>
-        </a:xfrm>
-      </p:grpSpPr>
-      <p:sp>
-        <p:nvSpPr>
-          <p:cNvPr id="2" name="Title 1">
-            <a:extLst>
-              <a:ext uri="{FF2B5EF4-FFF2-40B4-BE49-F238E27FC236}">
-                <a16:creationId xmlns:a16="http://schemas.microsoft.com/office/drawing/2014/main" id="{DBC06074-C32D-AA45-8B6A-0F84938C2BDA}"/>
-              </a:ext>
-            </a:extLst>
-          </p:cNvPr>
-          <p:cNvSpPr>
-            <a:spLocks noGrp="1"/>
-          </p:cNvSpPr>
-          <p:nvPr>
-            <p:ph type="title"/>
-          </p:nvPr>
-        </p:nvSpPr>
-        <p:spPr/>
-        <p:txBody>
-          <a:bodyPr/>
-          <a:lstStyle/>
-          <a:p>
-            <a:r>
-              <a:rPr lang="en-ES" dirty="0"/>
-              <a:t>Demonstration</a:t>
-            </a:r>
-          </a:p>
-        </p:txBody>
-      </p:sp>
-      <p:sp>
-        <p:nvSpPr>
-          <p:cNvPr id="3" name="Content Placeholder 2">
-            <a:extLst>
-              <a:ext uri="{FF2B5EF4-FFF2-40B4-BE49-F238E27FC236}">
-                <a16:creationId xmlns:a16="http://schemas.microsoft.com/office/drawing/2014/main" id="{C113ED79-E31C-CF4D-958F-FF20CA80D5FE}"/>
-              </a:ext>
-            </a:extLst>
-          </p:cNvPr>
-          <p:cNvSpPr>
-            <a:spLocks noGrp="1"/>
-          </p:cNvSpPr>
-          <p:nvPr>
-            <p:ph idx="1"/>
-          </p:nvPr>
-        </p:nvSpPr>
-        <p:spPr/>
-        <p:txBody>
-          <a:bodyPr/>
-          <a:lstStyle/>
-          <a:p>
-            <a:endParaRPr lang="en-ES"/>
+            <a:pPr algn="ctr"/>
+            <a:endParaRPr lang="en-US"/>
           </a:p>
         </p:txBody>
       </p:sp>
@@ -7906,6 +12112,14 @@
 <file path=ppt/slides/slide7.xml><?xml version="1.0" encoding="utf-8"?>
 <p:sld xmlns:a="http://schemas.openxmlformats.org/drawingml/2006/main" xmlns:r="http://schemas.openxmlformats.org/officeDocument/2006/relationships" xmlns:p="http://schemas.openxmlformats.org/presentationml/2006/main">
   <p:cSld>
+    <p:bg>
+      <p:bgPr>
+        <a:solidFill>
+          <a:schemeClr val="bg1"/>
+        </a:solidFill>
+        <a:effectLst/>
+      </p:bgPr>
+    </p:bg>
     <p:spTree>
       <p:nvGrpSpPr>
         <p:cNvPr id="1" name=""/>
@@ -7920,6 +12134,66 @@
           <a:chExt cx="0" cy="0"/>
         </a:xfrm>
       </p:grpSpPr>
+      <p:sp useBgFill="1">
+        <p:nvSpPr>
+          <p:cNvPr id="12" name="Rectangle 11">
+            <a:extLst>
+              <a:ext uri="{FF2B5EF4-FFF2-40B4-BE49-F238E27FC236}">
+                <a16:creationId xmlns:a16="http://schemas.microsoft.com/office/drawing/2014/main" id="{2C61293E-6EBE-43EF-A52C-9BEBFD7679D4}"/>
+              </a:ext>
+              <a:ext uri="{C183D7F6-B498-43B3-948B-1728B52AA6E4}">
+                <adec:decorative xmlns:adec="http://schemas.microsoft.com/office/drawing/2017/decorative" val="1"/>
+              </a:ext>
+            </a:extLst>
+          </p:cNvPr>
+          <p:cNvSpPr>
+            <a:spLocks noGrp="1" noRot="1" noChangeAspect="1" noMove="1" noResize="1" noEditPoints="1" noAdjustHandles="1" noChangeArrowheads="1" noChangeShapeType="1" noTextEdit="1"/>
+          </p:cNvSpPr>
+          <p:nvPr>
+            <p:extLst>
+              <p:ext uri="{386F3935-93C4-4BCD-93E2-E3B085C9AB24}">
+                <p16:designElem xmlns:p16="http://schemas.microsoft.com/office/powerpoint/2015/main" val="1"/>
+              </p:ext>
+            </p:extLst>
+          </p:nvPr>
+        </p:nvSpPr>
+        <p:spPr>
+          <a:xfrm>
+            <a:off x="0" y="0"/>
+            <a:ext cx="12188952" cy="6858000"/>
+          </a:xfrm>
+          <a:prstGeom prst="rect">
+            <a:avLst/>
+          </a:prstGeom>
+          <a:ln>
+            <a:noFill/>
+          </a:ln>
+        </p:spPr>
+        <p:style>
+          <a:lnRef idx="2">
+            <a:schemeClr val="accent1">
+              <a:shade val="50000"/>
+            </a:schemeClr>
+          </a:lnRef>
+          <a:fillRef idx="1">
+            <a:schemeClr val="accent1"/>
+          </a:fillRef>
+          <a:effectRef idx="0">
+            <a:schemeClr val="accent1"/>
+          </a:effectRef>
+          <a:fontRef idx="minor">
+            <a:schemeClr val="lt1"/>
+          </a:fontRef>
+        </p:style>
+        <p:txBody>
+          <a:bodyPr rtlCol="0" anchor="ctr"/>
+          <a:lstStyle/>
+          <a:p>
+            <a:pPr algn="ctr"/>
+            <a:endParaRPr lang="en-US"/>
+          </a:p>
+        </p:txBody>
+      </p:sp>
       <p:sp>
         <p:nvSpPr>
           <p:cNvPr id="2" name="Title 1">
@@ -7936,13 +12210,20 @@
             <p:ph type="title"/>
           </p:nvPr>
         </p:nvSpPr>
-        <p:spPr/>
+        <p:spPr>
+          <a:xfrm>
+            <a:off x="5297762" y="329184"/>
+            <a:ext cx="6251110" cy="1783080"/>
+          </a:xfrm>
+        </p:spPr>
         <p:txBody>
-          <a:bodyPr/>
+          <a:bodyPr anchor="b">
+            <a:normAutofit/>
+          </a:bodyPr>
           <a:lstStyle/>
           <a:p>
             <a:r>
-              <a:rPr lang="en-ES" dirty="0"/>
+              <a:rPr lang="en-ES" sz="7200"/>
               <a:t>Challenges</a:t>
             </a:r>
           </a:p>
@@ -7950,10 +12231,353 @@
       </p:sp>
       <p:sp>
         <p:nvSpPr>
-          <p:cNvPr id="3" name="Content Placeholder 2">
+          <p:cNvPr id="14" name="Rectangle 6">
             <a:extLst>
               <a:ext uri="{FF2B5EF4-FFF2-40B4-BE49-F238E27FC236}">
-                <a16:creationId xmlns:a16="http://schemas.microsoft.com/office/drawing/2014/main" id="{C113ED79-E31C-CF4D-958F-FF20CA80D5FE}"/>
+                <a16:creationId xmlns:a16="http://schemas.microsoft.com/office/drawing/2014/main" id="{3FCFB1DE-0B7E-48CC-BA90-B2AB0889F9D6}"/>
+              </a:ext>
+              <a:ext uri="{C183D7F6-B498-43B3-948B-1728B52AA6E4}">
+                <adec:decorative xmlns:adec="http://schemas.microsoft.com/office/drawing/2017/decorative" val="1"/>
+              </a:ext>
+            </a:extLst>
+          </p:cNvPr>
+          <p:cNvSpPr>
+            <a:spLocks noGrp="1" noRot="1" noChangeAspect="1" noMove="1" noResize="1" noEditPoints="1" noAdjustHandles="1" noChangeArrowheads="1" noChangeShapeType="1" noTextEdit="1"/>
+          </p:cNvSpPr>
+          <p:nvPr>
+            <p:extLst>
+              <p:ext uri="{386F3935-93C4-4BCD-93E2-E3B085C9AB24}">
+                <p16:designElem xmlns:p16="http://schemas.microsoft.com/office/powerpoint/2015/main" val="1"/>
+              </p:ext>
+            </p:extLst>
+          </p:nvPr>
+        </p:nvSpPr>
+        <p:spPr>
+          <a:xfrm>
+            <a:off x="5412862" y="2395728"/>
+            <a:ext cx="4243589" cy="27432"/>
+          </a:xfrm>
+          <a:custGeom>
+            <a:avLst/>
+            <a:gdLst>
+              <a:gd name="connsiteX0" fmla="*/ 0 w 4243589"/>
+              <a:gd name="connsiteY0" fmla="*/ 0 h 27432"/>
+              <a:gd name="connsiteX1" fmla="*/ 563791 w 4243589"/>
+              <a:gd name="connsiteY1" fmla="*/ 0 h 27432"/>
+              <a:gd name="connsiteX2" fmla="*/ 1042710 w 4243589"/>
+              <a:gd name="connsiteY2" fmla="*/ 0 h 27432"/>
+              <a:gd name="connsiteX3" fmla="*/ 1564066 w 4243589"/>
+              <a:gd name="connsiteY3" fmla="*/ 0 h 27432"/>
+              <a:gd name="connsiteX4" fmla="*/ 2212729 w 4243589"/>
+              <a:gd name="connsiteY4" fmla="*/ 0 h 27432"/>
+              <a:gd name="connsiteX5" fmla="*/ 2776520 w 4243589"/>
+              <a:gd name="connsiteY5" fmla="*/ 0 h 27432"/>
+              <a:gd name="connsiteX6" fmla="*/ 3297875 w 4243589"/>
+              <a:gd name="connsiteY6" fmla="*/ 0 h 27432"/>
+              <a:gd name="connsiteX7" fmla="*/ 4243589 w 4243589"/>
+              <a:gd name="connsiteY7" fmla="*/ 0 h 27432"/>
+              <a:gd name="connsiteX8" fmla="*/ 4243589 w 4243589"/>
+              <a:gd name="connsiteY8" fmla="*/ 27432 h 27432"/>
+              <a:gd name="connsiteX9" fmla="*/ 3637362 w 4243589"/>
+              <a:gd name="connsiteY9" fmla="*/ 27432 h 27432"/>
+              <a:gd name="connsiteX10" fmla="*/ 3116007 w 4243589"/>
+              <a:gd name="connsiteY10" fmla="*/ 27432 h 27432"/>
+              <a:gd name="connsiteX11" fmla="*/ 2424908 w 4243589"/>
+              <a:gd name="connsiteY11" fmla="*/ 27432 h 27432"/>
+              <a:gd name="connsiteX12" fmla="*/ 1861117 w 4243589"/>
+              <a:gd name="connsiteY12" fmla="*/ 27432 h 27432"/>
+              <a:gd name="connsiteX13" fmla="*/ 1382198 w 4243589"/>
+              <a:gd name="connsiteY13" fmla="*/ 27432 h 27432"/>
+              <a:gd name="connsiteX14" fmla="*/ 733535 w 4243589"/>
+              <a:gd name="connsiteY14" fmla="*/ 27432 h 27432"/>
+              <a:gd name="connsiteX15" fmla="*/ 0 w 4243589"/>
+              <a:gd name="connsiteY15" fmla="*/ 27432 h 27432"/>
+              <a:gd name="connsiteX16" fmla="*/ 0 w 4243589"/>
+              <a:gd name="connsiteY16" fmla="*/ 0 h 27432"/>
+            </a:gdLst>
+            <a:ahLst/>
+            <a:cxnLst>
+              <a:cxn ang="0">
+                <a:pos x="connsiteX0" y="connsiteY0"/>
+              </a:cxn>
+              <a:cxn ang="0">
+                <a:pos x="connsiteX1" y="connsiteY1"/>
+              </a:cxn>
+              <a:cxn ang="0">
+                <a:pos x="connsiteX2" y="connsiteY2"/>
+              </a:cxn>
+              <a:cxn ang="0">
+                <a:pos x="connsiteX3" y="connsiteY3"/>
+              </a:cxn>
+              <a:cxn ang="0">
+                <a:pos x="connsiteX4" y="connsiteY4"/>
+              </a:cxn>
+              <a:cxn ang="0">
+                <a:pos x="connsiteX5" y="connsiteY5"/>
+              </a:cxn>
+              <a:cxn ang="0">
+                <a:pos x="connsiteX6" y="connsiteY6"/>
+              </a:cxn>
+              <a:cxn ang="0">
+                <a:pos x="connsiteX7" y="connsiteY7"/>
+              </a:cxn>
+              <a:cxn ang="0">
+                <a:pos x="connsiteX8" y="connsiteY8"/>
+              </a:cxn>
+              <a:cxn ang="0">
+                <a:pos x="connsiteX9" y="connsiteY9"/>
+              </a:cxn>
+              <a:cxn ang="0">
+                <a:pos x="connsiteX10" y="connsiteY10"/>
+              </a:cxn>
+              <a:cxn ang="0">
+                <a:pos x="connsiteX11" y="connsiteY11"/>
+              </a:cxn>
+              <a:cxn ang="0">
+                <a:pos x="connsiteX12" y="connsiteY12"/>
+              </a:cxn>
+              <a:cxn ang="0">
+                <a:pos x="connsiteX13" y="connsiteY13"/>
+              </a:cxn>
+              <a:cxn ang="0">
+                <a:pos x="connsiteX14" y="connsiteY14"/>
+              </a:cxn>
+              <a:cxn ang="0">
+                <a:pos x="connsiteX15" y="connsiteY15"/>
+              </a:cxn>
+              <a:cxn ang="0">
+                <a:pos x="connsiteX16" y="connsiteY16"/>
+              </a:cxn>
+            </a:cxnLst>
+            <a:rect l="l" t="t" r="r" b="b"/>
+            <a:pathLst>
+              <a:path w="4243589" h="27432" fill="none" extrusionOk="0">
+                <a:moveTo>
+                  <a:pt x="0" y="0"/>
+                </a:moveTo>
+                <a:cubicBezTo>
+                  <a:pt x="157351" y="-15653"/>
+                  <a:pt x="378877" y="-5828"/>
+                  <a:pt x="563791" y="0"/>
+                </a:cubicBezTo>
+                <a:cubicBezTo>
+                  <a:pt x="748705" y="5828"/>
+                  <a:pt x="905659" y="-5525"/>
+                  <a:pt x="1042710" y="0"/>
+                </a:cubicBezTo>
+                <a:cubicBezTo>
+                  <a:pt x="1179761" y="5525"/>
+                  <a:pt x="1356845" y="-21288"/>
+                  <a:pt x="1564066" y="0"/>
+                </a:cubicBezTo>
+                <a:cubicBezTo>
+                  <a:pt x="1771287" y="21288"/>
+                  <a:pt x="1912099" y="25135"/>
+                  <a:pt x="2212729" y="0"/>
+                </a:cubicBezTo>
+                <a:cubicBezTo>
+                  <a:pt x="2513359" y="-25135"/>
+                  <a:pt x="2514918" y="-27119"/>
+                  <a:pt x="2776520" y="0"/>
+                </a:cubicBezTo>
+                <a:cubicBezTo>
+                  <a:pt x="3038122" y="27119"/>
+                  <a:pt x="3178771" y="18116"/>
+                  <a:pt x="3297875" y="0"/>
+                </a:cubicBezTo>
+                <a:cubicBezTo>
+                  <a:pt x="3416980" y="-18116"/>
+                  <a:pt x="4012240" y="-40869"/>
+                  <a:pt x="4243589" y="0"/>
+                </a:cubicBezTo>
+                <a:cubicBezTo>
+                  <a:pt x="4242616" y="8304"/>
+                  <a:pt x="4243111" y="21512"/>
+                  <a:pt x="4243589" y="27432"/>
+                </a:cubicBezTo>
+                <a:cubicBezTo>
+                  <a:pt x="4112949" y="6289"/>
+                  <a:pt x="3928037" y="10975"/>
+                  <a:pt x="3637362" y="27432"/>
+                </a:cubicBezTo>
+                <a:cubicBezTo>
+                  <a:pt x="3346687" y="43889"/>
+                  <a:pt x="3254446" y="35813"/>
+                  <a:pt x="3116007" y="27432"/>
+                </a:cubicBezTo>
+                <a:cubicBezTo>
+                  <a:pt x="2977569" y="19051"/>
+                  <a:pt x="2620228" y="38017"/>
+                  <a:pt x="2424908" y="27432"/>
+                </a:cubicBezTo>
+                <a:cubicBezTo>
+                  <a:pt x="2229588" y="16847"/>
+                  <a:pt x="2088287" y="5290"/>
+                  <a:pt x="1861117" y="27432"/>
+                </a:cubicBezTo>
+                <a:cubicBezTo>
+                  <a:pt x="1633947" y="49574"/>
+                  <a:pt x="1502447" y="8273"/>
+                  <a:pt x="1382198" y="27432"/>
+                </a:cubicBezTo>
+                <a:cubicBezTo>
+                  <a:pt x="1261949" y="46591"/>
+                  <a:pt x="1045440" y="37497"/>
+                  <a:pt x="733535" y="27432"/>
+                </a:cubicBezTo>
+                <a:cubicBezTo>
+                  <a:pt x="421630" y="17367"/>
+                  <a:pt x="341257" y="-9215"/>
+                  <a:pt x="0" y="27432"/>
+                </a:cubicBezTo>
+                <a:cubicBezTo>
+                  <a:pt x="-1048" y="14992"/>
+                  <a:pt x="-1120" y="7447"/>
+                  <a:pt x="0" y="0"/>
+                </a:cubicBezTo>
+                <a:close/>
+              </a:path>
+              <a:path w="4243589" h="27432" stroke="0" extrusionOk="0">
+                <a:moveTo>
+                  <a:pt x="0" y="0"/>
+                </a:moveTo>
+                <a:cubicBezTo>
+                  <a:pt x="128164" y="17204"/>
+                  <a:pt x="312653" y="1129"/>
+                  <a:pt x="563791" y="0"/>
+                </a:cubicBezTo>
+                <a:cubicBezTo>
+                  <a:pt x="814929" y="-1129"/>
+                  <a:pt x="837271" y="8503"/>
+                  <a:pt x="1042710" y="0"/>
+                </a:cubicBezTo>
+                <a:cubicBezTo>
+                  <a:pt x="1248149" y="-8503"/>
+                  <a:pt x="1588432" y="-28862"/>
+                  <a:pt x="1733809" y="0"/>
+                </a:cubicBezTo>
+                <a:cubicBezTo>
+                  <a:pt x="1879186" y="28862"/>
+                  <a:pt x="2052815" y="5974"/>
+                  <a:pt x="2297600" y="0"/>
+                </a:cubicBezTo>
+                <a:cubicBezTo>
+                  <a:pt x="2542385" y="-5974"/>
+                  <a:pt x="2699960" y="-23550"/>
+                  <a:pt x="2861391" y="0"/>
+                </a:cubicBezTo>
+                <a:cubicBezTo>
+                  <a:pt x="3022822" y="23550"/>
+                  <a:pt x="3390411" y="25272"/>
+                  <a:pt x="3552490" y="0"/>
+                </a:cubicBezTo>
+                <a:cubicBezTo>
+                  <a:pt x="3714569" y="-25272"/>
+                  <a:pt x="3950585" y="-31327"/>
+                  <a:pt x="4243589" y="0"/>
+                </a:cubicBezTo>
+                <a:cubicBezTo>
+                  <a:pt x="4244074" y="9333"/>
+                  <a:pt x="4244867" y="19699"/>
+                  <a:pt x="4243589" y="27432"/>
+                </a:cubicBezTo>
+                <a:cubicBezTo>
+                  <a:pt x="4130424" y="7904"/>
+                  <a:pt x="3932803" y="51393"/>
+                  <a:pt x="3722234" y="27432"/>
+                </a:cubicBezTo>
+                <a:cubicBezTo>
+                  <a:pt x="3511665" y="3471"/>
+                  <a:pt x="3269903" y="55138"/>
+                  <a:pt x="3116007" y="27432"/>
+                </a:cubicBezTo>
+                <a:cubicBezTo>
+                  <a:pt x="2962111" y="-274"/>
+                  <a:pt x="2744280" y="32368"/>
+                  <a:pt x="2509780" y="27432"/>
+                </a:cubicBezTo>
+                <a:cubicBezTo>
+                  <a:pt x="2275280" y="22496"/>
+                  <a:pt x="2066059" y="52808"/>
+                  <a:pt x="1945989" y="27432"/>
+                </a:cubicBezTo>
+                <a:cubicBezTo>
+                  <a:pt x="1825919" y="2056"/>
+                  <a:pt x="1407329" y="21760"/>
+                  <a:pt x="1254890" y="27432"/>
+                </a:cubicBezTo>
+                <a:cubicBezTo>
+                  <a:pt x="1102451" y="33104"/>
+                  <a:pt x="837950" y="40817"/>
+                  <a:pt x="563791" y="27432"/>
+                </a:cubicBezTo>
+                <a:cubicBezTo>
+                  <a:pt x="289632" y="14047"/>
+                  <a:pt x="132768" y="16249"/>
+                  <a:pt x="0" y="27432"/>
+                </a:cubicBezTo>
+                <a:cubicBezTo>
+                  <a:pt x="211" y="18145"/>
+                  <a:pt x="120" y="6480"/>
+                  <a:pt x="0" y="0"/>
+                </a:cubicBezTo>
+                <a:close/>
+              </a:path>
+            </a:pathLst>
+          </a:custGeom>
+          <a:solidFill>
+            <a:srgbClr val="5F30E8"/>
+          </a:solidFill>
+          <a:ln w="38100" cap="rnd">
+            <a:solidFill>
+              <a:srgbClr val="5F30E8"/>
+            </a:solidFill>
+            <a:round/>
+            <a:extLst>
+              <a:ext uri="{C807C97D-BFC1-408E-A445-0C87EB9F89A2}">
+                <ask:lineSketchStyleProps xmlns:ask="http://schemas.microsoft.com/office/drawing/2018/sketchyshapes" sd="1219033472">
+                  <a:prstGeom prst="rect">
+                    <a:avLst/>
+                  </a:prstGeom>
+                  <ask:type>
+                    <ask:lineSketchFreehand/>
+                  </ask:type>
+                </ask:lineSketchStyleProps>
+              </a:ext>
+            </a:extLst>
+          </a:ln>
+        </p:spPr>
+        <p:style>
+          <a:lnRef idx="2">
+            <a:schemeClr val="accent1">
+              <a:shade val="50000"/>
+            </a:schemeClr>
+          </a:lnRef>
+          <a:fillRef idx="1">
+            <a:schemeClr val="accent1"/>
+          </a:fillRef>
+          <a:effectRef idx="0">
+            <a:schemeClr val="accent1"/>
+          </a:effectRef>
+          <a:fontRef idx="minor">
+            <a:schemeClr val="lt1"/>
+          </a:fontRef>
+        </p:style>
+        <p:txBody>
+          <a:bodyPr rtlCol="0" anchor="ctr"/>
+          <a:lstStyle/>
+          <a:p>
+            <a:pPr algn="ctr"/>
+            <a:endParaRPr lang="en-US"/>
+          </a:p>
+        </p:txBody>
+      </p:sp>
+      <p:sp>
+        <p:nvSpPr>
+          <p:cNvPr id="9" name="Content Placeholder 8">
+            <a:extLst>
+              <a:ext uri="{FF2B5EF4-FFF2-40B4-BE49-F238E27FC236}">
+                <a16:creationId xmlns:a16="http://schemas.microsoft.com/office/drawing/2014/main" id="{EF24DD73-B581-4E3F-A371-661F3B9E494E}"/>
               </a:ext>
             </a:extLst>
           </p:cNvPr>
@@ -7964,19 +12588,300 @@
             <p:ph idx="1"/>
           </p:nvPr>
         </p:nvSpPr>
-        <p:spPr/>
+        <p:spPr>
+          <a:xfrm>
+            <a:off x="5297762" y="2706624"/>
+            <a:ext cx="6251110" cy="3483864"/>
+          </a:xfrm>
+        </p:spPr>
         <p:txBody>
-          <a:bodyPr/>
+          <a:bodyPr>
+            <a:normAutofit/>
+          </a:bodyPr>
           <a:lstStyle/>
           <a:p>
-            <a:endParaRPr lang="en-ES"/>
+            <a:endParaRPr lang="en-US"/>
+          </a:p>
+        </p:txBody>
+      </p:sp>
+      <p:pic>
+        <p:nvPicPr>
+          <p:cNvPr id="5" name="Content Placeholder 4" descr="A picture containing plate, table, indoor, vegetable&#10;&#10;Description automatically generated">
+            <a:extLst>
+              <a:ext uri="{FF2B5EF4-FFF2-40B4-BE49-F238E27FC236}">
+                <a16:creationId xmlns:a16="http://schemas.microsoft.com/office/drawing/2014/main" id="{13088EE7-6C95-AC4C-9CC8-1BAC812A52AE}"/>
+              </a:ext>
+            </a:extLst>
+          </p:cNvPr>
+          <p:cNvPicPr>
+            <a:picLocks noChangeAspect="1"/>
+          </p:cNvPicPr>
+          <p:nvPr/>
+        </p:nvPicPr>
+        <p:blipFill rotWithShape="1">
+          <a:blip r:embed="rId2"/>
+          <a:srcRect l="15218" r="16871"/>
+          <a:stretch/>
+        </p:blipFill>
+        <p:spPr>
+          <a:xfrm>
+            <a:off x="1" y="10"/>
+            <a:ext cx="4657344" cy="6857990"/>
+          </a:xfrm>
+          <a:custGeom>
+            <a:avLst/>
+            <a:gdLst/>
+            <a:ahLst/>
+            <a:cxnLst/>
+            <a:rect l="l" t="t" r="r" b="b"/>
+            <a:pathLst>
+              <a:path w="4657344" h="6858000">
+                <a:moveTo>
+                  <a:pt x="0" y="0"/>
+                </a:moveTo>
+                <a:lnTo>
+                  <a:pt x="3429755" y="0"/>
+                </a:lnTo>
+                <a:lnTo>
+                  <a:pt x="3526016" y="148742"/>
+                </a:lnTo>
+                <a:cubicBezTo>
+                  <a:pt x="3657740" y="365513"/>
+                  <a:pt x="3777402" y="589569"/>
+                  <a:pt x="3886489" y="819975"/>
+                </a:cubicBezTo>
+                <a:cubicBezTo>
+                  <a:pt x="3891856" y="833492"/>
+                  <a:pt x="3900663" y="845393"/>
+                  <a:pt x="3912049" y="854514"/>
+                </a:cubicBezTo>
+                <a:cubicBezTo>
+                  <a:pt x="3897352" y="819849"/>
+                  <a:pt x="3883037" y="784928"/>
+                  <a:pt x="3868083" y="750263"/>
+                </a:cubicBezTo>
+                <a:cubicBezTo>
+                  <a:pt x="3806989" y="608712"/>
+                  <a:pt x="3742478" y="469145"/>
+                  <a:pt x="3674155" y="331786"/>
+                </a:cubicBezTo>
+                <a:lnTo>
+                  <a:pt x="3496656" y="0"/>
+                </a:lnTo>
+                <a:lnTo>
+                  <a:pt x="3554371" y="0"/>
+                </a:lnTo>
+                <a:lnTo>
+                  <a:pt x="3661621" y="196614"/>
+                </a:lnTo>
+                <a:cubicBezTo>
+                  <a:pt x="3856899" y="573253"/>
+                  <a:pt x="4021071" y="966066"/>
+                  <a:pt x="4161279" y="1371196"/>
+                </a:cubicBezTo>
+                <a:cubicBezTo>
+                  <a:pt x="4379525" y="2007265"/>
+                  <a:pt x="4530141" y="2664286"/>
+                  <a:pt x="4610660" y="3331516"/>
+                </a:cubicBezTo>
+                <a:cubicBezTo>
+                  <a:pt x="4652837" y="3672965"/>
+                  <a:pt x="4671625" y="4013908"/>
+                  <a:pt x="4645040" y="4357388"/>
+                </a:cubicBezTo>
+                <a:cubicBezTo>
+                  <a:pt x="4613599" y="4758899"/>
+                  <a:pt x="4566181" y="5157998"/>
+                  <a:pt x="4485789" y="5552906"/>
+                </a:cubicBezTo>
+                <a:cubicBezTo>
+                  <a:pt x="4397121" y="5988893"/>
+                  <a:pt x="4276748" y="6414594"/>
+                  <a:pt x="4117769" y="6828295"/>
+                </a:cubicBezTo>
+                <a:lnTo>
+                  <a:pt x="4105288" y="6858000"/>
+                </a:lnTo>
+                <a:lnTo>
+                  <a:pt x="4052520" y="6858000"/>
+                </a:lnTo>
+                <a:lnTo>
+                  <a:pt x="4059369" y="6841549"/>
+                </a:lnTo>
+                <a:cubicBezTo>
+                  <a:pt x="4147276" y="6614016"/>
+                  <a:pt x="4224193" y="6380817"/>
+                  <a:pt x="4291518" y="6142729"/>
+                </a:cubicBezTo>
+                <a:cubicBezTo>
+                  <a:pt x="4350055" y="5935370"/>
+                  <a:pt x="4393256" y="5723695"/>
+                  <a:pt x="4443357" y="5513923"/>
+                </a:cubicBezTo>
+                <a:cubicBezTo>
+                  <a:pt x="4444541" y="5502788"/>
+                  <a:pt x="4445137" y="5491601"/>
+                  <a:pt x="4445146" y="5480401"/>
+                </a:cubicBezTo>
+                <a:cubicBezTo>
+                  <a:pt x="4408465" y="5607635"/>
+                  <a:pt x="4379196" y="5719759"/>
+                  <a:pt x="4344559" y="5830359"/>
+                </a:cubicBezTo>
+                <a:cubicBezTo>
+                  <a:pt x="4254261" y="6118381"/>
+                  <a:pt x="4150112" y="6398531"/>
+                  <a:pt x="4031702" y="6670527"/>
+                </a:cubicBezTo>
+                <a:lnTo>
+                  <a:pt x="3943824" y="6858000"/>
+                </a:lnTo>
+                <a:lnTo>
+                  <a:pt x="0" y="6858000"/>
+                </a:lnTo>
+                <a:close/>
+              </a:path>
+            </a:pathLst>
+          </a:custGeom>
+        </p:spPr>
+      </p:pic>
+    </p:spTree>
+    <p:extLst>
+      <p:ext uri="{BB962C8B-B14F-4D97-AF65-F5344CB8AC3E}">
+        <p14:creationId xmlns:p14="http://schemas.microsoft.com/office/powerpoint/2010/main" val="2073762720"/>
+      </p:ext>
+    </p:extLst>
+  </p:cSld>
+  <p:clrMapOvr>
+    <a:masterClrMapping/>
+  </p:clrMapOvr>
+</p:sld>
+</file>
+
+<file path=ppt/slides/slide8.xml><?xml version="1.0" encoding="utf-8"?>
+<p:sld xmlns:a="http://schemas.openxmlformats.org/drawingml/2006/main" xmlns:r="http://schemas.openxmlformats.org/officeDocument/2006/relationships" xmlns:p="http://schemas.openxmlformats.org/presentationml/2006/main">
+  <p:cSld>
+    <p:spTree>
+      <p:nvGrpSpPr>
+        <p:cNvPr id="1" name=""/>
+        <p:cNvGrpSpPr/>
+        <p:nvPr/>
+      </p:nvGrpSpPr>
+      <p:grpSpPr>
+        <a:xfrm>
+          <a:off x="0" y="0"/>
+          <a:ext cx="0" cy="0"/>
+          <a:chOff x="0" y="0"/>
+          <a:chExt cx="0" cy="0"/>
+        </a:xfrm>
+      </p:grpSpPr>
+      <p:pic>
+        <p:nvPicPr>
+          <p:cNvPr id="5" name="Picture 4" descr="A table full of food&#10;&#10;Description automatically generated with low confidence">
+            <a:extLst>
+              <a:ext uri="{FF2B5EF4-FFF2-40B4-BE49-F238E27FC236}">
+                <a16:creationId xmlns:a16="http://schemas.microsoft.com/office/drawing/2014/main" id="{21F62BAE-53D0-BD4B-A0F1-020AA85D6B01}"/>
+              </a:ext>
+            </a:extLst>
+          </p:cNvPr>
+          <p:cNvPicPr>
+            <a:picLocks noChangeAspect="1"/>
+          </p:cNvPicPr>
+          <p:nvPr/>
+        </p:nvPicPr>
+        <p:blipFill rotWithShape="1">
+          <a:blip r:embed="rId2">
+            <a:alphaModFix amt="50000"/>
+          </a:blip>
+          <a:srcRect t="7430" r="-1" b="8279"/>
+          <a:stretch/>
+        </p:blipFill>
+        <p:spPr>
+          <a:xfrm>
+            <a:off x="20" y="10"/>
+            <a:ext cx="12188930" cy="6857990"/>
+          </a:xfrm>
+          <a:prstGeom prst="rect">
+            <a:avLst/>
+          </a:prstGeom>
+        </p:spPr>
+      </p:pic>
+      <p:sp>
+        <p:nvSpPr>
+          <p:cNvPr id="2" name="Title 1">
+            <a:extLst>
+              <a:ext uri="{FF2B5EF4-FFF2-40B4-BE49-F238E27FC236}">
+                <a16:creationId xmlns:a16="http://schemas.microsoft.com/office/drawing/2014/main" id="{9F3D95E5-4980-AE42-87C9-A0DAE8C07745}"/>
+              </a:ext>
+            </a:extLst>
+          </p:cNvPr>
+          <p:cNvSpPr>
+            <a:spLocks noGrp="1"/>
+          </p:cNvSpPr>
+          <p:nvPr>
+            <p:ph type="ctrTitle"/>
+          </p:nvPr>
+        </p:nvSpPr>
+        <p:spPr>
+          <a:xfrm>
+            <a:off x="1524000" y="1122363"/>
+            <a:ext cx="9144000" cy="3063240"/>
+          </a:xfrm>
+        </p:spPr>
+        <p:txBody>
+          <a:bodyPr>
+            <a:normAutofit/>
+          </a:bodyPr>
+          <a:lstStyle/>
+          <a:p>
+            <a:pPr algn="ctr"/>
+            <a:r>
+              <a:rPr lang="en-ES" sz="10800" dirty="0"/>
+              <a:t>Thank You!</a:t>
+            </a:r>
+          </a:p>
+        </p:txBody>
+      </p:sp>
+      <p:sp>
+        <p:nvSpPr>
+          <p:cNvPr id="3" name="Subtitle 2">
+            <a:extLst>
+              <a:ext uri="{FF2B5EF4-FFF2-40B4-BE49-F238E27FC236}">
+                <a16:creationId xmlns:a16="http://schemas.microsoft.com/office/drawing/2014/main" id="{0BA91750-E314-BE40-9052-DF99DDD52268}"/>
+              </a:ext>
+            </a:extLst>
+          </p:cNvPr>
+          <p:cNvSpPr>
+            <a:spLocks noGrp="1"/>
+          </p:cNvSpPr>
+          <p:nvPr>
+            <p:ph type="subTitle" idx="1"/>
+          </p:nvPr>
+        </p:nvSpPr>
+        <p:spPr>
+          <a:xfrm>
+            <a:off x="1527048" y="4599432"/>
+            <a:ext cx="9144000" cy="1536192"/>
+          </a:xfrm>
+        </p:spPr>
+        <p:txBody>
+          <a:bodyPr>
+            <a:normAutofit/>
+          </a:bodyPr>
+          <a:lstStyle/>
+          <a:p>
+            <a:pPr algn="ctr"/>
+            <a:r>
+              <a:rPr lang="en-ES" sz="4000" b="1" dirty="0"/>
+              <a:t>Special thanks to Anna, Novi and Nayib!</a:t>
+            </a:r>
           </a:p>
         </p:txBody>
       </p:sp>
     </p:spTree>
     <p:extLst>
       <p:ext uri="{BB962C8B-B14F-4D97-AF65-F5344CB8AC3E}">
-        <p14:creationId xmlns:p14="http://schemas.microsoft.com/office/powerpoint/2010/main" val="2073762720"/>
+        <p14:creationId xmlns:p14="http://schemas.microsoft.com/office/powerpoint/2010/main" val="1013249605"/>
       </p:ext>
     </p:extLst>
   </p:cSld>
@@ -8185,4 +13090,299 @@
     </a:ext>
   </a:extLst>
 </a:theme>
+</file>
+
+<file path=ppt/theme/theme2.xml><?xml version="1.0" encoding="utf-8"?>
+<a:theme xmlns:a="http://schemas.openxmlformats.org/drawingml/2006/main" name="Office Theme">
+  <a:themeElements>
+    <a:clrScheme name="Office">
+      <a:dk1>
+        <a:sysClr val="windowText" lastClr="000000"/>
+      </a:dk1>
+      <a:lt1>
+        <a:sysClr val="window" lastClr="FFFFFF"/>
+      </a:lt1>
+      <a:dk2>
+        <a:srgbClr val="44546A"/>
+      </a:dk2>
+      <a:lt2>
+        <a:srgbClr val="E7E6E6"/>
+      </a:lt2>
+      <a:accent1>
+        <a:srgbClr val="4472C4"/>
+      </a:accent1>
+      <a:accent2>
+        <a:srgbClr val="ED7D31"/>
+      </a:accent2>
+      <a:accent3>
+        <a:srgbClr val="A5A5A5"/>
+      </a:accent3>
+      <a:accent4>
+        <a:srgbClr val="FFC000"/>
+      </a:accent4>
+      <a:accent5>
+        <a:srgbClr val="5B9BD5"/>
+      </a:accent5>
+      <a:accent6>
+        <a:srgbClr val="70AD47"/>
+      </a:accent6>
+      <a:hlink>
+        <a:srgbClr val="0563C1"/>
+      </a:hlink>
+      <a:folHlink>
+        <a:srgbClr val="954F72"/>
+      </a:folHlink>
+    </a:clrScheme>
+    <a:fontScheme name="Office">
+      <a:majorFont>
+        <a:latin typeface="Calibri Light" panose="020F0302020204030204"/>
+        <a:ea typeface=""/>
+        <a:cs typeface=""/>
+        <a:font script="Jpan" typeface="游ゴシック Light"/>
+        <a:font script="Hang" typeface="맑은 고딕"/>
+        <a:font script="Hans" typeface="等线 Light"/>
+        <a:font script="Hant" typeface="新細明體"/>
+        <a:font script="Arab" typeface="Times New Roman"/>
+        <a:font script="Hebr" typeface="Times New Roman"/>
+        <a:font script="Thai" typeface="Angsana New"/>
+        <a:font script="Ethi" typeface="Nyala"/>
+        <a:font script="Beng" typeface="Vrinda"/>
+        <a:font script="Gujr" typeface="Shruti"/>
+        <a:font script="Khmr" typeface="MoolBoran"/>
+        <a:font script="Knda" typeface="Tunga"/>
+        <a:font script="Guru" typeface="Raavi"/>
+        <a:font script="Cans" typeface="Euphemia"/>
+        <a:font script="Cher" typeface="Plantagenet Cherokee"/>
+        <a:font script="Yiii" typeface="Microsoft Yi Baiti"/>
+        <a:font script="Tibt" typeface="Microsoft Himalaya"/>
+        <a:font script="Thaa" typeface="MV Boli"/>
+        <a:font script="Deva" typeface="Mangal"/>
+        <a:font script="Telu" typeface="Gautami"/>
+        <a:font script="Taml" typeface="Latha"/>
+        <a:font script="Syrc" typeface="Estrangelo Edessa"/>
+        <a:font script="Orya" typeface="Kalinga"/>
+        <a:font script="Mlym" typeface="Kartika"/>
+        <a:font script="Laoo" typeface="DokChampa"/>
+        <a:font script="Sinh" typeface="Iskoola Pota"/>
+        <a:font script="Mong" typeface="Mongolian Baiti"/>
+        <a:font script="Viet" typeface="Times New Roman"/>
+        <a:font script="Uigh" typeface="Microsoft Uighur"/>
+        <a:font script="Geor" typeface="Sylfaen"/>
+        <a:font script="Armn" typeface="Arial"/>
+        <a:font script="Bugi" typeface="Leelawadee UI"/>
+        <a:font script="Bopo" typeface="Microsoft JhengHei"/>
+        <a:font script="Java" typeface="Javanese Text"/>
+        <a:font script="Lisu" typeface="Segoe UI"/>
+        <a:font script="Mymr" typeface="Myanmar Text"/>
+        <a:font script="Nkoo" typeface="Ebrima"/>
+        <a:font script="Olck" typeface="Nirmala UI"/>
+        <a:font script="Osma" typeface="Ebrima"/>
+        <a:font script="Phag" typeface="Phagspa"/>
+        <a:font script="Syrn" typeface="Estrangelo Edessa"/>
+        <a:font script="Syrj" typeface="Estrangelo Edessa"/>
+        <a:font script="Syre" typeface="Estrangelo Edessa"/>
+        <a:font script="Sora" typeface="Nirmala UI"/>
+        <a:font script="Tale" typeface="Microsoft Tai Le"/>
+        <a:font script="Talu" typeface="Microsoft New Tai Lue"/>
+        <a:font script="Tfng" typeface="Ebrima"/>
+      </a:majorFont>
+      <a:minorFont>
+        <a:latin typeface="Calibri" panose="020F0502020204030204"/>
+        <a:ea typeface=""/>
+        <a:cs typeface=""/>
+        <a:font script="Jpan" typeface="游ゴシック"/>
+        <a:font script="Hang" typeface="맑은 고딕"/>
+        <a:font script="Hans" typeface="等线"/>
+        <a:font script="Hant" typeface="新細明體"/>
+        <a:font script="Arab" typeface="Arial"/>
+        <a:font script="Hebr" typeface="Arial"/>
+        <a:font script="Thai" typeface="Cordia New"/>
+        <a:font script="Ethi" typeface="Nyala"/>
+        <a:font script="Beng" typeface="Vrinda"/>
+        <a:font script="Gujr" typeface="Shruti"/>
+        <a:font script="Khmr" typeface="DaunPenh"/>
+        <a:font script="Knda" typeface="Tunga"/>
+        <a:font script="Guru" typeface="Raavi"/>
+        <a:font script="Cans" typeface="Euphemia"/>
+        <a:font script="Cher" typeface="Plantagenet Cherokee"/>
+        <a:font script="Yiii" typeface="Microsoft Yi Baiti"/>
+        <a:font script="Tibt" typeface="Microsoft Himalaya"/>
+        <a:font script="Thaa" typeface="MV Boli"/>
+        <a:font script="Deva" typeface="Mangal"/>
+        <a:font script="Telu" typeface="Gautami"/>
+        <a:font script="Taml" typeface="Latha"/>
+        <a:font script="Syrc" typeface="Estrangelo Edessa"/>
+        <a:font script="Orya" typeface="Kalinga"/>
+        <a:font script="Mlym" typeface="Kartika"/>
+        <a:font script="Laoo" typeface="DokChampa"/>
+        <a:font script="Sinh" typeface="Iskoola Pota"/>
+        <a:font script="Mong" typeface="Mongolian Baiti"/>
+        <a:font script="Viet" typeface="Arial"/>
+        <a:font script="Uigh" typeface="Microsoft Uighur"/>
+        <a:font script="Geor" typeface="Sylfaen"/>
+        <a:font script="Armn" typeface="Arial"/>
+        <a:font script="Bugi" typeface="Leelawadee UI"/>
+        <a:font script="Bopo" typeface="Microsoft JhengHei"/>
+        <a:font script="Java" typeface="Javanese Text"/>
+        <a:font script="Lisu" typeface="Segoe UI"/>
+        <a:font script="Mymr" typeface="Myanmar Text"/>
+        <a:font script="Nkoo" typeface="Ebrima"/>
+        <a:font script="Olck" typeface="Nirmala UI"/>
+        <a:font script="Osma" typeface="Ebrima"/>
+        <a:font script="Phag" typeface="Phagspa"/>
+        <a:font script="Syrn" typeface="Estrangelo Edessa"/>
+        <a:font script="Syrj" typeface="Estrangelo Edessa"/>
+        <a:font script="Syre" typeface="Estrangelo Edessa"/>
+        <a:font script="Sora" typeface="Nirmala UI"/>
+        <a:font script="Tale" typeface="Microsoft Tai Le"/>
+        <a:font script="Talu" typeface="Microsoft New Tai Lue"/>
+        <a:font script="Tfng" typeface="Ebrima"/>
+      </a:minorFont>
+    </a:fontScheme>
+    <a:fmtScheme name="Office">
+      <a:fillStyleLst>
+        <a:solidFill>
+          <a:schemeClr val="phClr"/>
+        </a:solidFill>
+        <a:gradFill rotWithShape="1">
+          <a:gsLst>
+            <a:gs pos="0">
+              <a:schemeClr val="phClr">
+                <a:lumMod val="110000"/>
+                <a:satMod val="105000"/>
+                <a:tint val="67000"/>
+              </a:schemeClr>
+            </a:gs>
+            <a:gs pos="50000">
+              <a:schemeClr val="phClr">
+                <a:lumMod val="105000"/>
+                <a:satMod val="103000"/>
+                <a:tint val="73000"/>
+              </a:schemeClr>
+            </a:gs>
+            <a:gs pos="100000">
+              <a:schemeClr val="phClr">
+                <a:lumMod val="105000"/>
+                <a:satMod val="109000"/>
+                <a:tint val="81000"/>
+              </a:schemeClr>
+            </a:gs>
+          </a:gsLst>
+          <a:lin ang="5400000" scaled="0"/>
+        </a:gradFill>
+        <a:gradFill rotWithShape="1">
+          <a:gsLst>
+            <a:gs pos="0">
+              <a:schemeClr val="phClr">
+                <a:satMod val="103000"/>
+                <a:lumMod val="102000"/>
+                <a:tint val="94000"/>
+              </a:schemeClr>
+            </a:gs>
+            <a:gs pos="50000">
+              <a:schemeClr val="phClr">
+                <a:satMod val="110000"/>
+                <a:lumMod val="100000"/>
+                <a:shade val="100000"/>
+              </a:schemeClr>
+            </a:gs>
+            <a:gs pos="100000">
+              <a:schemeClr val="phClr">
+                <a:lumMod val="99000"/>
+                <a:satMod val="120000"/>
+                <a:shade val="78000"/>
+              </a:schemeClr>
+            </a:gs>
+          </a:gsLst>
+          <a:lin ang="5400000" scaled="0"/>
+        </a:gradFill>
+      </a:fillStyleLst>
+      <a:lnStyleLst>
+        <a:ln w="6350" cap="flat" cmpd="sng" algn="ctr">
+          <a:solidFill>
+            <a:schemeClr val="phClr"/>
+          </a:solidFill>
+          <a:prstDash val="solid"/>
+          <a:miter lim="800000"/>
+        </a:ln>
+        <a:ln w="12700" cap="flat" cmpd="sng" algn="ctr">
+          <a:solidFill>
+            <a:schemeClr val="phClr"/>
+          </a:solidFill>
+          <a:prstDash val="solid"/>
+          <a:miter lim="800000"/>
+        </a:ln>
+        <a:ln w="19050" cap="flat" cmpd="sng" algn="ctr">
+          <a:solidFill>
+            <a:schemeClr val="phClr"/>
+          </a:solidFill>
+          <a:prstDash val="solid"/>
+          <a:miter lim="800000"/>
+        </a:ln>
+      </a:lnStyleLst>
+      <a:effectStyleLst>
+        <a:effectStyle>
+          <a:effectLst/>
+        </a:effectStyle>
+        <a:effectStyle>
+          <a:effectLst/>
+        </a:effectStyle>
+        <a:effectStyle>
+          <a:effectLst>
+            <a:outerShdw blurRad="57150" dist="19050" dir="5400000" algn="ctr" rotWithShape="0">
+              <a:srgbClr val="000000">
+                <a:alpha val="63000"/>
+              </a:srgbClr>
+            </a:outerShdw>
+          </a:effectLst>
+        </a:effectStyle>
+      </a:effectStyleLst>
+      <a:bgFillStyleLst>
+        <a:solidFill>
+          <a:schemeClr val="phClr"/>
+        </a:solidFill>
+        <a:solidFill>
+          <a:schemeClr val="phClr">
+            <a:tint val="95000"/>
+            <a:satMod val="170000"/>
+          </a:schemeClr>
+        </a:solidFill>
+        <a:gradFill rotWithShape="1">
+          <a:gsLst>
+            <a:gs pos="0">
+              <a:schemeClr val="phClr">
+                <a:tint val="93000"/>
+                <a:satMod val="150000"/>
+                <a:shade val="98000"/>
+                <a:lumMod val="102000"/>
+              </a:schemeClr>
+            </a:gs>
+            <a:gs pos="50000">
+              <a:schemeClr val="phClr">
+                <a:tint val="98000"/>
+                <a:satMod val="130000"/>
+                <a:shade val="90000"/>
+                <a:lumMod val="103000"/>
+              </a:schemeClr>
+            </a:gs>
+            <a:gs pos="100000">
+              <a:schemeClr val="phClr">
+                <a:shade val="63000"/>
+                <a:satMod val="120000"/>
+              </a:schemeClr>
+            </a:gs>
+          </a:gsLst>
+          <a:lin ang="5400000" scaled="0"/>
+        </a:gradFill>
+      </a:bgFillStyleLst>
+    </a:fmtScheme>
+  </a:themeElements>
+  <a:objectDefaults/>
+  <a:extraClrSchemeLst/>
+  <a:extLst>
+    <a:ext uri="{05A4C25C-085E-4340-85A3-A5531E510DB2}">
+      <thm15:themeFamily xmlns:thm15="http://schemas.microsoft.com/office/thememl/2012/main" name="Office Theme" id="{62F939B6-93AF-4DB8-9C6B-D6C7DFDC589F}" vid="{4A3C46E8-61CC-4603-A589-7422A47A8E4A}"/>
+    </a:ext>
+  </a:extLst>
+</a:theme>
 </file>
--- a/presentation.pptx
+++ b/presentation.pptx
@@ -5,17 +5,18 @@
     <p:sldMasterId id="2147483673" r:id="rId1"/>
   </p:sldMasterIdLst>
   <p:notesMasterIdLst>
-    <p:notesMasterId r:id="rId10"/>
+    <p:notesMasterId r:id="rId11"/>
   </p:notesMasterIdLst>
   <p:sldIdLst>
     <p:sldId id="259" r:id="rId2"/>
     <p:sldId id="257" r:id="rId3"/>
-    <p:sldId id="260" r:id="rId4"/>
-    <p:sldId id="261" r:id="rId5"/>
+    <p:sldId id="261" r:id="rId4"/>
+    <p:sldId id="260" r:id="rId5"/>
     <p:sldId id="263" r:id="rId6"/>
     <p:sldId id="262" r:id="rId7"/>
     <p:sldId id="264" r:id="rId8"/>
     <p:sldId id="265" r:id="rId9"/>
+    <p:sldId id="266" r:id="rId10"/>
   </p:sldIdLst>
   <p:sldSz cx="12192000" cy="6858000"/>
   <p:notesSz cx="6858000" cy="9144000"/>
@@ -532,7 +533,7 @@
           <a:p>
             <a:fld id="{203F9FA2-9BB0-CD40-B0B4-99C864FB7430}" type="slidenum">
               <a:rPr lang="en-ES" smtClean="0"/>
-              <a:t>3</a:t>
+              <a:t>4</a:t>
             </a:fld>
             <a:endParaRPr lang="en-ES"/>
           </a:p>
@@ -8903,359 +8904,12 @@
           <a:chExt cx="0" cy="0"/>
         </a:xfrm>
       </p:grpSpPr>
-      <p:sp>
+      <p:sp useBgFill="1">
         <p:nvSpPr>
-          <p:cNvPr id="23" name="Rectangle 6">
+          <p:cNvPr id="12" name="Rectangle 11">
             <a:extLst>
               <a:ext uri="{FF2B5EF4-FFF2-40B4-BE49-F238E27FC236}">
-                <a16:creationId xmlns:a16="http://schemas.microsoft.com/office/drawing/2014/main" id="{DA381740-063A-41A4-836D-85D14980EEF0}"/>
-              </a:ext>
-              <a:ext uri="{C183D7F6-B498-43B3-948B-1728B52AA6E4}">
-                <adec:decorative xmlns:adec="http://schemas.microsoft.com/office/drawing/2017/decorative" val="1"/>
-              </a:ext>
-            </a:extLst>
-          </p:cNvPr>
-          <p:cNvSpPr>
-            <a:spLocks noGrp="1" noRot="1" noChangeAspect="1" noMove="1" noResize="1" noEditPoints="1" noAdjustHandles="1" noChangeArrowheads="1" noChangeShapeType="1" noTextEdit="1"/>
-          </p:cNvSpPr>
-          <p:nvPr>
-            <p:extLst>
-              <p:ext uri="{386F3935-93C4-4BCD-93E2-E3B085C9AB24}">
-                <p16:designElem xmlns:p16="http://schemas.microsoft.com/office/powerpoint/2015/main" val="1"/>
-              </p:ext>
-            </p:extLst>
-          </p:nvPr>
-        </p:nvSpPr>
-        <p:spPr>
-          <a:xfrm>
-            <a:off x="838200" y="4736883"/>
-            <a:ext cx="4243589" cy="27432"/>
-          </a:xfrm>
-          <a:custGeom>
-            <a:avLst/>
-            <a:gdLst>
-              <a:gd name="connsiteX0" fmla="*/ 0 w 4243589"/>
-              <a:gd name="connsiteY0" fmla="*/ 0 h 27432"/>
-              <a:gd name="connsiteX1" fmla="*/ 563791 w 4243589"/>
-              <a:gd name="connsiteY1" fmla="*/ 0 h 27432"/>
-              <a:gd name="connsiteX2" fmla="*/ 1042710 w 4243589"/>
-              <a:gd name="connsiteY2" fmla="*/ 0 h 27432"/>
-              <a:gd name="connsiteX3" fmla="*/ 1564066 w 4243589"/>
-              <a:gd name="connsiteY3" fmla="*/ 0 h 27432"/>
-              <a:gd name="connsiteX4" fmla="*/ 2212729 w 4243589"/>
-              <a:gd name="connsiteY4" fmla="*/ 0 h 27432"/>
-              <a:gd name="connsiteX5" fmla="*/ 2776520 w 4243589"/>
-              <a:gd name="connsiteY5" fmla="*/ 0 h 27432"/>
-              <a:gd name="connsiteX6" fmla="*/ 3297875 w 4243589"/>
-              <a:gd name="connsiteY6" fmla="*/ 0 h 27432"/>
-              <a:gd name="connsiteX7" fmla="*/ 4243589 w 4243589"/>
-              <a:gd name="connsiteY7" fmla="*/ 0 h 27432"/>
-              <a:gd name="connsiteX8" fmla="*/ 4243589 w 4243589"/>
-              <a:gd name="connsiteY8" fmla="*/ 27432 h 27432"/>
-              <a:gd name="connsiteX9" fmla="*/ 3637362 w 4243589"/>
-              <a:gd name="connsiteY9" fmla="*/ 27432 h 27432"/>
-              <a:gd name="connsiteX10" fmla="*/ 3116007 w 4243589"/>
-              <a:gd name="connsiteY10" fmla="*/ 27432 h 27432"/>
-              <a:gd name="connsiteX11" fmla="*/ 2424908 w 4243589"/>
-              <a:gd name="connsiteY11" fmla="*/ 27432 h 27432"/>
-              <a:gd name="connsiteX12" fmla="*/ 1861117 w 4243589"/>
-              <a:gd name="connsiteY12" fmla="*/ 27432 h 27432"/>
-              <a:gd name="connsiteX13" fmla="*/ 1382198 w 4243589"/>
-              <a:gd name="connsiteY13" fmla="*/ 27432 h 27432"/>
-              <a:gd name="connsiteX14" fmla="*/ 733535 w 4243589"/>
-              <a:gd name="connsiteY14" fmla="*/ 27432 h 27432"/>
-              <a:gd name="connsiteX15" fmla="*/ 0 w 4243589"/>
-              <a:gd name="connsiteY15" fmla="*/ 27432 h 27432"/>
-              <a:gd name="connsiteX16" fmla="*/ 0 w 4243589"/>
-              <a:gd name="connsiteY16" fmla="*/ 0 h 27432"/>
-            </a:gdLst>
-            <a:ahLst/>
-            <a:cxnLst>
-              <a:cxn ang="0">
-                <a:pos x="connsiteX0" y="connsiteY0"/>
-              </a:cxn>
-              <a:cxn ang="0">
-                <a:pos x="connsiteX1" y="connsiteY1"/>
-              </a:cxn>
-              <a:cxn ang="0">
-                <a:pos x="connsiteX2" y="connsiteY2"/>
-              </a:cxn>
-              <a:cxn ang="0">
-                <a:pos x="connsiteX3" y="connsiteY3"/>
-              </a:cxn>
-              <a:cxn ang="0">
-                <a:pos x="connsiteX4" y="connsiteY4"/>
-              </a:cxn>
-              <a:cxn ang="0">
-                <a:pos x="connsiteX5" y="connsiteY5"/>
-              </a:cxn>
-              <a:cxn ang="0">
-                <a:pos x="connsiteX6" y="connsiteY6"/>
-              </a:cxn>
-              <a:cxn ang="0">
-                <a:pos x="connsiteX7" y="connsiteY7"/>
-              </a:cxn>
-              <a:cxn ang="0">
-                <a:pos x="connsiteX8" y="connsiteY8"/>
-              </a:cxn>
-              <a:cxn ang="0">
-                <a:pos x="connsiteX9" y="connsiteY9"/>
-              </a:cxn>
-              <a:cxn ang="0">
-                <a:pos x="connsiteX10" y="connsiteY10"/>
-              </a:cxn>
-              <a:cxn ang="0">
-                <a:pos x="connsiteX11" y="connsiteY11"/>
-              </a:cxn>
-              <a:cxn ang="0">
-                <a:pos x="connsiteX12" y="connsiteY12"/>
-              </a:cxn>
-              <a:cxn ang="0">
-                <a:pos x="connsiteX13" y="connsiteY13"/>
-              </a:cxn>
-              <a:cxn ang="0">
-                <a:pos x="connsiteX14" y="connsiteY14"/>
-              </a:cxn>
-              <a:cxn ang="0">
-                <a:pos x="connsiteX15" y="connsiteY15"/>
-              </a:cxn>
-              <a:cxn ang="0">
-                <a:pos x="connsiteX16" y="connsiteY16"/>
-              </a:cxn>
-            </a:cxnLst>
-            <a:rect l="l" t="t" r="r" b="b"/>
-            <a:pathLst>
-              <a:path w="4243589" h="27432" fill="none" extrusionOk="0">
-                <a:moveTo>
-                  <a:pt x="0" y="0"/>
-                </a:moveTo>
-                <a:cubicBezTo>
-                  <a:pt x="157351" y="-15653"/>
-                  <a:pt x="378877" y="-5828"/>
-                  <a:pt x="563791" y="0"/>
-                </a:cubicBezTo>
-                <a:cubicBezTo>
-                  <a:pt x="748705" y="5828"/>
-                  <a:pt x="905659" y="-5525"/>
-                  <a:pt x="1042710" y="0"/>
-                </a:cubicBezTo>
-                <a:cubicBezTo>
-                  <a:pt x="1179761" y="5525"/>
-                  <a:pt x="1356845" y="-21288"/>
-                  <a:pt x="1564066" y="0"/>
-                </a:cubicBezTo>
-                <a:cubicBezTo>
-                  <a:pt x="1771287" y="21288"/>
-                  <a:pt x="1912099" y="25135"/>
-                  <a:pt x="2212729" y="0"/>
-                </a:cubicBezTo>
-                <a:cubicBezTo>
-                  <a:pt x="2513359" y="-25135"/>
-                  <a:pt x="2514918" y="-27119"/>
-                  <a:pt x="2776520" y="0"/>
-                </a:cubicBezTo>
-                <a:cubicBezTo>
-                  <a:pt x="3038122" y="27119"/>
-                  <a:pt x="3178771" y="18116"/>
-                  <a:pt x="3297875" y="0"/>
-                </a:cubicBezTo>
-                <a:cubicBezTo>
-                  <a:pt x="3416980" y="-18116"/>
-                  <a:pt x="4012240" y="-40869"/>
-                  <a:pt x="4243589" y="0"/>
-                </a:cubicBezTo>
-                <a:cubicBezTo>
-                  <a:pt x="4242616" y="8304"/>
-                  <a:pt x="4243111" y="21512"/>
-                  <a:pt x="4243589" y="27432"/>
-                </a:cubicBezTo>
-                <a:cubicBezTo>
-                  <a:pt x="4112949" y="6289"/>
-                  <a:pt x="3928037" y="10975"/>
-                  <a:pt x="3637362" y="27432"/>
-                </a:cubicBezTo>
-                <a:cubicBezTo>
-                  <a:pt x="3346687" y="43889"/>
-                  <a:pt x="3254446" y="35813"/>
-                  <a:pt x="3116007" y="27432"/>
-                </a:cubicBezTo>
-                <a:cubicBezTo>
-                  <a:pt x="2977569" y="19051"/>
-                  <a:pt x="2620228" y="38017"/>
-                  <a:pt x="2424908" y="27432"/>
-                </a:cubicBezTo>
-                <a:cubicBezTo>
-                  <a:pt x="2229588" y="16847"/>
-                  <a:pt x="2088287" y="5290"/>
-                  <a:pt x="1861117" y="27432"/>
-                </a:cubicBezTo>
-                <a:cubicBezTo>
-                  <a:pt x="1633947" y="49574"/>
-                  <a:pt x="1502447" y="8273"/>
-                  <a:pt x="1382198" y="27432"/>
-                </a:cubicBezTo>
-                <a:cubicBezTo>
-                  <a:pt x="1261949" y="46591"/>
-                  <a:pt x="1045440" y="37497"/>
-                  <a:pt x="733535" y="27432"/>
-                </a:cubicBezTo>
-                <a:cubicBezTo>
-                  <a:pt x="421630" y="17367"/>
-                  <a:pt x="341257" y="-9215"/>
-                  <a:pt x="0" y="27432"/>
-                </a:cubicBezTo>
-                <a:cubicBezTo>
-                  <a:pt x="-1048" y="14992"/>
-                  <a:pt x="-1120" y="7447"/>
-                  <a:pt x="0" y="0"/>
-                </a:cubicBezTo>
-                <a:close/>
-              </a:path>
-              <a:path w="4243589" h="27432" stroke="0" extrusionOk="0">
-                <a:moveTo>
-                  <a:pt x="0" y="0"/>
-                </a:moveTo>
-                <a:cubicBezTo>
-                  <a:pt x="128164" y="17204"/>
-                  <a:pt x="312653" y="1129"/>
-                  <a:pt x="563791" y="0"/>
-                </a:cubicBezTo>
-                <a:cubicBezTo>
-                  <a:pt x="814929" y="-1129"/>
-                  <a:pt x="837271" y="8503"/>
-                  <a:pt x="1042710" y="0"/>
-                </a:cubicBezTo>
-                <a:cubicBezTo>
-                  <a:pt x="1248149" y="-8503"/>
-                  <a:pt x="1588432" y="-28862"/>
-                  <a:pt x="1733809" y="0"/>
-                </a:cubicBezTo>
-                <a:cubicBezTo>
-                  <a:pt x="1879186" y="28862"/>
-                  <a:pt x="2052815" y="5974"/>
-                  <a:pt x="2297600" y="0"/>
-                </a:cubicBezTo>
-                <a:cubicBezTo>
-                  <a:pt x="2542385" y="-5974"/>
-                  <a:pt x="2699960" y="-23550"/>
-                  <a:pt x="2861391" y="0"/>
-                </a:cubicBezTo>
-                <a:cubicBezTo>
-                  <a:pt x="3022822" y="23550"/>
-                  <a:pt x="3390411" y="25272"/>
-                  <a:pt x="3552490" y="0"/>
-                </a:cubicBezTo>
-                <a:cubicBezTo>
-                  <a:pt x="3714569" y="-25272"/>
-                  <a:pt x="3950585" y="-31327"/>
-                  <a:pt x="4243589" y="0"/>
-                </a:cubicBezTo>
-                <a:cubicBezTo>
-                  <a:pt x="4244074" y="9333"/>
-                  <a:pt x="4244867" y="19699"/>
-                  <a:pt x="4243589" y="27432"/>
-                </a:cubicBezTo>
-                <a:cubicBezTo>
-                  <a:pt x="4130424" y="7904"/>
-                  <a:pt x="3932803" y="51393"/>
-                  <a:pt x="3722234" y="27432"/>
-                </a:cubicBezTo>
-                <a:cubicBezTo>
-                  <a:pt x="3511665" y="3471"/>
-                  <a:pt x="3269903" y="55138"/>
-                  <a:pt x="3116007" y="27432"/>
-                </a:cubicBezTo>
-                <a:cubicBezTo>
-                  <a:pt x="2962111" y="-274"/>
-                  <a:pt x="2744280" y="32368"/>
-                  <a:pt x="2509780" y="27432"/>
-                </a:cubicBezTo>
-                <a:cubicBezTo>
-                  <a:pt x="2275280" y="22496"/>
-                  <a:pt x="2066059" y="52808"/>
-                  <a:pt x="1945989" y="27432"/>
-                </a:cubicBezTo>
-                <a:cubicBezTo>
-                  <a:pt x="1825919" y="2056"/>
-                  <a:pt x="1407329" y="21760"/>
-                  <a:pt x="1254890" y="27432"/>
-                </a:cubicBezTo>
-                <a:cubicBezTo>
-                  <a:pt x="1102451" y="33104"/>
-                  <a:pt x="837950" y="40817"/>
-                  <a:pt x="563791" y="27432"/>
-                </a:cubicBezTo>
-                <a:cubicBezTo>
-                  <a:pt x="289632" y="14047"/>
-                  <a:pt x="132768" y="16249"/>
-                  <a:pt x="0" y="27432"/>
-                </a:cubicBezTo>
-                <a:cubicBezTo>
-                  <a:pt x="211" y="18145"/>
-                  <a:pt x="120" y="6480"/>
-                  <a:pt x="0" y="0"/>
-                </a:cubicBezTo>
-                <a:close/>
-              </a:path>
-            </a:pathLst>
-          </a:custGeom>
-          <a:solidFill>
-            <a:schemeClr val="tx1"/>
-          </a:solidFill>
-          <a:ln w="38100" cap="rnd">
-            <a:solidFill>
-              <a:schemeClr val="tx1"/>
-            </a:solidFill>
-            <a:round/>
-            <a:extLst>
-              <a:ext uri="{C807C97D-BFC1-408E-A445-0C87EB9F89A2}">
-                <ask:lineSketchStyleProps xmlns:ask="http://schemas.microsoft.com/office/drawing/2018/sketchyshapes" sd="1219033472">
-                  <a:prstGeom prst="rect">
-                    <a:avLst/>
-                  </a:prstGeom>
-                  <ask:type>
-                    <ask:lineSketchFreehand/>
-                  </ask:type>
-                </ask:lineSketchStyleProps>
-              </a:ext>
-            </a:extLst>
-          </a:ln>
-        </p:spPr>
-        <p:style>
-          <a:lnRef idx="2">
-            <a:schemeClr val="accent1">
-              <a:shade val="50000"/>
-            </a:schemeClr>
-          </a:lnRef>
-          <a:fillRef idx="1">
-            <a:schemeClr val="accent1"/>
-          </a:fillRef>
-          <a:effectRef idx="0">
-            <a:schemeClr val="accent1"/>
-          </a:effectRef>
-          <a:fontRef idx="minor">
-            <a:schemeClr val="lt1"/>
-          </a:fontRef>
-        </p:style>
-        <p:txBody>
-          <a:bodyPr rtlCol="0" anchor="ctr"/>
-          <a:lstStyle/>
-          <a:p>
-            <a:pPr algn="ctr"/>
-            <a:endParaRPr lang="en-US">
-              <a:solidFill>
-                <a:schemeClr val="tx1"/>
-              </a:solidFill>
-            </a:endParaRPr>
-          </a:p>
-        </p:txBody>
-      </p:sp>
-      <p:sp useBgFill="1">
-        <p:nvSpPr>
-          <p:cNvPr id="24" name="Rectangle 16">
-            <a:extLst>
-              <a:ext uri="{FF2B5EF4-FFF2-40B4-BE49-F238E27FC236}">
-                <a16:creationId xmlns:a16="http://schemas.microsoft.com/office/drawing/2014/main" id="{9B7AD9F6-8CE7-4299-8FC6-328F4DCD3FF9}"/>
+                <a16:creationId xmlns:a16="http://schemas.microsoft.com/office/drawing/2014/main" id="{F13C74B1-5B17-4795-BED0-7140497B445A}"/>
               </a:ext>
               <a:ext uri="{C183D7F6-B498-43B3-948B-1728B52AA6E4}">
                 <adec:decorative xmlns:adec="http://schemas.microsoft.com/office/drawing/2017/decorative" val="1"/>
@@ -9328,38 +8982,34 @@
         </p:nvSpPr>
         <p:spPr>
           <a:xfrm>
-            <a:off x="890338" y="640080"/>
-            <a:ext cx="3734014" cy="3566160"/>
+            <a:off x="640080" y="325369"/>
+            <a:ext cx="4368602" cy="1956841"/>
           </a:xfrm>
         </p:spPr>
         <p:txBody>
-          <a:bodyPr vert="horz" lIns="91440" tIns="45720" rIns="91440" bIns="45720" rtlCol="0" anchor="b">
+          <a:bodyPr anchor="b">
             <a:normAutofit/>
           </a:bodyPr>
           <a:lstStyle/>
           <a:p>
-            <a:pPr algn="ctr">
+            <a:pPr>
               <a:lnSpc>
                 <a:spcPct val="90000"/>
               </a:lnSpc>
             </a:pPr>
             <a:r>
-              <a:rPr lang="en-US" sz="5600" dirty="0" err="1"/>
-              <a:t>Minimun</a:t>
-            </a:r>
-            <a:r>
-              <a:rPr lang="en-US" sz="5600" dirty="0"/>
-              <a:t> Viable Product</a:t>
+              <a:rPr lang="en-ES" sz="5600"/>
+              <a:t>Methodology</a:t>
             </a:r>
           </a:p>
         </p:txBody>
       </p:sp>
       <p:sp>
         <p:nvSpPr>
-          <p:cNvPr id="25" name="Rectangle 6">
+          <p:cNvPr id="14" name="Rectangle 6">
             <a:extLst>
               <a:ext uri="{FF2B5EF4-FFF2-40B4-BE49-F238E27FC236}">
-                <a16:creationId xmlns:a16="http://schemas.microsoft.com/office/drawing/2014/main" id="{F49775AF-8896-43EE-92C6-83497D6DC56F}"/>
+                <a16:creationId xmlns:a16="http://schemas.microsoft.com/office/drawing/2014/main" id="{3FCFB1DE-0B7E-48CC-BA90-B2AB0889F9D6}"/>
               </a:ext>
               <a:ext uri="{C183D7F6-B498-43B3-948B-1728B52AA6E4}">
                 <adec:decorative xmlns:adec="http://schemas.microsoft.com/office/drawing/2017/decorative" val="1"/>
@@ -9379,36 +9029,42 @@
         </p:nvSpPr>
         <p:spPr>
           <a:xfrm>
-            <a:off x="890338" y="4409267"/>
-            <a:ext cx="3474720" cy="27432"/>
+            <a:off x="765093" y="2563839"/>
+            <a:ext cx="3931920" cy="27432"/>
           </a:xfrm>
           <a:custGeom>
             <a:avLst/>
             <a:gdLst>
-              <a:gd name="connsiteX0" fmla="*/ 0 w 3474720"/>
+              <a:gd name="connsiteX0" fmla="*/ 0 w 3931920"/>
               <a:gd name="connsiteY0" fmla="*/ 0 h 27432"/>
-              <a:gd name="connsiteX1" fmla="*/ 660197 w 3474720"/>
+              <a:gd name="connsiteX1" fmla="*/ 733958 w 3931920"/>
               <a:gd name="connsiteY1" fmla="*/ 0 h 27432"/>
-              <a:gd name="connsiteX2" fmla="*/ 1355141 w 3474720"/>
+              <a:gd name="connsiteX2" fmla="*/ 1428598 w 3931920"/>
               <a:gd name="connsiteY2" fmla="*/ 0 h 27432"/>
-              <a:gd name="connsiteX3" fmla="*/ 2084832 w 3474720"/>
+              <a:gd name="connsiteX3" fmla="*/ 2123237 w 3931920"/>
               <a:gd name="connsiteY3" fmla="*/ 0 h 27432"/>
-              <a:gd name="connsiteX4" fmla="*/ 2814523 w 3474720"/>
+              <a:gd name="connsiteX4" fmla="*/ 2660599 w 3931920"/>
               <a:gd name="connsiteY4" fmla="*/ 0 h 27432"/>
-              <a:gd name="connsiteX5" fmla="*/ 3474720 w 3474720"/>
+              <a:gd name="connsiteX5" fmla="*/ 3237281 w 3931920"/>
               <a:gd name="connsiteY5" fmla="*/ 0 h 27432"/>
-              <a:gd name="connsiteX6" fmla="*/ 3474720 w 3474720"/>
-              <a:gd name="connsiteY6" fmla="*/ 27432 h 27432"/>
-              <a:gd name="connsiteX7" fmla="*/ 2710282 w 3474720"/>
+              <a:gd name="connsiteX6" fmla="*/ 3931920 w 3931920"/>
+              <a:gd name="connsiteY6" fmla="*/ 0 h 27432"/>
+              <a:gd name="connsiteX7" fmla="*/ 3931920 w 3931920"/>
               <a:gd name="connsiteY7" fmla="*/ 27432 h 27432"/>
-              <a:gd name="connsiteX8" fmla="*/ 1945843 w 3474720"/>
+              <a:gd name="connsiteX8" fmla="*/ 3276600 w 3931920"/>
               <a:gd name="connsiteY8" fmla="*/ 27432 h 27432"/>
-              <a:gd name="connsiteX9" fmla="*/ 1250899 w 3474720"/>
+              <a:gd name="connsiteX9" fmla="*/ 2739238 w 3931920"/>
               <a:gd name="connsiteY9" fmla="*/ 27432 h 27432"/>
-              <a:gd name="connsiteX10" fmla="*/ 0 w 3474720"/>
+              <a:gd name="connsiteX10" fmla="*/ 2201875 w 3931920"/>
               <a:gd name="connsiteY10" fmla="*/ 27432 h 27432"/>
-              <a:gd name="connsiteX11" fmla="*/ 0 w 3474720"/>
-              <a:gd name="connsiteY11" fmla="*/ 0 h 27432"/>
+              <a:gd name="connsiteX11" fmla="*/ 1507236 w 3931920"/>
+              <a:gd name="connsiteY11" fmla="*/ 27432 h 27432"/>
+              <a:gd name="connsiteX12" fmla="*/ 930554 w 3931920"/>
+              <a:gd name="connsiteY12" fmla="*/ 27432 h 27432"/>
+              <a:gd name="connsiteX13" fmla="*/ 0 w 3931920"/>
+              <a:gd name="connsiteY13" fmla="*/ 27432 h 27432"/>
+              <a:gd name="connsiteX14" fmla="*/ 0 w 3931920"/>
+              <a:gd name="connsiteY14" fmla="*/ 0 h 27432"/>
             </a:gdLst>
             <a:ahLst/>
             <a:cxnLst>
@@ -9448,132 +9104,166 @@
               <a:cxn ang="0">
                 <a:pos x="connsiteX11" y="connsiteY11"/>
               </a:cxn>
+              <a:cxn ang="0">
+                <a:pos x="connsiteX12" y="connsiteY12"/>
+              </a:cxn>
+              <a:cxn ang="0">
+                <a:pos x="connsiteX13" y="connsiteY13"/>
+              </a:cxn>
+              <a:cxn ang="0">
+                <a:pos x="connsiteX14" y="connsiteY14"/>
+              </a:cxn>
             </a:cxnLst>
             <a:rect l="l" t="t" r="r" b="b"/>
             <a:pathLst>
-              <a:path w="3474720" h="27432" fill="none" extrusionOk="0">
+              <a:path w="3931920" h="27432" fill="none" extrusionOk="0">
                 <a:moveTo>
                   <a:pt x="0" y="0"/>
                 </a:moveTo>
                 <a:cubicBezTo>
-                  <a:pt x="307185" y="-8713"/>
-                  <a:pt x="392307" y="-13121"/>
-                  <a:pt x="660197" y="0"/>
-                </a:cubicBezTo>
-                <a:cubicBezTo>
-                  <a:pt x="928087" y="13121"/>
-                  <a:pt x="1167029" y="-2668"/>
-                  <a:pt x="1355141" y="0"/>
-                </a:cubicBezTo>
-                <a:cubicBezTo>
-                  <a:pt x="1543253" y="2668"/>
-                  <a:pt x="1739408" y="-6709"/>
-                  <a:pt x="2084832" y="0"/>
-                </a:cubicBezTo>
-                <a:cubicBezTo>
-                  <a:pt x="2430256" y="6709"/>
-                  <a:pt x="2538889" y="29706"/>
-                  <a:pt x="2814523" y="0"/>
-                </a:cubicBezTo>
-                <a:cubicBezTo>
-                  <a:pt x="3090157" y="-29706"/>
-                  <a:pt x="3152920" y="-15446"/>
-                  <a:pt x="3474720" y="0"/>
-                </a:cubicBezTo>
-                <a:cubicBezTo>
-                  <a:pt x="3473554" y="7395"/>
-                  <a:pt x="3474765" y="21864"/>
-                  <a:pt x="3474720" y="27432"/>
-                </a:cubicBezTo>
-                <a:cubicBezTo>
-                  <a:pt x="3275380" y="12730"/>
-                  <a:pt x="2958934" y="10130"/>
-                  <a:pt x="2710282" y="27432"/>
-                </a:cubicBezTo>
-                <a:cubicBezTo>
-                  <a:pt x="2461630" y="44734"/>
-                  <a:pt x="2131168" y="43757"/>
-                  <a:pt x="1945843" y="27432"/>
-                </a:cubicBezTo>
-                <a:cubicBezTo>
-                  <a:pt x="1760518" y="11107"/>
-                  <a:pt x="1444829" y="-3738"/>
-                  <a:pt x="1250899" y="27432"/>
-                </a:cubicBezTo>
-                <a:cubicBezTo>
-                  <a:pt x="1056969" y="58602"/>
-                  <a:pt x="444992" y="52761"/>
+                  <a:pt x="245351" y="16874"/>
+                  <a:pt x="509174" y="13736"/>
+                  <a:pt x="733958" y="0"/>
+                </a:cubicBezTo>
+                <a:cubicBezTo>
+                  <a:pt x="958742" y="-13736"/>
+                  <a:pt x="1245406" y="-17215"/>
+                  <a:pt x="1428598" y="0"/>
+                </a:cubicBezTo>
+                <a:cubicBezTo>
+                  <a:pt x="1611790" y="17215"/>
+                  <a:pt x="1930525" y="20562"/>
+                  <a:pt x="2123237" y="0"/>
+                </a:cubicBezTo>
+                <a:cubicBezTo>
+                  <a:pt x="2315949" y="-20562"/>
+                  <a:pt x="2485508" y="11332"/>
+                  <a:pt x="2660599" y="0"/>
+                </a:cubicBezTo>
+                <a:cubicBezTo>
+                  <a:pt x="2835690" y="-11332"/>
+                  <a:pt x="3075198" y="-14809"/>
+                  <a:pt x="3237281" y="0"/>
+                </a:cubicBezTo>
+                <a:cubicBezTo>
+                  <a:pt x="3399364" y="14809"/>
+                  <a:pt x="3745084" y="-4992"/>
+                  <a:pt x="3931920" y="0"/>
+                </a:cubicBezTo>
+                <a:cubicBezTo>
+                  <a:pt x="3930963" y="8431"/>
+                  <a:pt x="3931571" y="14612"/>
+                  <a:pt x="3931920" y="27432"/>
+                </a:cubicBezTo>
+                <a:cubicBezTo>
+                  <a:pt x="3765435" y="40792"/>
+                  <a:pt x="3452398" y="38703"/>
+                  <a:pt x="3276600" y="27432"/>
+                </a:cubicBezTo>
+                <a:cubicBezTo>
+                  <a:pt x="3100802" y="16161"/>
+                  <a:pt x="2914889" y="26998"/>
+                  <a:pt x="2739238" y="27432"/>
+                </a:cubicBezTo>
+                <a:cubicBezTo>
+                  <a:pt x="2563587" y="27866"/>
+                  <a:pt x="2395484" y="39154"/>
+                  <a:pt x="2201875" y="27432"/>
+                </a:cubicBezTo>
+                <a:cubicBezTo>
+                  <a:pt x="2008266" y="15710"/>
+                  <a:pt x="1781367" y="4899"/>
+                  <a:pt x="1507236" y="27432"/>
+                </a:cubicBezTo>
+                <a:cubicBezTo>
+                  <a:pt x="1233105" y="49965"/>
+                  <a:pt x="1075495" y="47542"/>
+                  <a:pt x="930554" y="27432"/>
+                </a:cubicBezTo>
+                <a:cubicBezTo>
+                  <a:pt x="785613" y="7322"/>
+                  <a:pt x="268930" y="30433"/>
                   <a:pt x="0" y="27432"/>
                 </a:cubicBezTo>
                 <a:cubicBezTo>
-                  <a:pt x="-503" y="20663"/>
-                  <a:pt x="1168" y="5855"/>
+                  <a:pt x="226" y="18208"/>
+                  <a:pt x="-648" y="12891"/>
                   <a:pt x="0" y="0"/>
                 </a:cubicBezTo>
                 <a:close/>
               </a:path>
-              <a:path w="3474720" h="27432" stroke="0" extrusionOk="0">
+              <a:path w="3931920" h="27432" stroke="0" extrusionOk="0">
                 <a:moveTo>
                   <a:pt x="0" y="0"/>
                 </a:moveTo>
                 <a:cubicBezTo>
-                  <a:pt x="300114" y="-5103"/>
-                  <a:pt x="525093" y="-25284"/>
-                  <a:pt x="660197" y="0"/>
-                </a:cubicBezTo>
-                <a:cubicBezTo>
-                  <a:pt x="795301" y="25284"/>
-                  <a:pt x="1023172" y="17955"/>
-                  <a:pt x="1250899" y="0"/>
-                </a:cubicBezTo>
-                <a:cubicBezTo>
-                  <a:pt x="1478626" y="-17955"/>
-                  <a:pt x="1782079" y="-27844"/>
-                  <a:pt x="2015338" y="0"/>
-                </a:cubicBezTo>
-                <a:cubicBezTo>
-                  <a:pt x="2248597" y="27844"/>
-                  <a:pt x="2491007" y="27648"/>
-                  <a:pt x="2675534" y="0"/>
-                </a:cubicBezTo>
-                <a:cubicBezTo>
-                  <a:pt x="2860061" y="-27648"/>
-                  <a:pt x="3088679" y="-3661"/>
-                  <a:pt x="3474720" y="0"/>
-                </a:cubicBezTo>
-                <a:cubicBezTo>
-                  <a:pt x="3474913" y="12649"/>
-                  <a:pt x="3473732" y="17989"/>
-                  <a:pt x="3474720" y="27432"/>
-                </a:cubicBezTo>
-                <a:cubicBezTo>
-                  <a:pt x="3317198" y="15714"/>
-                  <a:pt x="2959205" y="52182"/>
-                  <a:pt x="2779776" y="27432"/>
-                </a:cubicBezTo>
-                <a:cubicBezTo>
-                  <a:pt x="2600347" y="2682"/>
-                  <a:pt x="2382660" y="-684"/>
-                  <a:pt x="2015338" y="27432"/>
-                </a:cubicBezTo>
-                <a:cubicBezTo>
-                  <a:pt x="1648016" y="55548"/>
-                  <a:pt x="1641073" y="39646"/>
-                  <a:pt x="1424635" y="27432"/>
-                </a:cubicBezTo>
-                <a:cubicBezTo>
-                  <a:pt x="1208197" y="15218"/>
-                  <a:pt x="1021559" y="15893"/>
-                  <a:pt x="729691" y="27432"/>
-                </a:cubicBezTo>
-                <a:cubicBezTo>
-                  <a:pt x="437823" y="38971"/>
-                  <a:pt x="153856" y="-2647"/>
+                  <a:pt x="278269" y="4786"/>
+                  <a:pt x="349028" y="-10422"/>
+                  <a:pt x="616001" y="0"/>
+                </a:cubicBezTo>
+                <a:cubicBezTo>
+                  <a:pt x="882974" y="10422"/>
+                  <a:pt x="931617" y="-15515"/>
+                  <a:pt x="1153363" y="0"/>
+                </a:cubicBezTo>
+                <a:cubicBezTo>
+                  <a:pt x="1375109" y="15515"/>
+                  <a:pt x="1704089" y="-3631"/>
+                  <a:pt x="1887322" y="0"/>
+                </a:cubicBezTo>
+                <a:cubicBezTo>
+                  <a:pt x="2070555" y="3631"/>
+                  <a:pt x="2344155" y="2213"/>
+                  <a:pt x="2503322" y="0"/>
+                </a:cubicBezTo>
+                <a:cubicBezTo>
+                  <a:pt x="2662489" y="-2213"/>
+                  <a:pt x="2976859" y="26691"/>
+                  <a:pt x="3119323" y="0"/>
+                </a:cubicBezTo>
+                <a:cubicBezTo>
+                  <a:pt x="3261787" y="-26691"/>
+                  <a:pt x="3588171" y="-28651"/>
+                  <a:pt x="3931920" y="0"/>
+                </a:cubicBezTo>
+                <a:cubicBezTo>
+                  <a:pt x="3930565" y="9524"/>
+                  <a:pt x="3930718" y="13975"/>
+                  <a:pt x="3931920" y="27432"/>
+                </a:cubicBezTo>
+                <a:cubicBezTo>
+                  <a:pt x="3664329" y="4021"/>
+                  <a:pt x="3437686" y="14511"/>
+                  <a:pt x="3276600" y="27432"/>
+                </a:cubicBezTo>
+                <a:cubicBezTo>
+                  <a:pt x="3115514" y="40353"/>
+                  <a:pt x="2913592" y="48967"/>
+                  <a:pt x="2739238" y="27432"/>
+                </a:cubicBezTo>
+                <a:cubicBezTo>
+                  <a:pt x="2564884" y="5897"/>
+                  <a:pt x="2294049" y="39820"/>
+                  <a:pt x="2083918" y="27432"/>
+                </a:cubicBezTo>
+                <a:cubicBezTo>
+                  <a:pt x="1873787" y="15044"/>
+                  <a:pt x="1718903" y="21388"/>
+                  <a:pt x="1428598" y="27432"/>
+                </a:cubicBezTo>
+                <a:cubicBezTo>
+                  <a:pt x="1138293" y="33476"/>
+                  <a:pt x="952209" y="50441"/>
+                  <a:pt x="812597" y="27432"/>
+                </a:cubicBezTo>
+                <a:cubicBezTo>
+                  <a:pt x="672985" y="4423"/>
+                  <a:pt x="305800" y="28240"/>
                   <a:pt x="0" y="27432"/>
                 </a:cubicBezTo>
                 <a:cubicBezTo>
-                  <a:pt x="1300" y="19678"/>
-                  <a:pt x="-86" y="12044"/>
+                  <a:pt x="-800" y="16780"/>
+                  <a:pt x="-583" y="12910"/>
                   <a:pt x="0" y="0"/>
                 </a:cubicBezTo>
                 <a:close/>
@@ -9627,6 +9317,712 @@
           </a:p>
         </p:txBody>
       </p:sp>
+      <p:sp>
+        <p:nvSpPr>
+          <p:cNvPr id="9" name="Content Placeholder 8">
+            <a:extLst>
+              <a:ext uri="{FF2B5EF4-FFF2-40B4-BE49-F238E27FC236}">
+                <a16:creationId xmlns:a16="http://schemas.microsoft.com/office/drawing/2014/main" id="{D786DDD8-5C56-494F-AB7D-195D2BC01450}"/>
+              </a:ext>
+            </a:extLst>
+          </p:cNvPr>
+          <p:cNvSpPr>
+            <a:spLocks noGrp="1"/>
+          </p:cNvSpPr>
+          <p:nvPr>
+            <p:ph idx="1"/>
+          </p:nvPr>
+        </p:nvSpPr>
+        <p:spPr>
+          <a:xfrm>
+            <a:off x="640080" y="2872899"/>
+            <a:ext cx="4243589" cy="3320668"/>
+          </a:xfrm>
+        </p:spPr>
+        <p:txBody>
+          <a:bodyPr>
+            <a:normAutofit/>
+          </a:bodyPr>
+          <a:lstStyle/>
+          <a:p>
+            <a:pPr>
+              <a:lnSpc>
+                <a:spcPct val="200000"/>
+              </a:lnSpc>
+            </a:pPr>
+            <a:r>
+              <a:rPr lang="en-US" dirty="0"/>
+              <a:t>Web Scraping using </a:t>
+            </a:r>
+            <a:r>
+              <a:rPr lang="en-US" dirty="0" err="1"/>
+              <a:t>BeautifulSoup</a:t>
+            </a:r>
+            <a:endParaRPr lang="en-US" dirty="0"/>
+          </a:p>
+          <a:p>
+            <a:pPr>
+              <a:lnSpc>
+                <a:spcPct val="200000"/>
+              </a:lnSpc>
+            </a:pPr>
+            <a:r>
+              <a:rPr lang="en-US" dirty="0"/>
+              <a:t>EDA, Cleaning &amp; Wrangling</a:t>
+            </a:r>
+          </a:p>
+          <a:p>
+            <a:pPr>
+              <a:lnSpc>
+                <a:spcPct val="200000"/>
+              </a:lnSpc>
+            </a:pPr>
+            <a:r>
+              <a:rPr lang="en-US" dirty="0"/>
+              <a:t>Sentiment Analysis</a:t>
+            </a:r>
+          </a:p>
+        </p:txBody>
+      </p:sp>
+      <p:pic>
+        <p:nvPicPr>
+          <p:cNvPr id="5" name="Content Placeholder 4" descr="A picture containing dessert&#10;&#10;Description automatically generated">
+            <a:extLst>
+              <a:ext uri="{FF2B5EF4-FFF2-40B4-BE49-F238E27FC236}">
+                <a16:creationId xmlns:a16="http://schemas.microsoft.com/office/drawing/2014/main" id="{88CB4A5A-EA5C-A442-AEBB-5E49496AA6F5}"/>
+              </a:ext>
+            </a:extLst>
+          </p:cNvPr>
+          <p:cNvPicPr>
+            <a:picLocks noChangeAspect="1"/>
+          </p:cNvPicPr>
+          <p:nvPr/>
+        </p:nvPicPr>
+        <p:blipFill rotWithShape="1">
+          <a:blip r:embed="rId2"/>
+          <a:srcRect b="303"/>
+          <a:stretch/>
+        </p:blipFill>
+        <p:spPr>
+          <a:xfrm>
+            <a:off x="5311702" y="10"/>
+            <a:ext cx="6878775" cy="6857990"/>
+          </a:xfrm>
+          <a:custGeom>
+            <a:avLst/>
+            <a:gdLst/>
+            <a:ahLst/>
+            <a:cxnLst/>
+            <a:rect l="l" t="t" r="r" b="b"/>
+            <a:pathLst>
+              <a:path w="6878775" h="6858000">
+                <a:moveTo>
+                  <a:pt x="1102973" y="0"/>
+                </a:moveTo>
+                <a:lnTo>
+                  <a:pt x="1160688" y="0"/>
+                </a:lnTo>
+                <a:lnTo>
+                  <a:pt x="983189" y="331786"/>
+                </a:lnTo>
+                <a:cubicBezTo>
+                  <a:pt x="914866" y="469145"/>
+                  <a:pt x="850355" y="608712"/>
+                  <a:pt x="789261" y="750263"/>
+                </a:cubicBezTo>
+                <a:cubicBezTo>
+                  <a:pt x="774307" y="784928"/>
+                  <a:pt x="759992" y="819849"/>
+                  <a:pt x="745295" y="854514"/>
+                </a:cubicBezTo>
+                <a:cubicBezTo>
+                  <a:pt x="756682" y="845393"/>
+                  <a:pt x="765489" y="833492"/>
+                  <a:pt x="770857" y="819975"/>
+                </a:cubicBezTo>
+                <a:cubicBezTo>
+                  <a:pt x="879943" y="589569"/>
+                  <a:pt x="999605" y="365513"/>
+                  <a:pt x="1131329" y="148742"/>
+                </a:cubicBezTo>
+                <a:lnTo>
+                  <a:pt x="1227589" y="0"/>
+                </a:lnTo>
+                <a:lnTo>
+                  <a:pt x="6878775" y="0"/>
+                </a:lnTo>
+                <a:lnTo>
+                  <a:pt x="6878775" y="6858000"/>
+                </a:lnTo>
+                <a:lnTo>
+                  <a:pt x="713521" y="6858000"/>
+                </a:lnTo>
+                <a:lnTo>
+                  <a:pt x="625642" y="6670527"/>
+                </a:lnTo>
+                <a:cubicBezTo>
+                  <a:pt x="507232" y="6398531"/>
+                  <a:pt x="403083" y="6118381"/>
+                  <a:pt x="312785" y="5830359"/>
+                </a:cubicBezTo>
+                <a:cubicBezTo>
+                  <a:pt x="278149" y="5719759"/>
+                  <a:pt x="248879" y="5607635"/>
+                  <a:pt x="212198" y="5480401"/>
+                </a:cubicBezTo>
+                <a:cubicBezTo>
+                  <a:pt x="212208" y="5491601"/>
+                  <a:pt x="212803" y="5502788"/>
+                  <a:pt x="213988" y="5513923"/>
+                </a:cubicBezTo>
+                <a:cubicBezTo>
+                  <a:pt x="264089" y="5723695"/>
+                  <a:pt x="307290" y="5935370"/>
+                  <a:pt x="365826" y="6142729"/>
+                </a:cubicBezTo>
+                <a:cubicBezTo>
+                  <a:pt x="433152" y="6380817"/>
+                  <a:pt x="510068" y="6614016"/>
+                  <a:pt x="597975" y="6841549"/>
+                </a:cubicBezTo>
+                <a:lnTo>
+                  <a:pt x="604824" y="6858000"/>
+                </a:lnTo>
+                <a:lnTo>
+                  <a:pt x="552056" y="6858000"/>
+                </a:lnTo>
+                <a:lnTo>
+                  <a:pt x="539576" y="6828295"/>
+                </a:lnTo>
+                <a:cubicBezTo>
+                  <a:pt x="380597" y="6414594"/>
+                  <a:pt x="260223" y="5988893"/>
+                  <a:pt x="171555" y="5552906"/>
+                </a:cubicBezTo>
+                <a:cubicBezTo>
+                  <a:pt x="91163" y="5157998"/>
+                  <a:pt x="43746" y="4758899"/>
+                  <a:pt x="12305" y="4357388"/>
+                </a:cubicBezTo>
+                <a:cubicBezTo>
+                  <a:pt x="-14281" y="4013908"/>
+                  <a:pt x="4507" y="3672965"/>
+                  <a:pt x="46684" y="3331516"/>
+                </a:cubicBezTo>
+                <a:cubicBezTo>
+                  <a:pt x="127203" y="2664286"/>
+                  <a:pt x="277819" y="2007265"/>
+                  <a:pt x="496065" y="1371196"/>
+                </a:cubicBezTo>
+                <a:cubicBezTo>
+                  <a:pt x="636273" y="966066"/>
+                  <a:pt x="800445" y="573253"/>
+                  <a:pt x="995723" y="196614"/>
+                </a:cubicBezTo>
+                <a:close/>
+              </a:path>
+            </a:pathLst>
+          </a:custGeom>
+        </p:spPr>
+      </p:pic>
+    </p:spTree>
+    <p:extLst>
+      <p:ext uri="{BB962C8B-B14F-4D97-AF65-F5344CB8AC3E}">
+        <p14:creationId xmlns:p14="http://schemas.microsoft.com/office/powerpoint/2010/main" val="418889022"/>
+      </p:ext>
+    </p:extLst>
+  </p:cSld>
+  <p:clrMapOvr>
+    <a:masterClrMapping/>
+  </p:clrMapOvr>
+</p:sld>
+</file>
+
+<file path=ppt/slides/slide4.xml><?xml version="1.0" encoding="utf-8"?>
+<p:sld xmlns:a="http://schemas.openxmlformats.org/drawingml/2006/main" xmlns:r="http://schemas.openxmlformats.org/officeDocument/2006/relationships" xmlns:p="http://schemas.openxmlformats.org/presentationml/2006/main">
+  <p:cSld>
+    <p:bg>
+      <p:bgPr>
+        <a:solidFill>
+          <a:schemeClr val="bg1"/>
+        </a:solidFill>
+        <a:effectLst/>
+      </p:bgPr>
+    </p:bg>
+    <p:spTree>
+      <p:nvGrpSpPr>
+        <p:cNvPr id="1" name=""/>
+        <p:cNvGrpSpPr/>
+        <p:nvPr/>
+      </p:nvGrpSpPr>
+      <p:grpSpPr>
+        <a:xfrm>
+          <a:off x="0" y="0"/>
+          <a:ext cx="0" cy="0"/>
+          <a:chOff x="0" y="0"/>
+          <a:chExt cx="0" cy="0"/>
+        </a:xfrm>
+      </p:grpSpPr>
+      <p:sp useBgFill="1">
+        <p:nvSpPr>
+          <p:cNvPr id="32" name="Rectangle 31">
+            <a:extLst>
+              <a:ext uri="{FF2B5EF4-FFF2-40B4-BE49-F238E27FC236}">
+                <a16:creationId xmlns:a16="http://schemas.microsoft.com/office/drawing/2014/main" id="{F13C74B1-5B17-4795-BED0-7140497B445A}"/>
+              </a:ext>
+              <a:ext uri="{C183D7F6-B498-43B3-948B-1728B52AA6E4}">
+                <adec:decorative xmlns:adec="http://schemas.microsoft.com/office/drawing/2017/decorative" val="1"/>
+              </a:ext>
+            </a:extLst>
+          </p:cNvPr>
+          <p:cNvSpPr>
+            <a:spLocks noGrp="1" noRot="1" noChangeAspect="1" noMove="1" noResize="1" noEditPoints="1" noAdjustHandles="1" noChangeArrowheads="1" noChangeShapeType="1" noTextEdit="1"/>
+          </p:cNvSpPr>
+          <p:nvPr>
+            <p:extLst>
+              <p:ext uri="{386F3935-93C4-4BCD-93E2-E3B085C9AB24}">
+                <p16:designElem xmlns:p16="http://schemas.microsoft.com/office/powerpoint/2015/main" val="1"/>
+              </p:ext>
+            </p:extLst>
+          </p:nvPr>
+        </p:nvSpPr>
+        <p:spPr>
+          <a:xfrm>
+            <a:off x="0" y="0"/>
+            <a:ext cx="12188952" cy="6858000"/>
+          </a:xfrm>
+          <a:prstGeom prst="rect">
+            <a:avLst/>
+          </a:prstGeom>
+          <a:ln>
+            <a:noFill/>
+          </a:ln>
+        </p:spPr>
+        <p:style>
+          <a:lnRef idx="2">
+            <a:schemeClr val="accent1">
+              <a:shade val="50000"/>
+            </a:schemeClr>
+          </a:lnRef>
+          <a:fillRef idx="1">
+            <a:schemeClr val="accent1"/>
+          </a:fillRef>
+          <a:effectRef idx="0">
+            <a:schemeClr val="accent1"/>
+          </a:effectRef>
+          <a:fontRef idx="minor">
+            <a:schemeClr val="lt1"/>
+          </a:fontRef>
+        </p:style>
+        <p:txBody>
+          <a:bodyPr rtlCol="0" anchor="ctr"/>
+          <a:lstStyle/>
+          <a:p>
+            <a:pPr algn="ctr"/>
+            <a:endParaRPr lang="en-US"/>
+          </a:p>
+        </p:txBody>
+      </p:sp>
+      <p:sp>
+        <p:nvSpPr>
+          <p:cNvPr id="2" name="Title 1">
+            <a:extLst>
+              <a:ext uri="{FF2B5EF4-FFF2-40B4-BE49-F238E27FC236}">
+                <a16:creationId xmlns:a16="http://schemas.microsoft.com/office/drawing/2014/main" id="{DBC06074-C32D-AA45-8B6A-0F84938C2BDA}"/>
+              </a:ext>
+            </a:extLst>
+          </p:cNvPr>
+          <p:cNvSpPr>
+            <a:spLocks noGrp="1"/>
+          </p:cNvSpPr>
+          <p:nvPr>
+            <p:ph type="title"/>
+          </p:nvPr>
+        </p:nvSpPr>
+        <p:spPr>
+          <a:xfrm>
+            <a:off x="640080" y="325369"/>
+            <a:ext cx="4368602" cy="1956841"/>
+          </a:xfrm>
+        </p:spPr>
+        <p:txBody>
+          <a:bodyPr vert="horz" lIns="91440" tIns="45720" rIns="91440" bIns="45720" rtlCol="0" anchor="b">
+            <a:normAutofit/>
+          </a:bodyPr>
+          <a:lstStyle/>
+          <a:p>
+            <a:pPr>
+              <a:lnSpc>
+                <a:spcPct val="90000"/>
+              </a:lnSpc>
+            </a:pPr>
+            <a:r>
+              <a:rPr lang="en-US" sz="4600"/>
+              <a:t>Minimum Viable Product</a:t>
+            </a:r>
+          </a:p>
+        </p:txBody>
+      </p:sp>
+      <p:sp>
+        <p:nvSpPr>
+          <p:cNvPr id="34" name="Rectangle 6">
+            <a:extLst>
+              <a:ext uri="{FF2B5EF4-FFF2-40B4-BE49-F238E27FC236}">
+                <a16:creationId xmlns:a16="http://schemas.microsoft.com/office/drawing/2014/main" id="{3FCFB1DE-0B7E-48CC-BA90-B2AB0889F9D6}"/>
+              </a:ext>
+              <a:ext uri="{C183D7F6-B498-43B3-948B-1728B52AA6E4}">
+                <adec:decorative xmlns:adec="http://schemas.microsoft.com/office/drawing/2017/decorative" val="1"/>
+              </a:ext>
+            </a:extLst>
+          </p:cNvPr>
+          <p:cNvSpPr>
+            <a:spLocks noGrp="1" noRot="1" noChangeAspect="1" noMove="1" noResize="1" noEditPoints="1" noAdjustHandles="1" noChangeArrowheads="1" noChangeShapeType="1" noTextEdit="1"/>
+          </p:cNvSpPr>
+          <p:nvPr>
+            <p:extLst>
+              <p:ext uri="{386F3935-93C4-4BCD-93E2-E3B085C9AB24}">
+                <p16:designElem xmlns:p16="http://schemas.microsoft.com/office/powerpoint/2015/main" val="1"/>
+              </p:ext>
+            </p:extLst>
+          </p:nvPr>
+        </p:nvSpPr>
+        <p:spPr>
+          <a:xfrm>
+            <a:off x="765093" y="2563839"/>
+            <a:ext cx="3931920" cy="27432"/>
+          </a:xfrm>
+          <a:custGeom>
+            <a:avLst/>
+            <a:gdLst>
+              <a:gd name="connsiteX0" fmla="*/ 0 w 3931920"/>
+              <a:gd name="connsiteY0" fmla="*/ 0 h 27432"/>
+              <a:gd name="connsiteX1" fmla="*/ 733958 w 3931920"/>
+              <a:gd name="connsiteY1" fmla="*/ 0 h 27432"/>
+              <a:gd name="connsiteX2" fmla="*/ 1428598 w 3931920"/>
+              <a:gd name="connsiteY2" fmla="*/ 0 h 27432"/>
+              <a:gd name="connsiteX3" fmla="*/ 2123237 w 3931920"/>
+              <a:gd name="connsiteY3" fmla="*/ 0 h 27432"/>
+              <a:gd name="connsiteX4" fmla="*/ 2660599 w 3931920"/>
+              <a:gd name="connsiteY4" fmla="*/ 0 h 27432"/>
+              <a:gd name="connsiteX5" fmla="*/ 3237281 w 3931920"/>
+              <a:gd name="connsiteY5" fmla="*/ 0 h 27432"/>
+              <a:gd name="connsiteX6" fmla="*/ 3931920 w 3931920"/>
+              <a:gd name="connsiteY6" fmla="*/ 0 h 27432"/>
+              <a:gd name="connsiteX7" fmla="*/ 3931920 w 3931920"/>
+              <a:gd name="connsiteY7" fmla="*/ 27432 h 27432"/>
+              <a:gd name="connsiteX8" fmla="*/ 3276600 w 3931920"/>
+              <a:gd name="connsiteY8" fmla="*/ 27432 h 27432"/>
+              <a:gd name="connsiteX9" fmla="*/ 2739238 w 3931920"/>
+              <a:gd name="connsiteY9" fmla="*/ 27432 h 27432"/>
+              <a:gd name="connsiteX10" fmla="*/ 2201875 w 3931920"/>
+              <a:gd name="connsiteY10" fmla="*/ 27432 h 27432"/>
+              <a:gd name="connsiteX11" fmla="*/ 1507236 w 3931920"/>
+              <a:gd name="connsiteY11" fmla="*/ 27432 h 27432"/>
+              <a:gd name="connsiteX12" fmla="*/ 930554 w 3931920"/>
+              <a:gd name="connsiteY12" fmla="*/ 27432 h 27432"/>
+              <a:gd name="connsiteX13" fmla="*/ 0 w 3931920"/>
+              <a:gd name="connsiteY13" fmla="*/ 27432 h 27432"/>
+              <a:gd name="connsiteX14" fmla="*/ 0 w 3931920"/>
+              <a:gd name="connsiteY14" fmla="*/ 0 h 27432"/>
+            </a:gdLst>
+            <a:ahLst/>
+            <a:cxnLst>
+              <a:cxn ang="0">
+                <a:pos x="connsiteX0" y="connsiteY0"/>
+              </a:cxn>
+              <a:cxn ang="0">
+                <a:pos x="connsiteX1" y="connsiteY1"/>
+              </a:cxn>
+              <a:cxn ang="0">
+                <a:pos x="connsiteX2" y="connsiteY2"/>
+              </a:cxn>
+              <a:cxn ang="0">
+                <a:pos x="connsiteX3" y="connsiteY3"/>
+              </a:cxn>
+              <a:cxn ang="0">
+                <a:pos x="connsiteX4" y="connsiteY4"/>
+              </a:cxn>
+              <a:cxn ang="0">
+                <a:pos x="connsiteX5" y="connsiteY5"/>
+              </a:cxn>
+              <a:cxn ang="0">
+                <a:pos x="connsiteX6" y="connsiteY6"/>
+              </a:cxn>
+              <a:cxn ang="0">
+                <a:pos x="connsiteX7" y="connsiteY7"/>
+              </a:cxn>
+              <a:cxn ang="0">
+                <a:pos x="connsiteX8" y="connsiteY8"/>
+              </a:cxn>
+              <a:cxn ang="0">
+                <a:pos x="connsiteX9" y="connsiteY9"/>
+              </a:cxn>
+              <a:cxn ang="0">
+                <a:pos x="connsiteX10" y="connsiteY10"/>
+              </a:cxn>
+              <a:cxn ang="0">
+                <a:pos x="connsiteX11" y="connsiteY11"/>
+              </a:cxn>
+              <a:cxn ang="0">
+                <a:pos x="connsiteX12" y="connsiteY12"/>
+              </a:cxn>
+              <a:cxn ang="0">
+                <a:pos x="connsiteX13" y="connsiteY13"/>
+              </a:cxn>
+              <a:cxn ang="0">
+                <a:pos x="connsiteX14" y="connsiteY14"/>
+              </a:cxn>
+            </a:cxnLst>
+            <a:rect l="l" t="t" r="r" b="b"/>
+            <a:pathLst>
+              <a:path w="3931920" h="27432" fill="none" extrusionOk="0">
+                <a:moveTo>
+                  <a:pt x="0" y="0"/>
+                </a:moveTo>
+                <a:cubicBezTo>
+                  <a:pt x="245351" y="16874"/>
+                  <a:pt x="509174" y="13736"/>
+                  <a:pt x="733958" y="0"/>
+                </a:cubicBezTo>
+                <a:cubicBezTo>
+                  <a:pt x="958742" y="-13736"/>
+                  <a:pt x="1245406" y="-17215"/>
+                  <a:pt x="1428598" y="0"/>
+                </a:cubicBezTo>
+                <a:cubicBezTo>
+                  <a:pt x="1611790" y="17215"/>
+                  <a:pt x="1930525" y="20562"/>
+                  <a:pt x="2123237" y="0"/>
+                </a:cubicBezTo>
+                <a:cubicBezTo>
+                  <a:pt x="2315949" y="-20562"/>
+                  <a:pt x="2485508" y="11332"/>
+                  <a:pt x="2660599" y="0"/>
+                </a:cubicBezTo>
+                <a:cubicBezTo>
+                  <a:pt x="2835690" y="-11332"/>
+                  <a:pt x="3075198" y="-14809"/>
+                  <a:pt x="3237281" y="0"/>
+                </a:cubicBezTo>
+                <a:cubicBezTo>
+                  <a:pt x="3399364" y="14809"/>
+                  <a:pt x="3745084" y="-4992"/>
+                  <a:pt x="3931920" y="0"/>
+                </a:cubicBezTo>
+                <a:cubicBezTo>
+                  <a:pt x="3930963" y="8431"/>
+                  <a:pt x="3931571" y="14612"/>
+                  <a:pt x="3931920" y="27432"/>
+                </a:cubicBezTo>
+                <a:cubicBezTo>
+                  <a:pt x="3765435" y="40792"/>
+                  <a:pt x="3452398" y="38703"/>
+                  <a:pt x="3276600" y="27432"/>
+                </a:cubicBezTo>
+                <a:cubicBezTo>
+                  <a:pt x="3100802" y="16161"/>
+                  <a:pt x="2914889" y="26998"/>
+                  <a:pt x="2739238" y="27432"/>
+                </a:cubicBezTo>
+                <a:cubicBezTo>
+                  <a:pt x="2563587" y="27866"/>
+                  <a:pt x="2395484" y="39154"/>
+                  <a:pt x="2201875" y="27432"/>
+                </a:cubicBezTo>
+                <a:cubicBezTo>
+                  <a:pt x="2008266" y="15710"/>
+                  <a:pt x="1781367" y="4899"/>
+                  <a:pt x="1507236" y="27432"/>
+                </a:cubicBezTo>
+                <a:cubicBezTo>
+                  <a:pt x="1233105" y="49965"/>
+                  <a:pt x="1075495" y="47542"/>
+                  <a:pt x="930554" y="27432"/>
+                </a:cubicBezTo>
+                <a:cubicBezTo>
+                  <a:pt x="785613" y="7322"/>
+                  <a:pt x="268930" y="30433"/>
+                  <a:pt x="0" y="27432"/>
+                </a:cubicBezTo>
+                <a:cubicBezTo>
+                  <a:pt x="226" y="18208"/>
+                  <a:pt x="-648" y="12891"/>
+                  <a:pt x="0" y="0"/>
+                </a:cubicBezTo>
+                <a:close/>
+              </a:path>
+              <a:path w="3931920" h="27432" stroke="0" extrusionOk="0">
+                <a:moveTo>
+                  <a:pt x="0" y="0"/>
+                </a:moveTo>
+                <a:cubicBezTo>
+                  <a:pt x="278269" y="4786"/>
+                  <a:pt x="349028" y="-10422"/>
+                  <a:pt x="616001" y="0"/>
+                </a:cubicBezTo>
+                <a:cubicBezTo>
+                  <a:pt x="882974" y="10422"/>
+                  <a:pt x="931617" y="-15515"/>
+                  <a:pt x="1153363" y="0"/>
+                </a:cubicBezTo>
+                <a:cubicBezTo>
+                  <a:pt x="1375109" y="15515"/>
+                  <a:pt x="1704089" y="-3631"/>
+                  <a:pt x="1887322" y="0"/>
+                </a:cubicBezTo>
+                <a:cubicBezTo>
+                  <a:pt x="2070555" y="3631"/>
+                  <a:pt x="2344155" y="2213"/>
+                  <a:pt x="2503322" y="0"/>
+                </a:cubicBezTo>
+                <a:cubicBezTo>
+                  <a:pt x="2662489" y="-2213"/>
+                  <a:pt x="2976859" y="26691"/>
+                  <a:pt x="3119323" y="0"/>
+                </a:cubicBezTo>
+                <a:cubicBezTo>
+                  <a:pt x="3261787" y="-26691"/>
+                  <a:pt x="3588171" y="-28651"/>
+                  <a:pt x="3931920" y="0"/>
+                </a:cubicBezTo>
+                <a:cubicBezTo>
+                  <a:pt x="3930565" y="9524"/>
+                  <a:pt x="3930718" y="13975"/>
+                  <a:pt x="3931920" y="27432"/>
+                </a:cubicBezTo>
+                <a:cubicBezTo>
+                  <a:pt x="3664329" y="4021"/>
+                  <a:pt x="3437686" y="14511"/>
+                  <a:pt x="3276600" y="27432"/>
+                </a:cubicBezTo>
+                <a:cubicBezTo>
+                  <a:pt x="3115514" y="40353"/>
+                  <a:pt x="2913592" y="48967"/>
+                  <a:pt x="2739238" y="27432"/>
+                </a:cubicBezTo>
+                <a:cubicBezTo>
+                  <a:pt x="2564884" y="5897"/>
+                  <a:pt x="2294049" y="39820"/>
+                  <a:pt x="2083918" y="27432"/>
+                </a:cubicBezTo>
+                <a:cubicBezTo>
+                  <a:pt x="1873787" y="15044"/>
+                  <a:pt x="1718903" y="21388"/>
+                  <a:pt x="1428598" y="27432"/>
+                </a:cubicBezTo>
+                <a:cubicBezTo>
+                  <a:pt x="1138293" y="33476"/>
+                  <a:pt x="952209" y="50441"/>
+                  <a:pt x="812597" y="27432"/>
+                </a:cubicBezTo>
+                <a:cubicBezTo>
+                  <a:pt x="672985" y="4423"/>
+                  <a:pt x="305800" y="28240"/>
+                  <a:pt x="0" y="27432"/>
+                </a:cubicBezTo>
+                <a:cubicBezTo>
+                  <a:pt x="-800" y="16780"/>
+                  <a:pt x="-583" y="12910"/>
+                  <a:pt x="0" y="0"/>
+                </a:cubicBezTo>
+                <a:close/>
+              </a:path>
+            </a:pathLst>
+          </a:custGeom>
+          <a:solidFill>
+            <a:srgbClr val="5F30E8"/>
+          </a:solidFill>
+          <a:ln w="38100" cap="rnd">
+            <a:solidFill>
+              <a:srgbClr val="5F30E8"/>
+            </a:solidFill>
+            <a:round/>
+            <a:extLst>
+              <a:ext uri="{C807C97D-BFC1-408E-A445-0C87EB9F89A2}">
+                <ask:lineSketchStyleProps xmlns:ask="http://schemas.microsoft.com/office/drawing/2018/sketchyshapes" sd="1219033472">
+                  <a:prstGeom prst="rect">
+                    <a:avLst/>
+                  </a:prstGeom>
+                  <ask:type>
+                    <ask:lineSketchFreehand/>
+                  </ask:type>
+                </ask:lineSketchStyleProps>
+              </a:ext>
+            </a:extLst>
+          </a:ln>
+        </p:spPr>
+        <p:style>
+          <a:lnRef idx="2">
+            <a:schemeClr val="accent1">
+              <a:shade val="50000"/>
+            </a:schemeClr>
+          </a:lnRef>
+          <a:fillRef idx="1">
+            <a:schemeClr val="accent1"/>
+          </a:fillRef>
+          <a:effectRef idx="0">
+            <a:schemeClr val="accent1"/>
+          </a:effectRef>
+          <a:fontRef idx="minor">
+            <a:schemeClr val="lt1"/>
+          </a:fontRef>
+        </p:style>
+        <p:txBody>
+          <a:bodyPr rtlCol="0" anchor="ctr"/>
+          <a:lstStyle/>
+          <a:p>
+            <a:pPr algn="ctr"/>
+            <a:endParaRPr lang="en-US"/>
+          </a:p>
+        </p:txBody>
+      </p:sp>
+      <p:sp>
+        <p:nvSpPr>
+          <p:cNvPr id="29" name="Content Placeholder 28">
+            <a:extLst>
+              <a:ext uri="{FF2B5EF4-FFF2-40B4-BE49-F238E27FC236}">
+                <a16:creationId xmlns:a16="http://schemas.microsoft.com/office/drawing/2014/main" id="{9D859E47-18BB-4A9F-AD7D-F460C34757A1}"/>
+              </a:ext>
+            </a:extLst>
+          </p:cNvPr>
+          <p:cNvSpPr>
+            <a:spLocks noGrp="1"/>
+          </p:cNvSpPr>
+          <p:nvPr>
+            <p:ph idx="1"/>
+          </p:nvPr>
+        </p:nvSpPr>
+        <p:spPr>
+          <a:xfrm>
+            <a:off x="609258" y="3064301"/>
+            <a:ext cx="4243589" cy="3320668"/>
+          </a:xfrm>
+        </p:spPr>
+        <p:txBody>
+          <a:bodyPr>
+            <a:normAutofit/>
+          </a:bodyPr>
+          <a:lstStyle/>
+          <a:p>
+            <a:r>
+              <a:rPr lang="en-US" dirty="0"/>
+              <a:t>User inputs 3 ingredients in his/her fridge</a:t>
+            </a:r>
+          </a:p>
+          <a:p>
+            <a:r>
+              <a:rPr lang="en-US" dirty="0"/>
+              <a:t>This is cross-referenced with our dataset of scraped data</a:t>
+            </a:r>
+          </a:p>
+          <a:p>
+            <a:r>
+              <a:rPr lang="en-US" dirty="0"/>
+              <a:t>Recommender returns top 5 recipes in terms of sentiment score  that contain at least these 3 ingredients.</a:t>
+            </a:r>
+          </a:p>
+        </p:txBody>
+      </p:sp>
       <p:pic>
         <p:nvPicPr>
           <p:cNvPr id="5" name="Content Placeholder 4" descr="Background pattern&#10;&#10;Description automatically generated">
@@ -9637,11 +10033,9 @@
             </a:extLst>
           </p:cNvPr>
           <p:cNvPicPr>
-            <a:picLocks noGrp="1" noChangeAspect="1"/>
+            <a:picLocks noChangeAspect="1"/>
           </p:cNvPicPr>
-          <p:nvPr>
-            <p:ph idx="1"/>
-          </p:nvPr>
+          <p:nvPr/>
         </p:nvPicPr>
         <p:blipFill rotWithShape="1">
           <a:blip r:embed="rId3"/>
@@ -9875,630 +10269,6 @@
 </p:sld>
 </file>
 
-<file path=ppt/slides/slide4.xml><?xml version="1.0" encoding="utf-8"?>
-<p:sld xmlns:a="http://schemas.openxmlformats.org/drawingml/2006/main" xmlns:r="http://schemas.openxmlformats.org/officeDocument/2006/relationships" xmlns:p="http://schemas.openxmlformats.org/presentationml/2006/main">
-  <p:cSld>
-    <p:bg>
-      <p:bgPr>
-        <a:solidFill>
-          <a:schemeClr val="bg1"/>
-        </a:solidFill>
-        <a:effectLst/>
-      </p:bgPr>
-    </p:bg>
-    <p:spTree>
-      <p:nvGrpSpPr>
-        <p:cNvPr id="1" name=""/>
-        <p:cNvGrpSpPr/>
-        <p:nvPr/>
-      </p:nvGrpSpPr>
-      <p:grpSpPr>
-        <a:xfrm>
-          <a:off x="0" y="0"/>
-          <a:ext cx="0" cy="0"/>
-          <a:chOff x="0" y="0"/>
-          <a:chExt cx="0" cy="0"/>
-        </a:xfrm>
-      </p:grpSpPr>
-      <p:sp useBgFill="1">
-        <p:nvSpPr>
-          <p:cNvPr id="12" name="Rectangle 11">
-            <a:extLst>
-              <a:ext uri="{FF2B5EF4-FFF2-40B4-BE49-F238E27FC236}">
-                <a16:creationId xmlns:a16="http://schemas.microsoft.com/office/drawing/2014/main" id="{F13C74B1-5B17-4795-BED0-7140497B445A}"/>
-              </a:ext>
-              <a:ext uri="{C183D7F6-B498-43B3-948B-1728B52AA6E4}">
-                <adec:decorative xmlns:adec="http://schemas.microsoft.com/office/drawing/2017/decorative" val="1"/>
-              </a:ext>
-            </a:extLst>
-          </p:cNvPr>
-          <p:cNvSpPr>
-            <a:spLocks noGrp="1" noRot="1" noChangeAspect="1" noMove="1" noResize="1" noEditPoints="1" noAdjustHandles="1" noChangeArrowheads="1" noChangeShapeType="1" noTextEdit="1"/>
-          </p:cNvSpPr>
-          <p:nvPr>
-            <p:extLst>
-              <p:ext uri="{386F3935-93C4-4BCD-93E2-E3B085C9AB24}">
-                <p16:designElem xmlns:p16="http://schemas.microsoft.com/office/powerpoint/2015/main" val="1"/>
-              </p:ext>
-            </p:extLst>
-          </p:nvPr>
-        </p:nvSpPr>
-        <p:spPr>
-          <a:xfrm>
-            <a:off x="0" y="0"/>
-            <a:ext cx="12188952" cy="6858000"/>
-          </a:xfrm>
-          <a:prstGeom prst="rect">
-            <a:avLst/>
-          </a:prstGeom>
-          <a:ln>
-            <a:noFill/>
-          </a:ln>
-        </p:spPr>
-        <p:style>
-          <a:lnRef idx="2">
-            <a:schemeClr val="accent1">
-              <a:shade val="50000"/>
-            </a:schemeClr>
-          </a:lnRef>
-          <a:fillRef idx="1">
-            <a:schemeClr val="accent1"/>
-          </a:fillRef>
-          <a:effectRef idx="0">
-            <a:schemeClr val="accent1"/>
-          </a:effectRef>
-          <a:fontRef idx="minor">
-            <a:schemeClr val="lt1"/>
-          </a:fontRef>
-        </p:style>
-        <p:txBody>
-          <a:bodyPr rtlCol="0" anchor="ctr"/>
-          <a:lstStyle/>
-          <a:p>
-            <a:pPr algn="ctr"/>
-            <a:endParaRPr lang="en-US"/>
-          </a:p>
-        </p:txBody>
-      </p:sp>
-      <p:sp>
-        <p:nvSpPr>
-          <p:cNvPr id="2" name="Title 1">
-            <a:extLst>
-              <a:ext uri="{FF2B5EF4-FFF2-40B4-BE49-F238E27FC236}">
-                <a16:creationId xmlns:a16="http://schemas.microsoft.com/office/drawing/2014/main" id="{DBC06074-C32D-AA45-8B6A-0F84938C2BDA}"/>
-              </a:ext>
-            </a:extLst>
-          </p:cNvPr>
-          <p:cNvSpPr>
-            <a:spLocks noGrp="1"/>
-          </p:cNvSpPr>
-          <p:nvPr>
-            <p:ph type="title"/>
-          </p:nvPr>
-        </p:nvSpPr>
-        <p:spPr>
-          <a:xfrm>
-            <a:off x="640080" y="325369"/>
-            <a:ext cx="4368602" cy="1956841"/>
-          </a:xfrm>
-        </p:spPr>
-        <p:txBody>
-          <a:bodyPr anchor="b">
-            <a:normAutofit/>
-          </a:bodyPr>
-          <a:lstStyle/>
-          <a:p>
-            <a:pPr>
-              <a:lnSpc>
-                <a:spcPct val="90000"/>
-              </a:lnSpc>
-            </a:pPr>
-            <a:r>
-              <a:rPr lang="en-ES" sz="5600"/>
-              <a:t>Methodology</a:t>
-            </a:r>
-          </a:p>
-        </p:txBody>
-      </p:sp>
-      <p:sp>
-        <p:nvSpPr>
-          <p:cNvPr id="14" name="Rectangle 6">
-            <a:extLst>
-              <a:ext uri="{FF2B5EF4-FFF2-40B4-BE49-F238E27FC236}">
-                <a16:creationId xmlns:a16="http://schemas.microsoft.com/office/drawing/2014/main" id="{3FCFB1DE-0B7E-48CC-BA90-B2AB0889F9D6}"/>
-              </a:ext>
-              <a:ext uri="{C183D7F6-B498-43B3-948B-1728B52AA6E4}">
-                <adec:decorative xmlns:adec="http://schemas.microsoft.com/office/drawing/2017/decorative" val="1"/>
-              </a:ext>
-            </a:extLst>
-          </p:cNvPr>
-          <p:cNvSpPr>
-            <a:spLocks noGrp="1" noRot="1" noChangeAspect="1" noMove="1" noResize="1" noEditPoints="1" noAdjustHandles="1" noChangeArrowheads="1" noChangeShapeType="1" noTextEdit="1"/>
-          </p:cNvSpPr>
-          <p:nvPr>
-            <p:extLst>
-              <p:ext uri="{386F3935-93C4-4BCD-93E2-E3B085C9AB24}">
-                <p16:designElem xmlns:p16="http://schemas.microsoft.com/office/powerpoint/2015/main" val="1"/>
-              </p:ext>
-            </p:extLst>
-          </p:nvPr>
-        </p:nvSpPr>
-        <p:spPr>
-          <a:xfrm>
-            <a:off x="765093" y="2563839"/>
-            <a:ext cx="3931920" cy="27432"/>
-          </a:xfrm>
-          <a:custGeom>
-            <a:avLst/>
-            <a:gdLst>
-              <a:gd name="connsiteX0" fmla="*/ 0 w 3931920"/>
-              <a:gd name="connsiteY0" fmla="*/ 0 h 27432"/>
-              <a:gd name="connsiteX1" fmla="*/ 733958 w 3931920"/>
-              <a:gd name="connsiteY1" fmla="*/ 0 h 27432"/>
-              <a:gd name="connsiteX2" fmla="*/ 1428598 w 3931920"/>
-              <a:gd name="connsiteY2" fmla="*/ 0 h 27432"/>
-              <a:gd name="connsiteX3" fmla="*/ 2123237 w 3931920"/>
-              <a:gd name="connsiteY3" fmla="*/ 0 h 27432"/>
-              <a:gd name="connsiteX4" fmla="*/ 2660599 w 3931920"/>
-              <a:gd name="connsiteY4" fmla="*/ 0 h 27432"/>
-              <a:gd name="connsiteX5" fmla="*/ 3237281 w 3931920"/>
-              <a:gd name="connsiteY5" fmla="*/ 0 h 27432"/>
-              <a:gd name="connsiteX6" fmla="*/ 3931920 w 3931920"/>
-              <a:gd name="connsiteY6" fmla="*/ 0 h 27432"/>
-              <a:gd name="connsiteX7" fmla="*/ 3931920 w 3931920"/>
-              <a:gd name="connsiteY7" fmla="*/ 27432 h 27432"/>
-              <a:gd name="connsiteX8" fmla="*/ 3276600 w 3931920"/>
-              <a:gd name="connsiteY8" fmla="*/ 27432 h 27432"/>
-              <a:gd name="connsiteX9" fmla="*/ 2739238 w 3931920"/>
-              <a:gd name="connsiteY9" fmla="*/ 27432 h 27432"/>
-              <a:gd name="connsiteX10" fmla="*/ 2201875 w 3931920"/>
-              <a:gd name="connsiteY10" fmla="*/ 27432 h 27432"/>
-              <a:gd name="connsiteX11" fmla="*/ 1507236 w 3931920"/>
-              <a:gd name="connsiteY11" fmla="*/ 27432 h 27432"/>
-              <a:gd name="connsiteX12" fmla="*/ 930554 w 3931920"/>
-              <a:gd name="connsiteY12" fmla="*/ 27432 h 27432"/>
-              <a:gd name="connsiteX13" fmla="*/ 0 w 3931920"/>
-              <a:gd name="connsiteY13" fmla="*/ 27432 h 27432"/>
-              <a:gd name="connsiteX14" fmla="*/ 0 w 3931920"/>
-              <a:gd name="connsiteY14" fmla="*/ 0 h 27432"/>
-            </a:gdLst>
-            <a:ahLst/>
-            <a:cxnLst>
-              <a:cxn ang="0">
-                <a:pos x="connsiteX0" y="connsiteY0"/>
-              </a:cxn>
-              <a:cxn ang="0">
-                <a:pos x="connsiteX1" y="connsiteY1"/>
-              </a:cxn>
-              <a:cxn ang="0">
-                <a:pos x="connsiteX2" y="connsiteY2"/>
-              </a:cxn>
-              <a:cxn ang="0">
-                <a:pos x="connsiteX3" y="connsiteY3"/>
-              </a:cxn>
-              <a:cxn ang="0">
-                <a:pos x="connsiteX4" y="connsiteY4"/>
-              </a:cxn>
-              <a:cxn ang="0">
-                <a:pos x="connsiteX5" y="connsiteY5"/>
-              </a:cxn>
-              <a:cxn ang="0">
-                <a:pos x="connsiteX6" y="connsiteY6"/>
-              </a:cxn>
-              <a:cxn ang="0">
-                <a:pos x="connsiteX7" y="connsiteY7"/>
-              </a:cxn>
-              <a:cxn ang="0">
-                <a:pos x="connsiteX8" y="connsiteY8"/>
-              </a:cxn>
-              <a:cxn ang="0">
-                <a:pos x="connsiteX9" y="connsiteY9"/>
-              </a:cxn>
-              <a:cxn ang="0">
-                <a:pos x="connsiteX10" y="connsiteY10"/>
-              </a:cxn>
-              <a:cxn ang="0">
-                <a:pos x="connsiteX11" y="connsiteY11"/>
-              </a:cxn>
-              <a:cxn ang="0">
-                <a:pos x="connsiteX12" y="connsiteY12"/>
-              </a:cxn>
-              <a:cxn ang="0">
-                <a:pos x="connsiteX13" y="connsiteY13"/>
-              </a:cxn>
-              <a:cxn ang="0">
-                <a:pos x="connsiteX14" y="connsiteY14"/>
-              </a:cxn>
-            </a:cxnLst>
-            <a:rect l="l" t="t" r="r" b="b"/>
-            <a:pathLst>
-              <a:path w="3931920" h="27432" fill="none" extrusionOk="0">
-                <a:moveTo>
-                  <a:pt x="0" y="0"/>
-                </a:moveTo>
-                <a:cubicBezTo>
-                  <a:pt x="245351" y="16874"/>
-                  <a:pt x="509174" y="13736"/>
-                  <a:pt x="733958" y="0"/>
-                </a:cubicBezTo>
-                <a:cubicBezTo>
-                  <a:pt x="958742" y="-13736"/>
-                  <a:pt x="1245406" y="-17215"/>
-                  <a:pt x="1428598" y="0"/>
-                </a:cubicBezTo>
-                <a:cubicBezTo>
-                  <a:pt x="1611790" y="17215"/>
-                  <a:pt x="1930525" y="20562"/>
-                  <a:pt x="2123237" y="0"/>
-                </a:cubicBezTo>
-                <a:cubicBezTo>
-                  <a:pt x="2315949" y="-20562"/>
-                  <a:pt x="2485508" y="11332"/>
-                  <a:pt x="2660599" y="0"/>
-                </a:cubicBezTo>
-                <a:cubicBezTo>
-                  <a:pt x="2835690" y="-11332"/>
-                  <a:pt x="3075198" y="-14809"/>
-                  <a:pt x="3237281" y="0"/>
-                </a:cubicBezTo>
-                <a:cubicBezTo>
-                  <a:pt x="3399364" y="14809"/>
-                  <a:pt x="3745084" y="-4992"/>
-                  <a:pt x="3931920" y="0"/>
-                </a:cubicBezTo>
-                <a:cubicBezTo>
-                  <a:pt x="3930963" y="8431"/>
-                  <a:pt x="3931571" y="14612"/>
-                  <a:pt x="3931920" y="27432"/>
-                </a:cubicBezTo>
-                <a:cubicBezTo>
-                  <a:pt x="3765435" y="40792"/>
-                  <a:pt x="3452398" y="38703"/>
-                  <a:pt x="3276600" y="27432"/>
-                </a:cubicBezTo>
-                <a:cubicBezTo>
-                  <a:pt x="3100802" y="16161"/>
-                  <a:pt x="2914889" y="26998"/>
-                  <a:pt x="2739238" y="27432"/>
-                </a:cubicBezTo>
-                <a:cubicBezTo>
-                  <a:pt x="2563587" y="27866"/>
-                  <a:pt x="2395484" y="39154"/>
-                  <a:pt x="2201875" y="27432"/>
-                </a:cubicBezTo>
-                <a:cubicBezTo>
-                  <a:pt x="2008266" y="15710"/>
-                  <a:pt x="1781367" y="4899"/>
-                  <a:pt x="1507236" y="27432"/>
-                </a:cubicBezTo>
-                <a:cubicBezTo>
-                  <a:pt x="1233105" y="49965"/>
-                  <a:pt x="1075495" y="47542"/>
-                  <a:pt x="930554" y="27432"/>
-                </a:cubicBezTo>
-                <a:cubicBezTo>
-                  <a:pt x="785613" y="7322"/>
-                  <a:pt x="268930" y="30433"/>
-                  <a:pt x="0" y="27432"/>
-                </a:cubicBezTo>
-                <a:cubicBezTo>
-                  <a:pt x="226" y="18208"/>
-                  <a:pt x="-648" y="12891"/>
-                  <a:pt x="0" y="0"/>
-                </a:cubicBezTo>
-                <a:close/>
-              </a:path>
-              <a:path w="3931920" h="27432" stroke="0" extrusionOk="0">
-                <a:moveTo>
-                  <a:pt x="0" y="0"/>
-                </a:moveTo>
-                <a:cubicBezTo>
-                  <a:pt x="278269" y="4786"/>
-                  <a:pt x="349028" y="-10422"/>
-                  <a:pt x="616001" y="0"/>
-                </a:cubicBezTo>
-                <a:cubicBezTo>
-                  <a:pt x="882974" y="10422"/>
-                  <a:pt x="931617" y="-15515"/>
-                  <a:pt x="1153363" y="0"/>
-                </a:cubicBezTo>
-                <a:cubicBezTo>
-                  <a:pt x="1375109" y="15515"/>
-                  <a:pt x="1704089" y="-3631"/>
-                  <a:pt x="1887322" y="0"/>
-                </a:cubicBezTo>
-                <a:cubicBezTo>
-                  <a:pt x="2070555" y="3631"/>
-                  <a:pt x="2344155" y="2213"/>
-                  <a:pt x="2503322" y="0"/>
-                </a:cubicBezTo>
-                <a:cubicBezTo>
-                  <a:pt x="2662489" y="-2213"/>
-                  <a:pt x="2976859" y="26691"/>
-                  <a:pt x="3119323" y="0"/>
-                </a:cubicBezTo>
-                <a:cubicBezTo>
-                  <a:pt x="3261787" y="-26691"/>
-                  <a:pt x="3588171" y="-28651"/>
-                  <a:pt x="3931920" y="0"/>
-                </a:cubicBezTo>
-                <a:cubicBezTo>
-                  <a:pt x="3930565" y="9524"/>
-                  <a:pt x="3930718" y="13975"/>
-                  <a:pt x="3931920" y="27432"/>
-                </a:cubicBezTo>
-                <a:cubicBezTo>
-                  <a:pt x="3664329" y="4021"/>
-                  <a:pt x="3437686" y="14511"/>
-                  <a:pt x="3276600" y="27432"/>
-                </a:cubicBezTo>
-                <a:cubicBezTo>
-                  <a:pt x="3115514" y="40353"/>
-                  <a:pt x="2913592" y="48967"/>
-                  <a:pt x="2739238" y="27432"/>
-                </a:cubicBezTo>
-                <a:cubicBezTo>
-                  <a:pt x="2564884" y="5897"/>
-                  <a:pt x="2294049" y="39820"/>
-                  <a:pt x="2083918" y="27432"/>
-                </a:cubicBezTo>
-                <a:cubicBezTo>
-                  <a:pt x="1873787" y="15044"/>
-                  <a:pt x="1718903" y="21388"/>
-                  <a:pt x="1428598" y="27432"/>
-                </a:cubicBezTo>
-                <a:cubicBezTo>
-                  <a:pt x="1138293" y="33476"/>
-                  <a:pt x="952209" y="50441"/>
-                  <a:pt x="812597" y="27432"/>
-                </a:cubicBezTo>
-                <a:cubicBezTo>
-                  <a:pt x="672985" y="4423"/>
-                  <a:pt x="305800" y="28240"/>
-                  <a:pt x="0" y="27432"/>
-                </a:cubicBezTo>
-                <a:cubicBezTo>
-                  <a:pt x="-800" y="16780"/>
-                  <a:pt x="-583" y="12910"/>
-                  <a:pt x="0" y="0"/>
-                </a:cubicBezTo>
-                <a:close/>
-              </a:path>
-            </a:pathLst>
-          </a:custGeom>
-          <a:solidFill>
-            <a:srgbClr val="5F30E8"/>
-          </a:solidFill>
-          <a:ln w="38100" cap="rnd">
-            <a:solidFill>
-              <a:srgbClr val="5F30E8"/>
-            </a:solidFill>
-            <a:round/>
-            <a:extLst>
-              <a:ext uri="{C807C97D-BFC1-408E-A445-0C87EB9F89A2}">
-                <ask:lineSketchStyleProps xmlns:ask="http://schemas.microsoft.com/office/drawing/2018/sketchyshapes" sd="1219033472">
-                  <a:prstGeom prst="rect">
-                    <a:avLst/>
-                  </a:prstGeom>
-                  <ask:type>
-                    <ask:lineSketchFreehand/>
-                  </ask:type>
-                </ask:lineSketchStyleProps>
-              </a:ext>
-            </a:extLst>
-          </a:ln>
-        </p:spPr>
-        <p:style>
-          <a:lnRef idx="2">
-            <a:schemeClr val="accent1">
-              <a:shade val="50000"/>
-            </a:schemeClr>
-          </a:lnRef>
-          <a:fillRef idx="1">
-            <a:schemeClr val="accent1"/>
-          </a:fillRef>
-          <a:effectRef idx="0">
-            <a:schemeClr val="accent1"/>
-          </a:effectRef>
-          <a:fontRef idx="minor">
-            <a:schemeClr val="lt1"/>
-          </a:fontRef>
-        </p:style>
-        <p:txBody>
-          <a:bodyPr rtlCol="0" anchor="ctr"/>
-          <a:lstStyle/>
-          <a:p>
-            <a:pPr algn="ctr"/>
-            <a:endParaRPr lang="en-US"/>
-          </a:p>
-        </p:txBody>
-      </p:sp>
-      <p:sp>
-        <p:nvSpPr>
-          <p:cNvPr id="9" name="Content Placeholder 8">
-            <a:extLst>
-              <a:ext uri="{FF2B5EF4-FFF2-40B4-BE49-F238E27FC236}">
-                <a16:creationId xmlns:a16="http://schemas.microsoft.com/office/drawing/2014/main" id="{D786DDD8-5C56-494F-AB7D-195D2BC01450}"/>
-              </a:ext>
-            </a:extLst>
-          </p:cNvPr>
-          <p:cNvSpPr>
-            <a:spLocks noGrp="1"/>
-          </p:cNvSpPr>
-          <p:nvPr>
-            <p:ph idx="1"/>
-          </p:nvPr>
-        </p:nvSpPr>
-        <p:spPr>
-          <a:xfrm>
-            <a:off x="640080" y="2872899"/>
-            <a:ext cx="4243589" cy="3320668"/>
-          </a:xfrm>
-        </p:spPr>
-        <p:txBody>
-          <a:bodyPr>
-            <a:normAutofit/>
-          </a:bodyPr>
-          <a:lstStyle/>
-          <a:p>
-            <a:endParaRPr lang="en-US"/>
-          </a:p>
-        </p:txBody>
-      </p:sp>
-      <p:pic>
-        <p:nvPicPr>
-          <p:cNvPr id="5" name="Content Placeholder 4" descr="A picture containing dessert&#10;&#10;Description automatically generated">
-            <a:extLst>
-              <a:ext uri="{FF2B5EF4-FFF2-40B4-BE49-F238E27FC236}">
-                <a16:creationId xmlns:a16="http://schemas.microsoft.com/office/drawing/2014/main" id="{88CB4A5A-EA5C-A442-AEBB-5E49496AA6F5}"/>
-              </a:ext>
-            </a:extLst>
-          </p:cNvPr>
-          <p:cNvPicPr>
-            <a:picLocks noChangeAspect="1"/>
-          </p:cNvPicPr>
-          <p:nvPr/>
-        </p:nvPicPr>
-        <p:blipFill rotWithShape="1">
-          <a:blip r:embed="rId2"/>
-          <a:srcRect b="303"/>
-          <a:stretch/>
-        </p:blipFill>
-        <p:spPr>
-          <a:xfrm>
-            <a:off x="5311702" y="10"/>
-            <a:ext cx="6878775" cy="6857990"/>
-          </a:xfrm>
-          <a:custGeom>
-            <a:avLst/>
-            <a:gdLst/>
-            <a:ahLst/>
-            <a:cxnLst/>
-            <a:rect l="l" t="t" r="r" b="b"/>
-            <a:pathLst>
-              <a:path w="6878775" h="6858000">
-                <a:moveTo>
-                  <a:pt x="1102973" y="0"/>
-                </a:moveTo>
-                <a:lnTo>
-                  <a:pt x="1160688" y="0"/>
-                </a:lnTo>
-                <a:lnTo>
-                  <a:pt x="983189" y="331786"/>
-                </a:lnTo>
-                <a:cubicBezTo>
-                  <a:pt x="914866" y="469145"/>
-                  <a:pt x="850355" y="608712"/>
-                  <a:pt x="789261" y="750263"/>
-                </a:cubicBezTo>
-                <a:cubicBezTo>
-                  <a:pt x="774307" y="784928"/>
-                  <a:pt x="759992" y="819849"/>
-                  <a:pt x="745295" y="854514"/>
-                </a:cubicBezTo>
-                <a:cubicBezTo>
-                  <a:pt x="756682" y="845393"/>
-                  <a:pt x="765489" y="833492"/>
-                  <a:pt x="770857" y="819975"/>
-                </a:cubicBezTo>
-                <a:cubicBezTo>
-                  <a:pt x="879943" y="589569"/>
-                  <a:pt x="999605" y="365513"/>
-                  <a:pt x="1131329" y="148742"/>
-                </a:cubicBezTo>
-                <a:lnTo>
-                  <a:pt x="1227589" y="0"/>
-                </a:lnTo>
-                <a:lnTo>
-                  <a:pt x="6878775" y="0"/>
-                </a:lnTo>
-                <a:lnTo>
-                  <a:pt x="6878775" y="6858000"/>
-                </a:lnTo>
-                <a:lnTo>
-                  <a:pt x="713521" y="6858000"/>
-                </a:lnTo>
-                <a:lnTo>
-                  <a:pt x="625642" y="6670527"/>
-                </a:lnTo>
-                <a:cubicBezTo>
-                  <a:pt x="507232" y="6398531"/>
-                  <a:pt x="403083" y="6118381"/>
-                  <a:pt x="312785" y="5830359"/>
-                </a:cubicBezTo>
-                <a:cubicBezTo>
-                  <a:pt x="278149" y="5719759"/>
-                  <a:pt x="248879" y="5607635"/>
-                  <a:pt x="212198" y="5480401"/>
-                </a:cubicBezTo>
-                <a:cubicBezTo>
-                  <a:pt x="212208" y="5491601"/>
-                  <a:pt x="212803" y="5502788"/>
-                  <a:pt x="213988" y="5513923"/>
-                </a:cubicBezTo>
-                <a:cubicBezTo>
-                  <a:pt x="264089" y="5723695"/>
-                  <a:pt x="307290" y="5935370"/>
-                  <a:pt x="365826" y="6142729"/>
-                </a:cubicBezTo>
-                <a:cubicBezTo>
-                  <a:pt x="433152" y="6380817"/>
-                  <a:pt x="510068" y="6614016"/>
-                  <a:pt x="597975" y="6841549"/>
-                </a:cubicBezTo>
-                <a:lnTo>
-                  <a:pt x="604824" y="6858000"/>
-                </a:lnTo>
-                <a:lnTo>
-                  <a:pt x="552056" y="6858000"/>
-                </a:lnTo>
-                <a:lnTo>
-                  <a:pt x="539576" y="6828295"/>
-                </a:lnTo>
-                <a:cubicBezTo>
-                  <a:pt x="380597" y="6414594"/>
-                  <a:pt x="260223" y="5988893"/>
-                  <a:pt x="171555" y="5552906"/>
-                </a:cubicBezTo>
-                <a:cubicBezTo>
-                  <a:pt x="91163" y="5157998"/>
-                  <a:pt x="43746" y="4758899"/>
-                  <a:pt x="12305" y="4357388"/>
-                </a:cubicBezTo>
-                <a:cubicBezTo>
-                  <a:pt x="-14281" y="4013908"/>
-                  <a:pt x="4507" y="3672965"/>
-                  <a:pt x="46684" y="3331516"/>
-                </a:cubicBezTo>
-                <a:cubicBezTo>
-                  <a:pt x="127203" y="2664286"/>
-                  <a:pt x="277819" y="2007265"/>
-                  <a:pt x="496065" y="1371196"/>
-                </a:cubicBezTo>
-                <a:cubicBezTo>
-                  <a:pt x="636273" y="966066"/>
-                  <a:pt x="800445" y="573253"/>
-                  <a:pt x="995723" y="196614"/>
-                </a:cubicBezTo>
-                <a:close/>
-              </a:path>
-            </a:pathLst>
-          </a:custGeom>
-        </p:spPr>
-      </p:pic>
-    </p:spTree>
-    <p:extLst>
-      <p:ext uri="{BB962C8B-B14F-4D97-AF65-F5344CB8AC3E}">
-        <p14:creationId xmlns:p14="http://schemas.microsoft.com/office/powerpoint/2010/main" val="418889022"/>
-      </p:ext>
-    </p:extLst>
-  </p:cSld>
-  <p:clrMapOvr>
-    <a:masterClrMapping/>
-  </p:clrMapOvr>
-</p:sld>
-</file>
-
 <file path=ppt/slides/slide5.xml><?xml version="1.0" encoding="utf-8"?>
 <p:sld xmlns:a="http://schemas.openxmlformats.org/drawingml/2006/main" xmlns:r="http://schemas.openxmlformats.org/officeDocument/2006/relationships" xmlns:p="http://schemas.openxmlformats.org/presentationml/2006/main">
   <p:cSld>
@@ -10991,11 +10761,62 @@
         </p:spPr>
         <p:txBody>
           <a:bodyPr>
-            <a:normAutofit/>
+            <a:normAutofit fontScale="92500"/>
           </a:bodyPr>
           <a:lstStyle/>
           <a:p>
-            <a:endParaRPr lang="en-US"/>
+            <a:pPr>
+              <a:lnSpc>
+                <a:spcPct val="160000"/>
+              </a:lnSpc>
+            </a:pPr>
+            <a:r>
+              <a:rPr lang="en-US" dirty="0"/>
+              <a:t>Getting all reviews for each recipe for more accurate Sentiment Analysis</a:t>
+            </a:r>
+          </a:p>
+          <a:p>
+            <a:pPr>
+              <a:lnSpc>
+                <a:spcPct val="160000"/>
+              </a:lnSpc>
+            </a:pPr>
+            <a:r>
+              <a:rPr lang="en-US" dirty="0"/>
+              <a:t>Add more recipes to our </a:t>
+            </a:r>
+            <a:r>
+              <a:rPr lang="en-US" dirty="0" err="1"/>
+              <a:t>dataframe</a:t>
+            </a:r>
+            <a:endParaRPr lang="en-US" dirty="0"/>
+          </a:p>
+          <a:p>
+            <a:pPr>
+              <a:lnSpc>
+                <a:spcPct val="160000"/>
+              </a:lnSpc>
+            </a:pPr>
+            <a:r>
+              <a:rPr lang="en-US" dirty="0"/>
+              <a:t>Return output cleaner and with an image and a clickable </a:t>
+            </a:r>
+            <a:r>
+              <a:rPr lang="en-US" dirty="0" err="1"/>
+              <a:t>url</a:t>
+            </a:r>
+            <a:endParaRPr lang="en-US" dirty="0"/>
+          </a:p>
+          <a:p>
+            <a:pPr>
+              <a:lnSpc>
+                <a:spcPct val="160000"/>
+              </a:lnSpc>
+            </a:pPr>
+            <a:r>
+              <a:rPr lang="en-US" dirty="0"/>
+              <a:t>Return extra ingredients needed with a message</a:t>
+            </a:r>
           </a:p>
         </p:txBody>
       </p:sp>
@@ -11743,12 +11564,12 @@
               </a:lnSpc>
             </a:pPr>
             <a:r>
-              <a:rPr lang="en-US" sz="9200">
+              <a:rPr lang="en-US" sz="9200" dirty="0">
                 <a:solidFill>
                   <a:schemeClr val="bg1"/>
                 </a:solidFill>
               </a:rPr>
-              <a:t>Demonstration</a:t>
+              <a:t>Demonstration time…</a:t>
             </a:r>
           </a:p>
         </p:txBody>
@@ -12600,7 +12421,22 @@
           </a:bodyPr>
           <a:lstStyle/>
           <a:p>
-            <a:endParaRPr lang="en-US"/>
+            <a:r>
+              <a:rPr lang="en-US" dirty="0"/>
+              <a:t>Time management!</a:t>
+            </a:r>
+          </a:p>
+          <a:p>
+            <a:r>
+              <a:rPr lang="en-US" dirty="0"/>
+              <a:t>Scraping multiple pages – dealing with error messages and gathering lots of recipes.</a:t>
+            </a:r>
+          </a:p>
+          <a:p>
+            <a:endParaRPr lang="en-US" dirty="0"/>
+          </a:p>
+          <a:p>
+            <a:endParaRPr lang="en-US" dirty="0"/>
           </a:p>
         </p:txBody>
       </p:sp>
@@ -12873,7 +12709,7 @@
             <a:pPr algn="ctr"/>
             <a:r>
               <a:rPr lang="en-ES" sz="4000" b="1" dirty="0"/>
-              <a:t>Special thanks to Anna, Novi and Nayib!</a:t>
+              <a:t>Special thanks to Anna, Novi and Nayib and of course, the teaching team!</a:t>
             </a:r>
           </a:p>
         </p:txBody>
@@ -12882,6 +12718,106 @@
     <p:extLst>
       <p:ext uri="{BB962C8B-B14F-4D97-AF65-F5344CB8AC3E}">
         <p14:creationId xmlns:p14="http://schemas.microsoft.com/office/powerpoint/2010/main" val="1013249605"/>
+      </p:ext>
+    </p:extLst>
+  </p:cSld>
+  <p:clrMapOvr>
+    <a:masterClrMapping/>
+  </p:clrMapOvr>
+</p:sld>
+</file>
+
+<file path=ppt/slides/slide9.xml><?xml version="1.0" encoding="utf-8"?>
+<p:sld xmlns:a="http://schemas.openxmlformats.org/drawingml/2006/main" xmlns:r="http://schemas.openxmlformats.org/officeDocument/2006/relationships" xmlns:p="http://schemas.openxmlformats.org/presentationml/2006/main">
+  <p:cSld>
+    <p:spTree>
+      <p:nvGrpSpPr>
+        <p:cNvPr id="1" name=""/>
+        <p:cNvGrpSpPr/>
+        <p:nvPr/>
+      </p:nvGrpSpPr>
+      <p:grpSpPr>
+        <a:xfrm>
+          <a:off x="0" y="0"/>
+          <a:ext cx="0" cy="0"/>
+          <a:chOff x="0" y="0"/>
+          <a:chExt cx="0" cy="0"/>
+        </a:xfrm>
+      </p:grpSpPr>
+      <p:pic>
+        <p:nvPicPr>
+          <p:cNvPr id="8" name="Picture 7" descr="A picture containing background pattern&#10;&#10;Description automatically generated">
+            <a:extLst>
+              <a:ext uri="{FF2B5EF4-FFF2-40B4-BE49-F238E27FC236}">
+                <a16:creationId xmlns:a16="http://schemas.microsoft.com/office/drawing/2014/main" id="{4DB96A5C-C64C-4C44-BE04-D2C38FA43EE2}"/>
+              </a:ext>
+            </a:extLst>
+          </p:cNvPr>
+          <p:cNvPicPr>
+            <a:picLocks noChangeAspect="1"/>
+          </p:cNvPicPr>
+          <p:nvPr/>
+        </p:nvPicPr>
+        <p:blipFill>
+          <a:blip r:embed="rId2"/>
+          <a:stretch>
+            <a:fillRect/>
+          </a:stretch>
+        </p:blipFill>
+        <p:spPr>
+          <a:xfrm>
+            <a:off x="0" y="0"/>
+            <a:ext cx="12192000" cy="6858000"/>
+          </a:xfrm>
+          <a:prstGeom prst="rect">
+            <a:avLst/>
+          </a:prstGeom>
+        </p:spPr>
+      </p:pic>
+      <p:sp>
+        <p:nvSpPr>
+          <p:cNvPr id="2" name="Title 1">
+            <a:extLst>
+              <a:ext uri="{FF2B5EF4-FFF2-40B4-BE49-F238E27FC236}">
+                <a16:creationId xmlns:a16="http://schemas.microsoft.com/office/drawing/2014/main" id="{9F3D95E5-4980-AE42-87C9-A0DAE8C07745}"/>
+              </a:ext>
+            </a:extLst>
+          </p:cNvPr>
+          <p:cNvSpPr>
+            <a:spLocks noGrp="1"/>
+          </p:cNvSpPr>
+          <p:nvPr>
+            <p:ph type="ctrTitle"/>
+          </p:nvPr>
+        </p:nvSpPr>
+        <p:spPr>
+          <a:xfrm>
+            <a:off x="1230085" y="2483078"/>
+            <a:ext cx="9144000" cy="3063240"/>
+          </a:xfrm>
+        </p:spPr>
+        <p:txBody>
+          <a:bodyPr>
+            <a:normAutofit fontScale="90000"/>
+          </a:bodyPr>
+          <a:lstStyle/>
+          <a:p>
+            <a:pPr algn="ctr"/>
+            <a:r>
+              <a:rPr lang="en-GB" sz="10800" dirty="0"/>
+              <a:t>A</a:t>
+            </a:r>
+            <a:r>
+              <a:rPr lang="en-ES" sz="10800" dirty="0"/>
+              <a:t>nyone else feeling hungry?</a:t>
+            </a:r>
+          </a:p>
+        </p:txBody>
+      </p:sp>
+    </p:spTree>
+    <p:extLst>
+      <p:ext uri="{BB962C8B-B14F-4D97-AF65-F5344CB8AC3E}">
+        <p14:creationId xmlns:p14="http://schemas.microsoft.com/office/powerpoint/2010/main" val="3004950739"/>
       </p:ext>
     </p:extLst>
   </p:cSld>
